--- a/presentation/ResponsiveWebDesign.pptx
+++ b/presentation/ResponsiveWebDesign.pptx
@@ -6,6 +6,7 @@
   </p:sldMasterIdLst>
   <p:sldIdLst>
     <p:sldId id="256" r:id="rId2"/>
+    <p:sldId id="257" r:id="rId3"/>
   </p:sldIdLst>
   <p:sldSz cx="12192000" cy="6858000"/>
   <p:notesSz cx="6858000" cy="9144000"/>
@@ -238,7 +239,8 @@
           <a:p>
             <a:fld id="{57B3EDBD-9D3B-4136-9D70-FC66C9D4D47F}" type="datetimeFigureOut">
               <a:rPr lang="en-US" smtClean="0"/>
-              <a:t>10/6/2014</a:t>
+              <a:pPr/>
+              <a:t>10/7/2014</a:t>
             </a:fld>
             <a:endParaRPr lang="en-US"/>
           </a:p>
@@ -280,6 +282,7 @@
           <a:p>
             <a:fld id="{8BBD1F59-0DAF-4CE3-BBA6-285804353DFB}" type="slidenum">
               <a:rPr lang="en-US" smtClean="0"/>
+              <a:pPr/>
               <a:t>‹#›</a:t>
             </a:fld>
             <a:endParaRPr lang="en-US"/>
@@ -289,7 +292,7 @@
     </p:spTree>
     <p:extLst>
       <p:ext uri="{BB962C8B-B14F-4D97-AF65-F5344CB8AC3E}">
-        <p14:creationId xmlns:p14="http://schemas.microsoft.com/office/powerpoint/2010/main" val="603690990"/>
+        <p14:creationId xmlns:p14="http://schemas.microsoft.com/office/powerpoint/2010/main" xmlns="" val="603690990"/>
       </p:ext>
     </p:extLst>
   </p:cSld>
@@ -408,7 +411,8 @@
           <a:p>
             <a:fld id="{57B3EDBD-9D3B-4136-9D70-FC66C9D4D47F}" type="datetimeFigureOut">
               <a:rPr lang="en-US" smtClean="0"/>
-              <a:t>10/6/2014</a:t>
+              <a:pPr/>
+              <a:t>10/7/2014</a:t>
             </a:fld>
             <a:endParaRPr lang="en-US"/>
           </a:p>
@@ -450,6 +454,7 @@
           <a:p>
             <a:fld id="{8BBD1F59-0DAF-4CE3-BBA6-285804353DFB}" type="slidenum">
               <a:rPr lang="en-US" smtClean="0"/>
+              <a:pPr/>
               <a:t>‹#›</a:t>
             </a:fld>
             <a:endParaRPr lang="en-US"/>
@@ -459,7 +464,7 @@
     </p:spTree>
     <p:extLst>
       <p:ext uri="{BB962C8B-B14F-4D97-AF65-F5344CB8AC3E}">
-        <p14:creationId xmlns:p14="http://schemas.microsoft.com/office/powerpoint/2010/main" val="289908853"/>
+        <p14:creationId xmlns:p14="http://schemas.microsoft.com/office/powerpoint/2010/main" xmlns="" val="289908853"/>
       </p:ext>
     </p:extLst>
   </p:cSld>
@@ -588,7 +593,8 @@
           <a:p>
             <a:fld id="{57B3EDBD-9D3B-4136-9D70-FC66C9D4D47F}" type="datetimeFigureOut">
               <a:rPr lang="en-US" smtClean="0"/>
-              <a:t>10/6/2014</a:t>
+              <a:pPr/>
+              <a:t>10/7/2014</a:t>
             </a:fld>
             <a:endParaRPr lang="en-US"/>
           </a:p>
@@ -630,6 +636,7 @@
           <a:p>
             <a:fld id="{8BBD1F59-0DAF-4CE3-BBA6-285804353DFB}" type="slidenum">
               <a:rPr lang="en-US" smtClean="0"/>
+              <a:pPr/>
               <a:t>‹#›</a:t>
             </a:fld>
             <a:endParaRPr lang="en-US"/>
@@ -639,7 +646,7 @@
     </p:spTree>
     <p:extLst>
       <p:ext uri="{BB962C8B-B14F-4D97-AF65-F5344CB8AC3E}">
-        <p14:creationId xmlns:p14="http://schemas.microsoft.com/office/powerpoint/2010/main" val="192542277"/>
+        <p14:creationId xmlns:p14="http://schemas.microsoft.com/office/powerpoint/2010/main" xmlns="" val="192542277"/>
       </p:ext>
     </p:extLst>
   </p:cSld>
@@ -758,7 +765,8 @@
           <a:p>
             <a:fld id="{57B3EDBD-9D3B-4136-9D70-FC66C9D4D47F}" type="datetimeFigureOut">
               <a:rPr lang="en-US" smtClean="0"/>
-              <a:t>10/6/2014</a:t>
+              <a:pPr/>
+              <a:t>10/7/2014</a:t>
             </a:fld>
             <a:endParaRPr lang="en-US"/>
           </a:p>
@@ -800,6 +808,7 @@
           <a:p>
             <a:fld id="{8BBD1F59-0DAF-4CE3-BBA6-285804353DFB}" type="slidenum">
               <a:rPr lang="en-US" smtClean="0"/>
+              <a:pPr/>
               <a:t>‹#›</a:t>
             </a:fld>
             <a:endParaRPr lang="en-US"/>
@@ -809,7 +818,7 @@
     </p:spTree>
     <p:extLst>
       <p:ext uri="{BB962C8B-B14F-4D97-AF65-F5344CB8AC3E}">
-        <p14:creationId xmlns:p14="http://schemas.microsoft.com/office/powerpoint/2010/main" val="2085885461"/>
+        <p14:creationId xmlns:p14="http://schemas.microsoft.com/office/powerpoint/2010/main" xmlns="" val="2085885461"/>
       </p:ext>
     </p:extLst>
   </p:cSld>
@@ -1004,7 +1013,8 @@
           <a:p>
             <a:fld id="{57B3EDBD-9D3B-4136-9D70-FC66C9D4D47F}" type="datetimeFigureOut">
               <a:rPr lang="en-US" smtClean="0"/>
-              <a:t>10/6/2014</a:t>
+              <a:pPr/>
+              <a:t>10/7/2014</a:t>
             </a:fld>
             <a:endParaRPr lang="en-US"/>
           </a:p>
@@ -1046,6 +1056,7 @@
           <a:p>
             <a:fld id="{8BBD1F59-0DAF-4CE3-BBA6-285804353DFB}" type="slidenum">
               <a:rPr lang="en-US" smtClean="0"/>
+              <a:pPr/>
               <a:t>‹#›</a:t>
             </a:fld>
             <a:endParaRPr lang="en-US"/>
@@ -1055,7 +1066,7 @@
     </p:spTree>
     <p:extLst>
       <p:ext uri="{BB962C8B-B14F-4D97-AF65-F5344CB8AC3E}">
-        <p14:creationId xmlns:p14="http://schemas.microsoft.com/office/powerpoint/2010/main" val="3778703531"/>
+        <p14:creationId xmlns:p14="http://schemas.microsoft.com/office/powerpoint/2010/main" xmlns="" val="3778703531"/>
       </p:ext>
     </p:extLst>
   </p:cSld>
@@ -1236,7 +1247,8 @@
           <a:p>
             <a:fld id="{57B3EDBD-9D3B-4136-9D70-FC66C9D4D47F}" type="datetimeFigureOut">
               <a:rPr lang="en-US" smtClean="0"/>
-              <a:t>10/6/2014</a:t>
+              <a:pPr/>
+              <a:t>10/7/2014</a:t>
             </a:fld>
             <a:endParaRPr lang="en-US"/>
           </a:p>
@@ -1278,6 +1290,7 @@
           <a:p>
             <a:fld id="{8BBD1F59-0DAF-4CE3-BBA6-285804353DFB}" type="slidenum">
               <a:rPr lang="en-US" smtClean="0"/>
+              <a:pPr/>
               <a:t>‹#›</a:t>
             </a:fld>
             <a:endParaRPr lang="en-US"/>
@@ -1287,7 +1300,7 @@
     </p:spTree>
     <p:extLst>
       <p:ext uri="{BB962C8B-B14F-4D97-AF65-F5344CB8AC3E}">
-        <p14:creationId xmlns:p14="http://schemas.microsoft.com/office/powerpoint/2010/main" val="1931434740"/>
+        <p14:creationId xmlns:p14="http://schemas.microsoft.com/office/powerpoint/2010/main" xmlns="" val="1931434740"/>
       </p:ext>
     </p:extLst>
   </p:cSld>
@@ -1603,7 +1616,8 @@
           <a:p>
             <a:fld id="{57B3EDBD-9D3B-4136-9D70-FC66C9D4D47F}" type="datetimeFigureOut">
               <a:rPr lang="en-US" smtClean="0"/>
-              <a:t>10/6/2014</a:t>
+              <a:pPr/>
+              <a:t>10/7/2014</a:t>
             </a:fld>
             <a:endParaRPr lang="en-US"/>
           </a:p>
@@ -1645,6 +1659,7 @@
           <a:p>
             <a:fld id="{8BBD1F59-0DAF-4CE3-BBA6-285804353DFB}" type="slidenum">
               <a:rPr lang="en-US" smtClean="0"/>
+              <a:pPr/>
               <a:t>‹#›</a:t>
             </a:fld>
             <a:endParaRPr lang="en-US"/>
@@ -1654,7 +1669,7 @@
     </p:spTree>
     <p:extLst>
       <p:ext uri="{BB962C8B-B14F-4D97-AF65-F5344CB8AC3E}">
-        <p14:creationId xmlns:p14="http://schemas.microsoft.com/office/powerpoint/2010/main" val="1296646791"/>
+        <p14:creationId xmlns:p14="http://schemas.microsoft.com/office/powerpoint/2010/main" xmlns="" val="1296646791"/>
       </p:ext>
     </p:extLst>
   </p:cSld>
@@ -1721,7 +1736,8 @@
           <a:p>
             <a:fld id="{57B3EDBD-9D3B-4136-9D70-FC66C9D4D47F}" type="datetimeFigureOut">
               <a:rPr lang="en-US" smtClean="0"/>
-              <a:t>10/6/2014</a:t>
+              <a:pPr/>
+              <a:t>10/7/2014</a:t>
             </a:fld>
             <a:endParaRPr lang="en-US"/>
           </a:p>
@@ -1763,6 +1779,7 @@
           <a:p>
             <a:fld id="{8BBD1F59-0DAF-4CE3-BBA6-285804353DFB}" type="slidenum">
               <a:rPr lang="en-US" smtClean="0"/>
+              <a:pPr/>
               <a:t>‹#›</a:t>
             </a:fld>
             <a:endParaRPr lang="en-US"/>
@@ -1772,7 +1789,7 @@
     </p:spTree>
     <p:extLst>
       <p:ext uri="{BB962C8B-B14F-4D97-AF65-F5344CB8AC3E}">
-        <p14:creationId xmlns:p14="http://schemas.microsoft.com/office/powerpoint/2010/main" val="556185585"/>
+        <p14:creationId xmlns:p14="http://schemas.microsoft.com/office/powerpoint/2010/main" xmlns="" val="556185585"/>
       </p:ext>
     </p:extLst>
   </p:cSld>
@@ -1816,7 +1833,8 @@
           <a:p>
             <a:fld id="{57B3EDBD-9D3B-4136-9D70-FC66C9D4D47F}" type="datetimeFigureOut">
               <a:rPr lang="en-US" smtClean="0"/>
-              <a:t>10/6/2014</a:t>
+              <a:pPr/>
+              <a:t>10/7/2014</a:t>
             </a:fld>
             <a:endParaRPr lang="en-US"/>
           </a:p>
@@ -1858,6 +1876,7 @@
           <a:p>
             <a:fld id="{8BBD1F59-0DAF-4CE3-BBA6-285804353DFB}" type="slidenum">
               <a:rPr lang="en-US" smtClean="0"/>
+              <a:pPr/>
               <a:t>‹#›</a:t>
             </a:fld>
             <a:endParaRPr lang="en-US"/>
@@ -1867,7 +1886,7 @@
     </p:spTree>
     <p:extLst>
       <p:ext uri="{BB962C8B-B14F-4D97-AF65-F5344CB8AC3E}">
-        <p14:creationId xmlns:p14="http://schemas.microsoft.com/office/powerpoint/2010/main" val="2428574185"/>
+        <p14:creationId xmlns:p14="http://schemas.microsoft.com/office/powerpoint/2010/main" xmlns="" val="2428574185"/>
       </p:ext>
     </p:extLst>
   </p:cSld>
@@ -2093,7 +2112,8 @@
           <a:p>
             <a:fld id="{57B3EDBD-9D3B-4136-9D70-FC66C9D4D47F}" type="datetimeFigureOut">
               <a:rPr lang="en-US" smtClean="0"/>
-              <a:t>10/6/2014</a:t>
+              <a:pPr/>
+              <a:t>10/7/2014</a:t>
             </a:fld>
             <a:endParaRPr lang="en-US"/>
           </a:p>
@@ -2135,6 +2155,7 @@
           <a:p>
             <a:fld id="{8BBD1F59-0DAF-4CE3-BBA6-285804353DFB}" type="slidenum">
               <a:rPr lang="en-US" smtClean="0"/>
+              <a:pPr/>
               <a:t>‹#›</a:t>
             </a:fld>
             <a:endParaRPr lang="en-US"/>
@@ -2144,7 +2165,7 @@
     </p:spTree>
     <p:extLst>
       <p:ext uri="{BB962C8B-B14F-4D97-AF65-F5344CB8AC3E}">
-        <p14:creationId xmlns:p14="http://schemas.microsoft.com/office/powerpoint/2010/main" val="4228434209"/>
+        <p14:creationId xmlns:p14="http://schemas.microsoft.com/office/powerpoint/2010/main" xmlns="" val="4228434209"/>
       </p:ext>
     </p:extLst>
   </p:cSld>
@@ -2346,7 +2367,8 @@
           <a:p>
             <a:fld id="{57B3EDBD-9D3B-4136-9D70-FC66C9D4D47F}" type="datetimeFigureOut">
               <a:rPr lang="en-US" smtClean="0"/>
-              <a:t>10/6/2014</a:t>
+              <a:pPr/>
+              <a:t>10/7/2014</a:t>
             </a:fld>
             <a:endParaRPr lang="en-US"/>
           </a:p>
@@ -2388,6 +2410,7 @@
           <a:p>
             <a:fld id="{8BBD1F59-0DAF-4CE3-BBA6-285804353DFB}" type="slidenum">
               <a:rPr lang="en-US" smtClean="0"/>
+              <a:pPr/>
               <a:t>‹#›</a:t>
             </a:fld>
             <a:endParaRPr lang="en-US"/>
@@ -2397,7 +2420,7 @@
     </p:spTree>
     <p:extLst>
       <p:ext uri="{BB962C8B-B14F-4D97-AF65-F5344CB8AC3E}">
-        <p14:creationId xmlns:p14="http://schemas.microsoft.com/office/powerpoint/2010/main" val="3446978262"/>
+        <p14:creationId xmlns:p14="http://schemas.microsoft.com/office/powerpoint/2010/main" xmlns="" val="3446978262"/>
       </p:ext>
     </p:extLst>
   </p:cSld>
@@ -2559,7 +2582,8 @@
           <a:p>
             <a:fld id="{57B3EDBD-9D3B-4136-9D70-FC66C9D4D47F}" type="datetimeFigureOut">
               <a:rPr lang="en-US" smtClean="0"/>
-              <a:t>10/6/2014</a:t>
+              <a:pPr/>
+              <a:t>10/7/2014</a:t>
             </a:fld>
             <a:endParaRPr lang="en-US"/>
           </a:p>
@@ -2637,6 +2661,7 @@
           <a:p>
             <a:fld id="{8BBD1F59-0DAF-4CE3-BBA6-285804353DFB}" type="slidenum">
               <a:rPr lang="en-US" smtClean="0"/>
+              <a:pPr/>
               <a:t>‹#›</a:t>
             </a:fld>
             <a:endParaRPr lang="en-US"/>
@@ -2646,7 +2671,7 @@
     </p:spTree>
     <p:extLst>
       <p:ext uri="{BB962C8B-B14F-4D97-AF65-F5344CB8AC3E}">
-        <p14:creationId xmlns:p14="http://schemas.microsoft.com/office/powerpoint/2010/main" val="521963650"/>
+        <p14:creationId xmlns:p14="http://schemas.microsoft.com/office/powerpoint/2010/main" xmlns="" val="521963650"/>
       </p:ext>
     </p:extLst>
   </p:cSld>
@@ -3009,9 +3034,80 @@
     </p:spTree>
     <p:extLst>
       <p:ext uri="{BB962C8B-B14F-4D97-AF65-F5344CB8AC3E}">
-        <p14:creationId xmlns:p14="http://schemas.microsoft.com/office/powerpoint/2010/main" val="3182996200"/>
+        <p14:creationId xmlns:p14="http://schemas.microsoft.com/office/powerpoint/2010/main" xmlns="" val="3182996200"/>
       </p:ext>
     </p:extLst>
+  </p:cSld>
+  <p:clrMapOvr>
+    <a:masterClrMapping/>
+  </p:clrMapOvr>
+</p:sld>
+</file>
+
+<file path=ppt/slides/slide2.xml><?xml version="1.0" encoding="utf-8"?>
+<p:sld xmlns:a="http://schemas.openxmlformats.org/drawingml/2006/main" xmlns:r="http://schemas.openxmlformats.org/officeDocument/2006/relationships" xmlns:p="http://schemas.openxmlformats.org/presentationml/2006/main">
+  <p:cSld>
+    <p:spTree>
+      <p:nvGrpSpPr>
+        <p:cNvPr id="1" name=""/>
+        <p:cNvGrpSpPr/>
+        <p:nvPr/>
+      </p:nvGrpSpPr>
+      <p:grpSpPr>
+        <a:xfrm>
+          <a:off x="0" y="0"/>
+          <a:ext cx="0" cy="0"/>
+          <a:chOff x="0" y="0"/>
+          <a:chExt cx="0" cy="0"/>
+        </a:xfrm>
+      </p:grpSpPr>
+      <p:sp>
+        <p:nvSpPr>
+          <p:cNvPr id="2" name="Title 1"/>
+          <p:cNvSpPr>
+            <a:spLocks noGrp="1"/>
+          </p:cNvSpPr>
+          <p:nvPr>
+            <p:ph type="title"/>
+          </p:nvPr>
+        </p:nvSpPr>
+        <p:spPr/>
+        <p:txBody>
+          <a:bodyPr/>
+          <a:lstStyle/>
+          <a:p>
+            <a:r>
+              <a:rPr lang="en-US" dirty="0" smtClean="0"/>
+              <a:t>Mark’s </a:t>
+            </a:r>
+            <a:r>
+              <a:rPr lang="en-US" smtClean="0"/>
+              <a:t>Second Slide</a:t>
+            </a:r>
+            <a:endParaRPr lang="en-US"/>
+          </a:p>
+        </p:txBody>
+      </p:sp>
+      <p:sp>
+        <p:nvSpPr>
+          <p:cNvPr id="3" name="Content Placeholder 2"/>
+          <p:cNvSpPr>
+            <a:spLocks noGrp="1"/>
+          </p:cNvSpPr>
+          <p:nvPr>
+            <p:ph idx="1"/>
+          </p:nvPr>
+        </p:nvSpPr>
+        <p:spPr/>
+        <p:txBody>
+          <a:bodyPr/>
+          <a:lstStyle/>
+          <a:p>
+            <a:endParaRPr lang="en-US"/>
+          </a:p>
+        </p:txBody>
+      </p:sp>
+    </p:spTree>
   </p:cSld>
   <p:clrMapOvr>
     <a:masterClrMapping/>
@@ -3062,7 +3158,7 @@
     </a:clrScheme>
     <a:fontScheme name="Office">
       <a:majorFont>
-        <a:latin typeface="Calibri Light" panose="020F0302020204030204"/>
+        <a:latin typeface="Calibri Light"/>
         <a:ea typeface=""/>
         <a:cs typeface=""/>
         <a:font script="Jpan" typeface="ＭＳ Ｐゴシック"/>
@@ -3097,7 +3193,7 @@
         <a:font script="Geor" typeface="Sylfaen"/>
       </a:majorFont>
       <a:minorFont>
-        <a:latin typeface="Calibri" panose="020F0502020204030204"/>
+        <a:latin typeface="Calibri"/>
         <a:ea typeface=""/>
         <a:cs typeface=""/>
         <a:font script="Jpan" typeface="ＭＳ Ｐゴシック"/>
@@ -3274,7 +3370,7 @@
   <a:extraClrSchemeLst/>
   <a:extLst>
     <a:ext uri="{05A4C25C-085E-4340-85A3-A5531E510DB2}">
-      <thm15:themeFamily xmlns:thm15="http://schemas.microsoft.com/office/thememl/2012/main" name="Office Theme" id="{62F939B6-93AF-4DB8-9C6B-D6C7DFDC589F}" vid="{4A3C46E8-61CC-4603-A589-7422A47A8E4A}"/>
+      <thm15:themeFamily xmlns:thm15="http://schemas.microsoft.com/office/thememl/2012/main" xmlns="" name="Office Theme" id="{62F939B6-93AF-4DB8-9C6B-D6C7DFDC589F}" vid="{4A3C46E8-61CC-4603-A589-7422A47A8E4A}"/>
     </a:ext>
   </a:extLst>
 </a:theme>

--- a/presentation/ResponsiveWebDesign.pptx
+++ b/presentation/ResponsiveWebDesign.pptx
@@ -5,8 +5,8 @@
     <p:sldMasterId id="2147483648" r:id="rId1"/>
   </p:sldMasterIdLst>
   <p:sldIdLst>
-    <p:sldId id="256" r:id="rId2"/>
-    <p:sldId id="257" r:id="rId3"/>
+    <p:sldId id="257" r:id="rId2"/>
+    <p:sldId id="258" r:id="rId3"/>
   </p:sldIdLst>
   <p:sldSz cx="12192000" cy="6858000"/>
   <p:notesSz cx="6858000" cy="9144000"/>
@@ -240,7 +240,7 @@
             <a:fld id="{57B3EDBD-9D3B-4136-9D70-FC66C9D4D47F}" type="datetimeFigureOut">
               <a:rPr lang="en-US" smtClean="0"/>
               <a:pPr/>
-              <a:t>10/7/2014</a:t>
+              <a:t>10/9/2014</a:t>
             </a:fld>
             <a:endParaRPr lang="en-US"/>
           </a:p>
@@ -292,7 +292,7 @@
     </p:spTree>
     <p:extLst>
       <p:ext uri="{BB962C8B-B14F-4D97-AF65-F5344CB8AC3E}">
-        <p14:creationId xmlns:p14="http://schemas.microsoft.com/office/powerpoint/2010/main" xmlns="" val="603690990"/>
+        <p14:creationId xmlns="" xmlns:p14="http://schemas.microsoft.com/office/powerpoint/2010/main" val="603690990"/>
       </p:ext>
     </p:extLst>
   </p:cSld>
@@ -412,7 +412,7 @@
             <a:fld id="{57B3EDBD-9D3B-4136-9D70-FC66C9D4D47F}" type="datetimeFigureOut">
               <a:rPr lang="en-US" smtClean="0"/>
               <a:pPr/>
-              <a:t>10/7/2014</a:t>
+              <a:t>10/9/2014</a:t>
             </a:fld>
             <a:endParaRPr lang="en-US"/>
           </a:p>
@@ -464,7 +464,7 @@
     </p:spTree>
     <p:extLst>
       <p:ext uri="{BB962C8B-B14F-4D97-AF65-F5344CB8AC3E}">
-        <p14:creationId xmlns:p14="http://schemas.microsoft.com/office/powerpoint/2010/main" xmlns="" val="289908853"/>
+        <p14:creationId xmlns="" xmlns:p14="http://schemas.microsoft.com/office/powerpoint/2010/main" val="289908853"/>
       </p:ext>
     </p:extLst>
   </p:cSld>
@@ -594,7 +594,7 @@
             <a:fld id="{57B3EDBD-9D3B-4136-9D70-FC66C9D4D47F}" type="datetimeFigureOut">
               <a:rPr lang="en-US" smtClean="0"/>
               <a:pPr/>
-              <a:t>10/7/2014</a:t>
+              <a:t>10/9/2014</a:t>
             </a:fld>
             <a:endParaRPr lang="en-US"/>
           </a:p>
@@ -646,7 +646,7 @@
     </p:spTree>
     <p:extLst>
       <p:ext uri="{BB962C8B-B14F-4D97-AF65-F5344CB8AC3E}">
-        <p14:creationId xmlns:p14="http://schemas.microsoft.com/office/powerpoint/2010/main" xmlns="" val="192542277"/>
+        <p14:creationId xmlns="" xmlns:p14="http://schemas.microsoft.com/office/powerpoint/2010/main" val="192542277"/>
       </p:ext>
     </p:extLst>
   </p:cSld>
@@ -766,7 +766,7 @@
             <a:fld id="{57B3EDBD-9D3B-4136-9D70-FC66C9D4D47F}" type="datetimeFigureOut">
               <a:rPr lang="en-US" smtClean="0"/>
               <a:pPr/>
-              <a:t>10/7/2014</a:t>
+              <a:t>10/9/2014</a:t>
             </a:fld>
             <a:endParaRPr lang="en-US"/>
           </a:p>
@@ -818,7 +818,7 @@
     </p:spTree>
     <p:extLst>
       <p:ext uri="{BB962C8B-B14F-4D97-AF65-F5344CB8AC3E}">
-        <p14:creationId xmlns:p14="http://schemas.microsoft.com/office/powerpoint/2010/main" xmlns="" val="2085885461"/>
+        <p14:creationId xmlns="" xmlns:p14="http://schemas.microsoft.com/office/powerpoint/2010/main" val="2085885461"/>
       </p:ext>
     </p:extLst>
   </p:cSld>
@@ -1014,7 +1014,7 @@
             <a:fld id="{57B3EDBD-9D3B-4136-9D70-FC66C9D4D47F}" type="datetimeFigureOut">
               <a:rPr lang="en-US" smtClean="0"/>
               <a:pPr/>
-              <a:t>10/7/2014</a:t>
+              <a:t>10/9/2014</a:t>
             </a:fld>
             <a:endParaRPr lang="en-US"/>
           </a:p>
@@ -1066,7 +1066,7 @@
     </p:spTree>
     <p:extLst>
       <p:ext uri="{BB962C8B-B14F-4D97-AF65-F5344CB8AC3E}">
-        <p14:creationId xmlns:p14="http://schemas.microsoft.com/office/powerpoint/2010/main" xmlns="" val="3778703531"/>
+        <p14:creationId xmlns="" xmlns:p14="http://schemas.microsoft.com/office/powerpoint/2010/main" val="3778703531"/>
       </p:ext>
     </p:extLst>
   </p:cSld>
@@ -1248,7 +1248,7 @@
             <a:fld id="{57B3EDBD-9D3B-4136-9D70-FC66C9D4D47F}" type="datetimeFigureOut">
               <a:rPr lang="en-US" smtClean="0"/>
               <a:pPr/>
-              <a:t>10/7/2014</a:t>
+              <a:t>10/9/2014</a:t>
             </a:fld>
             <a:endParaRPr lang="en-US"/>
           </a:p>
@@ -1300,7 +1300,7 @@
     </p:spTree>
     <p:extLst>
       <p:ext uri="{BB962C8B-B14F-4D97-AF65-F5344CB8AC3E}">
-        <p14:creationId xmlns:p14="http://schemas.microsoft.com/office/powerpoint/2010/main" xmlns="" val="1931434740"/>
+        <p14:creationId xmlns="" xmlns:p14="http://schemas.microsoft.com/office/powerpoint/2010/main" val="1931434740"/>
       </p:ext>
     </p:extLst>
   </p:cSld>
@@ -1617,7 +1617,7 @@
             <a:fld id="{57B3EDBD-9D3B-4136-9D70-FC66C9D4D47F}" type="datetimeFigureOut">
               <a:rPr lang="en-US" smtClean="0"/>
               <a:pPr/>
-              <a:t>10/7/2014</a:t>
+              <a:t>10/9/2014</a:t>
             </a:fld>
             <a:endParaRPr lang="en-US"/>
           </a:p>
@@ -1669,7 +1669,7 @@
     </p:spTree>
     <p:extLst>
       <p:ext uri="{BB962C8B-B14F-4D97-AF65-F5344CB8AC3E}">
-        <p14:creationId xmlns:p14="http://schemas.microsoft.com/office/powerpoint/2010/main" xmlns="" val="1296646791"/>
+        <p14:creationId xmlns="" xmlns:p14="http://schemas.microsoft.com/office/powerpoint/2010/main" val="1296646791"/>
       </p:ext>
     </p:extLst>
   </p:cSld>
@@ -1737,7 +1737,7 @@
             <a:fld id="{57B3EDBD-9D3B-4136-9D70-FC66C9D4D47F}" type="datetimeFigureOut">
               <a:rPr lang="en-US" smtClean="0"/>
               <a:pPr/>
-              <a:t>10/7/2014</a:t>
+              <a:t>10/9/2014</a:t>
             </a:fld>
             <a:endParaRPr lang="en-US"/>
           </a:p>
@@ -1789,7 +1789,7 @@
     </p:spTree>
     <p:extLst>
       <p:ext uri="{BB962C8B-B14F-4D97-AF65-F5344CB8AC3E}">
-        <p14:creationId xmlns:p14="http://schemas.microsoft.com/office/powerpoint/2010/main" xmlns="" val="556185585"/>
+        <p14:creationId xmlns="" xmlns:p14="http://schemas.microsoft.com/office/powerpoint/2010/main" val="556185585"/>
       </p:ext>
     </p:extLst>
   </p:cSld>
@@ -1834,7 +1834,7 @@
             <a:fld id="{57B3EDBD-9D3B-4136-9D70-FC66C9D4D47F}" type="datetimeFigureOut">
               <a:rPr lang="en-US" smtClean="0"/>
               <a:pPr/>
-              <a:t>10/7/2014</a:t>
+              <a:t>10/9/2014</a:t>
             </a:fld>
             <a:endParaRPr lang="en-US"/>
           </a:p>
@@ -1886,7 +1886,7 @@
     </p:spTree>
     <p:extLst>
       <p:ext uri="{BB962C8B-B14F-4D97-AF65-F5344CB8AC3E}">
-        <p14:creationId xmlns:p14="http://schemas.microsoft.com/office/powerpoint/2010/main" xmlns="" val="2428574185"/>
+        <p14:creationId xmlns="" xmlns:p14="http://schemas.microsoft.com/office/powerpoint/2010/main" val="2428574185"/>
       </p:ext>
     </p:extLst>
   </p:cSld>
@@ -2113,7 +2113,7 @@
             <a:fld id="{57B3EDBD-9D3B-4136-9D70-FC66C9D4D47F}" type="datetimeFigureOut">
               <a:rPr lang="en-US" smtClean="0"/>
               <a:pPr/>
-              <a:t>10/7/2014</a:t>
+              <a:t>10/9/2014</a:t>
             </a:fld>
             <a:endParaRPr lang="en-US"/>
           </a:p>
@@ -2165,7 +2165,7 @@
     </p:spTree>
     <p:extLst>
       <p:ext uri="{BB962C8B-B14F-4D97-AF65-F5344CB8AC3E}">
-        <p14:creationId xmlns:p14="http://schemas.microsoft.com/office/powerpoint/2010/main" xmlns="" val="4228434209"/>
+        <p14:creationId xmlns="" xmlns:p14="http://schemas.microsoft.com/office/powerpoint/2010/main" val="4228434209"/>
       </p:ext>
     </p:extLst>
   </p:cSld>
@@ -2368,7 +2368,7 @@
             <a:fld id="{57B3EDBD-9D3B-4136-9D70-FC66C9D4D47F}" type="datetimeFigureOut">
               <a:rPr lang="en-US" smtClean="0"/>
               <a:pPr/>
-              <a:t>10/7/2014</a:t>
+              <a:t>10/9/2014</a:t>
             </a:fld>
             <a:endParaRPr lang="en-US"/>
           </a:p>
@@ -2420,7 +2420,7 @@
     </p:spTree>
     <p:extLst>
       <p:ext uri="{BB962C8B-B14F-4D97-AF65-F5344CB8AC3E}">
-        <p14:creationId xmlns:p14="http://schemas.microsoft.com/office/powerpoint/2010/main" xmlns="" val="3446978262"/>
+        <p14:creationId xmlns="" xmlns:p14="http://schemas.microsoft.com/office/powerpoint/2010/main" val="3446978262"/>
       </p:ext>
     </p:extLst>
   </p:cSld>
@@ -2583,7 +2583,7 @@
             <a:fld id="{57B3EDBD-9D3B-4136-9D70-FC66C9D4D47F}" type="datetimeFigureOut">
               <a:rPr lang="en-US" smtClean="0"/>
               <a:pPr/>
-              <a:t>10/7/2014</a:t>
+              <a:t>10/9/2014</a:t>
             </a:fld>
             <a:endParaRPr lang="en-US"/>
           </a:p>
@@ -2671,7 +2671,7 @@
     </p:spTree>
     <p:extLst>
       <p:ext uri="{BB962C8B-B14F-4D97-AF65-F5344CB8AC3E}">
-        <p14:creationId xmlns:p14="http://schemas.microsoft.com/office/powerpoint/2010/main" xmlns="" val="521963650"/>
+        <p14:creationId xmlns="" xmlns:p14="http://schemas.microsoft.com/office/powerpoint/2010/main" val="521963650"/>
       </p:ext>
     </p:extLst>
   </p:cSld>
@@ -2996,47 +2996,48 @@
             <a:spLocks noGrp="1"/>
           </p:cNvSpPr>
           <p:nvPr>
-            <p:ph type="ctrTitle"/>
-          </p:nvPr>
-        </p:nvSpPr>
-        <p:spPr/>
-        <p:txBody>
-          <a:bodyPr/>
-          <a:lstStyle/>
-          <a:p>
-            <a:r>
-              <a:rPr lang="en-US" smtClean="0"/>
-              <a:t>Mark’s Slide</a:t>
-            </a:r>
-            <a:endParaRPr lang="en-US"/>
-          </a:p>
-        </p:txBody>
-      </p:sp>
-      <p:sp>
-        <p:nvSpPr>
-          <p:cNvPr id="3" name="Subtitle 2"/>
-          <p:cNvSpPr>
-            <a:spLocks noGrp="1"/>
-          </p:cNvSpPr>
-          <p:nvPr>
-            <p:ph type="subTitle" idx="1"/>
-          </p:nvPr>
-        </p:nvSpPr>
-        <p:spPr/>
-        <p:txBody>
-          <a:bodyPr/>
-          <a:lstStyle/>
-          <a:p>
-            <a:endParaRPr lang="en-US"/>
+            <p:ph type="title"/>
+          </p:nvPr>
+        </p:nvSpPr>
+        <p:spPr/>
+        <p:txBody>
+          <a:bodyPr/>
+          <a:lstStyle/>
+          <a:p>
+            <a:r>
+              <a:rPr lang="en-US" dirty="0" smtClean="0"/>
+              <a:t>Viewport</a:t>
+            </a:r>
+            <a:endParaRPr lang="en-US" dirty="0"/>
+          </a:p>
+        </p:txBody>
+      </p:sp>
+      <p:sp>
+        <p:nvSpPr>
+          <p:cNvPr id="3" name="Content Placeholder 2"/>
+          <p:cNvSpPr>
+            <a:spLocks noGrp="1"/>
+          </p:cNvSpPr>
+          <p:nvPr>
+            <p:ph idx="1"/>
+          </p:nvPr>
+        </p:nvSpPr>
+        <p:spPr/>
+        <p:txBody>
+          <a:bodyPr>
+            <a:normAutofit/>
+          </a:bodyPr>
+          <a:lstStyle/>
+          <a:p>
+            <a:r>
+              <a:rPr lang="en-US" sz="2400" dirty="0" smtClean="0"/>
+              <a:t>&lt;meta name=“viewport” content=“width=device-width, initial-scale=1”&gt;</a:t>
+            </a:r>
+            <a:endParaRPr lang="en-US" sz="2400" dirty="0"/>
           </a:p>
         </p:txBody>
       </p:sp>
     </p:spTree>
-    <p:extLst>
-      <p:ext uri="{BB962C8B-B14F-4D97-AF65-F5344CB8AC3E}">
-        <p14:creationId xmlns:p14="http://schemas.microsoft.com/office/powerpoint/2010/main" xmlns="" val="3182996200"/>
-      </p:ext>
-    </p:extLst>
   </p:cSld>
   <p:clrMapOvr>
     <a:masterClrMapping/>
@@ -3078,13 +3079,9 @@
           <a:p>
             <a:r>
               <a:rPr lang="en-US" dirty="0" smtClean="0"/>
-              <a:t>Mark’s </a:t>
-            </a:r>
-            <a:r>
-              <a:rPr lang="en-US" smtClean="0"/>
-              <a:t>Second Slide</a:t>
-            </a:r>
-            <a:endParaRPr lang="en-US"/>
+              <a:t>Reset CSS</a:t>
+            </a:r>
+            <a:endParaRPr lang="en-US" dirty="0"/>
           </a:p>
         </p:txBody>
       </p:sp>
@@ -3103,7 +3100,36 @@
           <a:bodyPr/>
           <a:lstStyle/>
           <a:p>
-            <a:endParaRPr lang="en-US"/>
+            <a:r>
+              <a:rPr lang="en-US" dirty="0" smtClean="0"/>
+              <a:t>I like to reset all </a:t>
+            </a:r>
+            <a:r>
+              <a:rPr lang="en-US" dirty="0" err="1" smtClean="0"/>
+              <a:t>css</a:t>
+            </a:r>
+            <a:r>
+              <a:rPr lang="en-US" dirty="0" smtClean="0"/>
+              <a:t>, so that I am in charge of margins, padding, etc.</a:t>
+            </a:r>
+          </a:p>
+          <a:p>
+            <a:r>
+              <a:rPr lang="en-US" dirty="0" smtClean="0"/>
+              <a:t>Popular reset </a:t>
+            </a:r>
+            <a:r>
+              <a:rPr lang="en-US" dirty="0" err="1" smtClean="0"/>
+              <a:t>css</a:t>
+            </a:r>
+            <a:r>
+              <a:rPr lang="en-US" dirty="0" smtClean="0"/>
+              <a:t> can </a:t>
+            </a:r>
+            <a:r>
+              <a:rPr lang="en-US" dirty="0" smtClean="0"/>
+              <a:t>be found at: http://www.cssreset.com/</a:t>
+            </a:r>
           </a:p>
         </p:txBody>
       </p:sp>
@@ -3370,7 +3396,7 @@
   <a:extraClrSchemeLst/>
   <a:extLst>
     <a:ext uri="{05A4C25C-085E-4340-85A3-A5531E510DB2}">
-      <thm15:themeFamily xmlns:thm15="http://schemas.microsoft.com/office/thememl/2012/main" xmlns="" name="Office Theme" id="{62F939B6-93AF-4DB8-9C6B-D6C7DFDC589F}" vid="{4A3C46E8-61CC-4603-A589-7422A47A8E4A}"/>
+      <thm15:themeFamily xmlns="" xmlns:thm15="http://schemas.microsoft.com/office/thememl/2012/main" name="Office Theme" id="{62F939B6-93AF-4DB8-9C6B-D6C7DFDC589F}" vid="{4A3C46E8-61CC-4603-A589-7422A47A8E4A}"/>
     </a:ext>
   </a:extLst>
 </a:theme>

--- a/presentation/ResponsiveWebDesign.pptx
+++ b/presentation/ResponsiveWebDesign.pptx
@@ -7,6 +7,8 @@
   <p:sldIdLst>
     <p:sldId id="257" r:id="rId2"/>
     <p:sldId id="258" r:id="rId3"/>
+    <p:sldId id="259" r:id="rId4"/>
+    <p:sldId id="260" r:id="rId5"/>
   </p:sldIdLst>
   <p:sldSz cx="12192000" cy="6858000"/>
   <p:notesSz cx="6858000" cy="9144000"/>
@@ -105,6 +107,22 @@
       </a:defRPr>
     </a:lvl9pPr>
   </p:defaultTextStyle>
+  <p:extLst>
+    <p:ext uri="{EFAFB233-063F-42B5-8137-9DF3F51BA10A}">
+      <p15:sldGuideLst xmlns:p15="http://schemas.microsoft.com/office/powerpoint/2012/main">
+        <p15:guide id="1" orient="horz" pos="2160">
+          <p15:clr>
+            <a:srgbClr val="A4A3A4"/>
+          </p15:clr>
+        </p15:guide>
+        <p15:guide id="2" pos="3840">
+          <p15:clr>
+            <a:srgbClr val="A4A3A4"/>
+          </p15:clr>
+        </p15:guide>
+      </p15:sldGuideLst>
+    </p:ext>
+  </p:extLst>
 </p:presentation>
 </file>
 
@@ -292,7 +310,7 @@
     </p:spTree>
     <p:extLst>
       <p:ext uri="{BB962C8B-B14F-4D97-AF65-F5344CB8AC3E}">
-        <p14:creationId xmlns="" xmlns:p14="http://schemas.microsoft.com/office/powerpoint/2010/main" val="603690990"/>
+        <p14:creationId xmlns:p14="http://schemas.microsoft.com/office/powerpoint/2010/main" val="603690990"/>
       </p:ext>
     </p:extLst>
   </p:cSld>
@@ -464,7 +482,7 @@
     </p:spTree>
     <p:extLst>
       <p:ext uri="{BB962C8B-B14F-4D97-AF65-F5344CB8AC3E}">
-        <p14:creationId xmlns="" xmlns:p14="http://schemas.microsoft.com/office/powerpoint/2010/main" val="289908853"/>
+        <p14:creationId xmlns:p14="http://schemas.microsoft.com/office/powerpoint/2010/main" val="289908853"/>
       </p:ext>
     </p:extLst>
   </p:cSld>
@@ -646,7 +664,7 @@
     </p:spTree>
     <p:extLst>
       <p:ext uri="{BB962C8B-B14F-4D97-AF65-F5344CB8AC3E}">
-        <p14:creationId xmlns="" xmlns:p14="http://schemas.microsoft.com/office/powerpoint/2010/main" val="192542277"/>
+        <p14:creationId xmlns:p14="http://schemas.microsoft.com/office/powerpoint/2010/main" val="192542277"/>
       </p:ext>
     </p:extLst>
   </p:cSld>
@@ -818,7 +836,7 @@
     </p:spTree>
     <p:extLst>
       <p:ext uri="{BB962C8B-B14F-4D97-AF65-F5344CB8AC3E}">
-        <p14:creationId xmlns="" xmlns:p14="http://schemas.microsoft.com/office/powerpoint/2010/main" val="2085885461"/>
+        <p14:creationId xmlns:p14="http://schemas.microsoft.com/office/powerpoint/2010/main" val="2085885461"/>
       </p:ext>
     </p:extLst>
   </p:cSld>
@@ -1066,7 +1084,7 @@
     </p:spTree>
     <p:extLst>
       <p:ext uri="{BB962C8B-B14F-4D97-AF65-F5344CB8AC3E}">
-        <p14:creationId xmlns="" xmlns:p14="http://schemas.microsoft.com/office/powerpoint/2010/main" val="3778703531"/>
+        <p14:creationId xmlns:p14="http://schemas.microsoft.com/office/powerpoint/2010/main" val="3778703531"/>
       </p:ext>
     </p:extLst>
   </p:cSld>
@@ -1300,7 +1318,7 @@
     </p:spTree>
     <p:extLst>
       <p:ext uri="{BB962C8B-B14F-4D97-AF65-F5344CB8AC3E}">
-        <p14:creationId xmlns="" xmlns:p14="http://schemas.microsoft.com/office/powerpoint/2010/main" val="1931434740"/>
+        <p14:creationId xmlns:p14="http://schemas.microsoft.com/office/powerpoint/2010/main" val="1931434740"/>
       </p:ext>
     </p:extLst>
   </p:cSld>
@@ -1669,7 +1687,7 @@
     </p:spTree>
     <p:extLst>
       <p:ext uri="{BB962C8B-B14F-4D97-AF65-F5344CB8AC3E}">
-        <p14:creationId xmlns="" xmlns:p14="http://schemas.microsoft.com/office/powerpoint/2010/main" val="1296646791"/>
+        <p14:creationId xmlns:p14="http://schemas.microsoft.com/office/powerpoint/2010/main" val="1296646791"/>
       </p:ext>
     </p:extLst>
   </p:cSld>
@@ -1789,7 +1807,7 @@
     </p:spTree>
     <p:extLst>
       <p:ext uri="{BB962C8B-B14F-4D97-AF65-F5344CB8AC3E}">
-        <p14:creationId xmlns="" xmlns:p14="http://schemas.microsoft.com/office/powerpoint/2010/main" val="556185585"/>
+        <p14:creationId xmlns:p14="http://schemas.microsoft.com/office/powerpoint/2010/main" val="556185585"/>
       </p:ext>
     </p:extLst>
   </p:cSld>
@@ -1886,7 +1904,7 @@
     </p:spTree>
     <p:extLst>
       <p:ext uri="{BB962C8B-B14F-4D97-AF65-F5344CB8AC3E}">
-        <p14:creationId xmlns="" xmlns:p14="http://schemas.microsoft.com/office/powerpoint/2010/main" val="2428574185"/>
+        <p14:creationId xmlns:p14="http://schemas.microsoft.com/office/powerpoint/2010/main" val="2428574185"/>
       </p:ext>
     </p:extLst>
   </p:cSld>
@@ -2165,7 +2183,7 @@
     </p:spTree>
     <p:extLst>
       <p:ext uri="{BB962C8B-B14F-4D97-AF65-F5344CB8AC3E}">
-        <p14:creationId xmlns="" xmlns:p14="http://schemas.microsoft.com/office/powerpoint/2010/main" val="4228434209"/>
+        <p14:creationId xmlns:p14="http://schemas.microsoft.com/office/powerpoint/2010/main" val="4228434209"/>
       </p:ext>
     </p:extLst>
   </p:cSld>
@@ -2420,7 +2438,7 @@
     </p:spTree>
     <p:extLst>
       <p:ext uri="{BB962C8B-B14F-4D97-AF65-F5344CB8AC3E}">
-        <p14:creationId xmlns="" xmlns:p14="http://schemas.microsoft.com/office/powerpoint/2010/main" val="3446978262"/>
+        <p14:creationId xmlns:p14="http://schemas.microsoft.com/office/powerpoint/2010/main" val="3446978262"/>
       </p:ext>
     </p:extLst>
   </p:cSld>
@@ -2671,7 +2689,7 @@
     </p:spTree>
     <p:extLst>
       <p:ext uri="{BB962C8B-B14F-4D97-AF65-F5344CB8AC3E}">
-        <p14:creationId xmlns="" xmlns:p14="http://schemas.microsoft.com/office/powerpoint/2010/main" val="521963650"/>
+        <p14:creationId xmlns:p14="http://schemas.microsoft.com/office/powerpoint/2010/main" val="521963650"/>
       </p:ext>
     </p:extLst>
   </p:cSld>
@@ -3124,16 +3142,197 @@
             </a:r>
             <a:r>
               <a:rPr lang="en-US" dirty="0" smtClean="0"/>
-              <a:t> can </a:t>
-            </a:r>
+              <a:t> can be found at: http://www.cssreset.com/</a:t>
+            </a:r>
+          </a:p>
+        </p:txBody>
+      </p:sp>
+    </p:spTree>
+  </p:cSld>
+  <p:clrMapOvr>
+    <a:masterClrMapping/>
+  </p:clrMapOvr>
+</p:sld>
+</file>
+
+<file path=ppt/slides/slide3.xml><?xml version="1.0" encoding="utf-8"?>
+<p:sld xmlns:a="http://schemas.openxmlformats.org/drawingml/2006/main" xmlns:r="http://schemas.openxmlformats.org/officeDocument/2006/relationships" xmlns:p="http://schemas.openxmlformats.org/presentationml/2006/main">
+  <p:cSld>
+    <p:spTree>
+      <p:nvGrpSpPr>
+        <p:cNvPr id="1" name=""/>
+        <p:cNvGrpSpPr/>
+        <p:nvPr/>
+      </p:nvGrpSpPr>
+      <p:grpSpPr>
+        <a:xfrm>
+          <a:off x="0" y="0"/>
+          <a:ext cx="0" cy="0"/>
+          <a:chOff x="0" y="0"/>
+          <a:chExt cx="0" cy="0"/>
+        </a:xfrm>
+      </p:grpSpPr>
+      <p:sp>
+        <p:nvSpPr>
+          <p:cNvPr id="2" name="Title 1"/>
+          <p:cNvSpPr>
+            <a:spLocks noGrp="1"/>
+          </p:cNvSpPr>
+          <p:nvPr>
+            <p:ph type="title"/>
+          </p:nvPr>
+        </p:nvSpPr>
+        <p:spPr/>
+        <p:txBody>
+          <a:bodyPr/>
+          <a:lstStyle/>
+          <a:p>
             <a:r>
               <a:rPr lang="en-US" dirty="0" smtClean="0"/>
-              <a:t>be found at: http://www.cssreset.com/</a:t>
-            </a:r>
+              <a:t>Media Queries</a:t>
+            </a:r>
+            <a:endParaRPr lang="en-US" dirty="0"/>
+          </a:p>
+        </p:txBody>
+      </p:sp>
+      <p:sp>
+        <p:nvSpPr>
+          <p:cNvPr id="3" name="Content Placeholder 2"/>
+          <p:cNvSpPr>
+            <a:spLocks noGrp="1"/>
+          </p:cNvSpPr>
+          <p:nvPr>
+            <p:ph idx="1"/>
+          </p:nvPr>
+        </p:nvSpPr>
+        <p:spPr/>
+        <p:txBody>
+          <a:bodyPr/>
+          <a:lstStyle/>
+          <a:p>
+            <a:r>
+              <a:rPr lang="en-US" dirty="0" smtClean="0"/>
+              <a:t>@media screen and (min-width: 321px) and (max-width: 480px) { }</a:t>
+            </a:r>
+            <a:endParaRPr lang="en-US" dirty="0"/>
           </a:p>
         </p:txBody>
       </p:sp>
     </p:spTree>
+    <p:extLst>
+      <p:ext uri="{BB962C8B-B14F-4D97-AF65-F5344CB8AC3E}">
+        <p14:creationId xmlns:p14="http://schemas.microsoft.com/office/powerpoint/2010/main" val="4204333805"/>
+      </p:ext>
+    </p:extLst>
+  </p:cSld>
+  <p:clrMapOvr>
+    <a:masterClrMapping/>
+  </p:clrMapOvr>
+</p:sld>
+</file>
+
+<file path=ppt/slides/slide4.xml><?xml version="1.0" encoding="utf-8"?>
+<p:sld xmlns:a="http://schemas.openxmlformats.org/drawingml/2006/main" xmlns:r="http://schemas.openxmlformats.org/officeDocument/2006/relationships" xmlns:p="http://schemas.openxmlformats.org/presentationml/2006/main">
+  <p:cSld>
+    <p:spTree>
+      <p:nvGrpSpPr>
+        <p:cNvPr id="1" name=""/>
+        <p:cNvGrpSpPr/>
+        <p:nvPr/>
+      </p:nvGrpSpPr>
+      <p:grpSpPr>
+        <a:xfrm>
+          <a:off x="0" y="0"/>
+          <a:ext cx="0" cy="0"/>
+          <a:chOff x="0" y="0"/>
+          <a:chExt cx="0" cy="0"/>
+        </a:xfrm>
+      </p:grpSpPr>
+      <p:sp>
+        <p:nvSpPr>
+          <p:cNvPr id="2" name="Title 1"/>
+          <p:cNvSpPr>
+            <a:spLocks noGrp="1"/>
+          </p:cNvSpPr>
+          <p:nvPr>
+            <p:ph type="title"/>
+          </p:nvPr>
+        </p:nvSpPr>
+        <p:spPr/>
+        <p:txBody>
+          <a:bodyPr/>
+          <a:lstStyle/>
+          <a:p>
+            <a:r>
+              <a:rPr lang="en-US" dirty="0" smtClean="0"/>
+              <a:t>&lt;picture&gt;</a:t>
+            </a:r>
+            <a:endParaRPr lang="en-US" dirty="0"/>
+          </a:p>
+        </p:txBody>
+      </p:sp>
+      <p:sp>
+        <p:nvSpPr>
+          <p:cNvPr id="3" name="Content Placeholder 2"/>
+          <p:cNvSpPr>
+            <a:spLocks noGrp="1"/>
+          </p:cNvSpPr>
+          <p:nvPr>
+            <p:ph idx="1"/>
+          </p:nvPr>
+        </p:nvSpPr>
+        <p:spPr/>
+        <p:txBody>
+          <a:bodyPr/>
+          <a:lstStyle/>
+          <a:p>
+            <a:r>
+              <a:rPr lang="en-US" dirty="0" smtClean="0"/>
+              <a:t>Proposed responsive image tag.</a:t>
+            </a:r>
+          </a:p>
+          <a:p>
+            <a:r>
+              <a:rPr lang="en-US" dirty="0" smtClean="0"/>
+              <a:t>&lt;picture&gt;</a:t>
+            </a:r>
+            <a:r>
+              <a:rPr lang="en-US" dirty="0"/>
+              <a:t/>
+            </a:r>
+            <a:br>
+              <a:rPr lang="en-US" dirty="0"/>
+            </a:br>
+            <a:r>
+              <a:rPr lang="en-US" dirty="0" smtClean="0"/>
+              <a:t>	&lt;source</a:t>
+            </a:r>
+            <a:br>
+              <a:rPr lang="en-US" dirty="0" smtClean="0"/>
+            </a:br>
+            <a:r>
+              <a:rPr lang="en-US" dirty="0" smtClean="0"/>
+              <a:t>&lt;/picture&gt;</a:t>
+            </a:r>
+          </a:p>
+          <a:p>
+            <a:r>
+              <a:rPr lang="en-US" dirty="0" err="1" smtClean="0"/>
+              <a:t>Polyfill</a:t>
+            </a:r>
+            <a:r>
+              <a:rPr lang="en-US" dirty="0"/>
+              <a:t> at: https://github.com/scottjehl/picturefill</a:t>
+            </a:r>
+          </a:p>
+        </p:txBody>
+      </p:sp>
+    </p:spTree>
+    <p:extLst>
+      <p:ext uri="{BB962C8B-B14F-4D97-AF65-F5344CB8AC3E}">
+        <p14:creationId xmlns:p14="http://schemas.microsoft.com/office/powerpoint/2010/main" val="2184689531"/>
+      </p:ext>
+    </p:extLst>
   </p:cSld>
   <p:clrMapOvr>
     <a:masterClrMapping/>
@@ -3396,7 +3595,7 @@
   <a:extraClrSchemeLst/>
   <a:extLst>
     <a:ext uri="{05A4C25C-085E-4340-85A3-A5531E510DB2}">
-      <thm15:themeFamily xmlns="" xmlns:thm15="http://schemas.microsoft.com/office/thememl/2012/main" name="Office Theme" id="{62F939B6-93AF-4DB8-9C6B-D6C7DFDC589F}" vid="{4A3C46E8-61CC-4603-A589-7422A47A8E4A}"/>
+      <thm15:themeFamily xmlns:thm15="http://schemas.microsoft.com/office/thememl/2012/main" name="Office Theme" id="{62F939B6-93AF-4DB8-9C6B-D6C7DFDC589F}" vid="{4A3C46E8-61CC-4603-A589-7422A47A8E4A}"/>
     </a:ext>
   </a:extLst>
 </a:theme>

--- a/presentation/ResponsiveWebDesign.pptx
+++ b/presentation/ResponsiveWebDesign.pptx
@@ -258,7 +258,7 @@
             <a:fld id="{57B3EDBD-9D3B-4136-9D70-FC66C9D4D47F}" type="datetimeFigureOut">
               <a:rPr lang="en-US" smtClean="0"/>
               <a:pPr/>
-              <a:t>10/9/2014</a:t>
+              <a:t>10/10/2014</a:t>
             </a:fld>
             <a:endParaRPr lang="en-US"/>
           </a:p>
@@ -430,7 +430,7 @@
             <a:fld id="{57B3EDBD-9D3B-4136-9D70-FC66C9D4D47F}" type="datetimeFigureOut">
               <a:rPr lang="en-US" smtClean="0"/>
               <a:pPr/>
-              <a:t>10/9/2014</a:t>
+              <a:t>10/10/2014</a:t>
             </a:fld>
             <a:endParaRPr lang="en-US"/>
           </a:p>
@@ -612,7 +612,7 @@
             <a:fld id="{57B3EDBD-9D3B-4136-9D70-FC66C9D4D47F}" type="datetimeFigureOut">
               <a:rPr lang="en-US" smtClean="0"/>
               <a:pPr/>
-              <a:t>10/9/2014</a:t>
+              <a:t>10/10/2014</a:t>
             </a:fld>
             <a:endParaRPr lang="en-US"/>
           </a:p>
@@ -784,7 +784,7 @@
             <a:fld id="{57B3EDBD-9D3B-4136-9D70-FC66C9D4D47F}" type="datetimeFigureOut">
               <a:rPr lang="en-US" smtClean="0"/>
               <a:pPr/>
-              <a:t>10/9/2014</a:t>
+              <a:t>10/10/2014</a:t>
             </a:fld>
             <a:endParaRPr lang="en-US"/>
           </a:p>
@@ -1032,7 +1032,7 @@
             <a:fld id="{57B3EDBD-9D3B-4136-9D70-FC66C9D4D47F}" type="datetimeFigureOut">
               <a:rPr lang="en-US" smtClean="0"/>
               <a:pPr/>
-              <a:t>10/9/2014</a:t>
+              <a:t>10/10/2014</a:t>
             </a:fld>
             <a:endParaRPr lang="en-US"/>
           </a:p>
@@ -1266,7 +1266,7 @@
             <a:fld id="{57B3EDBD-9D3B-4136-9D70-FC66C9D4D47F}" type="datetimeFigureOut">
               <a:rPr lang="en-US" smtClean="0"/>
               <a:pPr/>
-              <a:t>10/9/2014</a:t>
+              <a:t>10/10/2014</a:t>
             </a:fld>
             <a:endParaRPr lang="en-US"/>
           </a:p>
@@ -1635,7 +1635,7 @@
             <a:fld id="{57B3EDBD-9D3B-4136-9D70-FC66C9D4D47F}" type="datetimeFigureOut">
               <a:rPr lang="en-US" smtClean="0"/>
               <a:pPr/>
-              <a:t>10/9/2014</a:t>
+              <a:t>10/10/2014</a:t>
             </a:fld>
             <a:endParaRPr lang="en-US"/>
           </a:p>
@@ -1755,7 +1755,7 @@
             <a:fld id="{57B3EDBD-9D3B-4136-9D70-FC66C9D4D47F}" type="datetimeFigureOut">
               <a:rPr lang="en-US" smtClean="0"/>
               <a:pPr/>
-              <a:t>10/9/2014</a:t>
+              <a:t>10/10/2014</a:t>
             </a:fld>
             <a:endParaRPr lang="en-US"/>
           </a:p>
@@ -1852,7 +1852,7 @@
             <a:fld id="{57B3EDBD-9D3B-4136-9D70-FC66C9D4D47F}" type="datetimeFigureOut">
               <a:rPr lang="en-US" smtClean="0"/>
               <a:pPr/>
-              <a:t>10/9/2014</a:t>
+              <a:t>10/10/2014</a:t>
             </a:fld>
             <a:endParaRPr lang="en-US"/>
           </a:p>
@@ -2131,7 +2131,7 @@
             <a:fld id="{57B3EDBD-9D3B-4136-9D70-FC66C9D4D47F}" type="datetimeFigureOut">
               <a:rPr lang="en-US" smtClean="0"/>
               <a:pPr/>
-              <a:t>10/9/2014</a:t>
+              <a:t>10/10/2014</a:t>
             </a:fld>
             <a:endParaRPr lang="en-US"/>
           </a:p>
@@ -2386,7 +2386,7 @@
             <a:fld id="{57B3EDBD-9D3B-4136-9D70-FC66C9D4D47F}" type="datetimeFigureOut">
               <a:rPr lang="en-US" smtClean="0"/>
               <a:pPr/>
-              <a:t>10/9/2014</a:t>
+              <a:t>10/10/2014</a:t>
             </a:fld>
             <a:endParaRPr lang="en-US"/>
           </a:p>
@@ -2601,7 +2601,7 @@
             <a:fld id="{57B3EDBD-9D3B-4136-9D70-FC66C9D4D47F}" type="datetimeFigureOut">
               <a:rPr lang="en-US" smtClean="0"/>
               <a:pPr/>
-              <a:t>10/9/2014</a:t>
+              <a:t>10/10/2014</a:t>
             </a:fld>
             <a:endParaRPr lang="en-US"/>
           </a:p>
@@ -3283,7 +3283,9 @@
         </p:nvSpPr>
         <p:spPr/>
         <p:txBody>
-          <a:bodyPr/>
+          <a:bodyPr>
+            <a:normAutofit/>
+          </a:bodyPr>
           <a:lstStyle/>
           <a:p>
             <a:r>
@@ -3293,26 +3295,119 @@
           </a:p>
           <a:p>
             <a:r>
-              <a:rPr lang="en-US" dirty="0" smtClean="0"/>
-              <a:t>&lt;picture&gt;</a:t>
-            </a:r>
-            <a:r>
-              <a:rPr lang="en-US" dirty="0"/>
-              <a:t/>
+              <a:rPr lang="en-US" sz="2000" dirty="0"/>
+              <a:t>&lt;picture</a:t>
+            </a:r>
+            <a:r>
+              <a:rPr lang="en-US" sz="2000" dirty="0" smtClean="0"/>
+              <a:t>&gt;</a:t>
             </a:r>
             <a:br>
-              <a:rPr lang="en-US" dirty="0"/>
+              <a:rPr lang="en-US" sz="2000" dirty="0" smtClean="0"/>
             </a:br>
             <a:r>
-              <a:rPr lang="en-US" dirty="0" smtClean="0"/>
-              <a:t>	&lt;source</a:t>
+              <a:rPr lang="en-US" sz="2000" dirty="0" smtClean="0"/>
+              <a:t>	&lt;</a:t>
+            </a:r>
+            <a:r>
+              <a:rPr lang="en-US" sz="2000" dirty="0"/>
+              <a:t>source </a:t>
+            </a:r>
+            <a:r>
+              <a:rPr lang="en-US" sz="2000" dirty="0" err="1"/>
+              <a:t>srcset</a:t>
+            </a:r>
+            <a:r>
+              <a:rPr lang="en-US" sz="2000" dirty="0"/>
+              <a:t>="examples/images/extralarge.jpg" media="(min-width: 1000px</a:t>
+            </a:r>
+            <a:r>
+              <a:rPr lang="en-US" sz="2000" dirty="0" smtClean="0"/>
+              <a:t>)"&gt;</a:t>
             </a:r>
             <a:br>
-              <a:rPr lang="en-US" dirty="0" smtClean="0"/>
+              <a:rPr lang="en-US" sz="2000" dirty="0" smtClean="0"/>
             </a:br>
             <a:r>
-              <a:rPr lang="en-US" dirty="0" smtClean="0"/>
-              <a:t>&lt;/picture&gt;</a:t>
+              <a:rPr lang="en-US" sz="2000" dirty="0" smtClean="0"/>
+              <a:t>	&lt;</a:t>
+            </a:r>
+            <a:r>
+              <a:rPr lang="en-US" sz="2000" dirty="0"/>
+              <a:t>source </a:t>
+            </a:r>
+            <a:r>
+              <a:rPr lang="en-US" sz="2000" dirty="0" err="1"/>
+              <a:t>srcset</a:t>
+            </a:r>
+            <a:r>
+              <a:rPr lang="en-US" sz="2000" dirty="0"/>
+              <a:t>="examples/images/large.jpg" media="(min-width: 800px</a:t>
+            </a:r>
+            <a:r>
+              <a:rPr lang="en-US" sz="2000" dirty="0" smtClean="0"/>
+              <a:t>)"&gt;</a:t>
+            </a:r>
+            <a:br>
+              <a:rPr lang="en-US" sz="2000" dirty="0" smtClean="0"/>
+            </a:br>
+            <a:r>
+              <a:rPr lang="en-US" sz="2000" dirty="0" smtClean="0"/>
+              <a:t>	&lt;</a:t>
+            </a:r>
+            <a:r>
+              <a:rPr lang="en-US" sz="2000" dirty="0"/>
+              <a:t>source </a:t>
+            </a:r>
+            <a:r>
+              <a:rPr lang="en-US" sz="2000" dirty="0" err="1"/>
+              <a:t>srcset</a:t>
+            </a:r>
+            <a:r>
+              <a:rPr lang="en-US" sz="2000" dirty="0"/>
+              <a:t>="examples/images/medium.jpg</a:t>
+            </a:r>
+            <a:r>
+              <a:rPr lang="en-US" sz="2000" dirty="0" smtClean="0"/>
+              <a:t>"&gt;</a:t>
+            </a:r>
+            <a:br>
+              <a:rPr lang="en-US" sz="2000" dirty="0" smtClean="0"/>
+            </a:br>
+            <a:r>
+              <a:rPr lang="en-US" sz="2000" dirty="0" smtClean="0"/>
+              <a:t>	&lt;</a:t>
+            </a:r>
+            <a:r>
+              <a:rPr lang="en-US" sz="2000" dirty="0" err="1"/>
+              <a:t>img</a:t>
+            </a:r>
+            <a:r>
+              <a:rPr lang="en-US" sz="2000" dirty="0"/>
+              <a:t> </a:t>
+            </a:r>
+            <a:r>
+              <a:rPr lang="en-US" sz="2000" dirty="0" err="1"/>
+              <a:t>srcset</a:t>
+            </a:r>
+            <a:r>
+              <a:rPr lang="en-US" sz="2000" dirty="0"/>
+              <a:t>="examples/images/medium.jpg" </a:t>
+            </a:r>
+            <a:r>
+              <a:rPr lang="en-US" sz="2000" dirty="0" smtClean="0"/>
+              <a:t>&gt;</a:t>
+            </a:r>
+            <a:br>
+              <a:rPr lang="en-US" sz="2000" dirty="0" smtClean="0"/>
+            </a:br>
+            <a:r>
+              <a:rPr lang="en-US" sz="2000" dirty="0" smtClean="0"/>
+              <a:t>&lt;/</a:t>
+            </a:r>
+            <a:r>
+              <a:rPr lang="en-US" sz="2000" dirty="0"/>
+              <a:t>picture&gt;</a:t>
             </a:r>
           </a:p>
           <a:p>
@@ -3321,8 +3416,12 @@
               <a:t>Polyfill</a:t>
             </a:r>
             <a:r>
+              <a:rPr lang="en-US" dirty="0" smtClean="0"/>
+              <a:t> </a:t>
+            </a:r>
+            <a:r>
               <a:rPr lang="en-US" dirty="0"/>
-              <a:t> at: https://github.com/scottjehl/picturefill</a:t>
+              <a:t>at: https://github.com/scottjehl/picturefill</a:t>
             </a:r>
           </a:p>
         </p:txBody>

--- a/presentation/ResponsiveWebDesign.pptx
+++ b/presentation/ResponsiveWebDesign.pptx
@@ -9,6 +9,7 @@
     <p:sldId id="258" r:id="rId3"/>
     <p:sldId id="259" r:id="rId4"/>
     <p:sldId id="260" r:id="rId5"/>
+    <p:sldId id="261" r:id="rId6"/>
   </p:sldIdLst>
   <p:sldSz cx="12192000" cy="6858000"/>
   <p:notesSz cx="6858000" cy="9144000"/>
@@ -3439,6 +3440,84 @@
 </p:sld>
 </file>
 
+<file path=ppt/slides/slide5.xml><?xml version="1.0" encoding="utf-8"?>
+<p:sld xmlns:a="http://schemas.openxmlformats.org/drawingml/2006/main" xmlns:r="http://schemas.openxmlformats.org/officeDocument/2006/relationships" xmlns:p="http://schemas.openxmlformats.org/presentationml/2006/main">
+  <p:cSld>
+    <p:spTree>
+      <p:nvGrpSpPr>
+        <p:cNvPr id="1" name=""/>
+        <p:cNvGrpSpPr/>
+        <p:nvPr/>
+      </p:nvGrpSpPr>
+      <p:grpSpPr>
+        <a:xfrm>
+          <a:off x="0" y="0"/>
+          <a:ext cx="0" cy="0"/>
+          <a:chOff x="0" y="0"/>
+          <a:chExt cx="0" cy="0"/>
+        </a:xfrm>
+      </p:grpSpPr>
+      <p:sp>
+        <p:nvSpPr>
+          <p:cNvPr id="2" name="Title 1"/>
+          <p:cNvSpPr>
+            <a:spLocks noGrp="1"/>
+          </p:cNvSpPr>
+          <p:nvPr>
+            <p:ph type="title"/>
+          </p:nvPr>
+        </p:nvSpPr>
+        <p:spPr/>
+        <p:txBody>
+          <a:bodyPr/>
+          <a:lstStyle/>
+          <a:p>
+            <a:r>
+              <a:rPr lang="en-US" dirty="0" smtClean="0"/>
+              <a:t>Problems with RWD</a:t>
+            </a:r>
+            <a:endParaRPr lang="en-US" dirty="0"/>
+          </a:p>
+        </p:txBody>
+      </p:sp>
+      <p:sp>
+        <p:nvSpPr>
+          <p:cNvPr id="3" name="Content Placeholder 2"/>
+          <p:cNvSpPr>
+            <a:spLocks noGrp="1"/>
+          </p:cNvSpPr>
+          <p:nvPr>
+            <p:ph idx="1"/>
+          </p:nvPr>
+        </p:nvSpPr>
+        <p:spPr/>
+        <p:txBody>
+          <a:bodyPr>
+            <a:normAutofit/>
+          </a:bodyPr>
+          <a:lstStyle/>
+          <a:p>
+            <a:pPr lvl="1"/>
+            <a:r>
+              <a:rPr lang="en-US" dirty="0"/>
+              <a:t>http://www.creativebloq.com/responsive-web-design/problems-8122790</a:t>
+            </a:r>
+          </a:p>
+        </p:txBody>
+      </p:sp>
+    </p:spTree>
+    <p:extLst>
+      <p:ext uri="{BB962C8B-B14F-4D97-AF65-F5344CB8AC3E}">
+        <p14:creationId xmlns:p14="http://schemas.microsoft.com/office/powerpoint/2010/main" val="212909026"/>
+      </p:ext>
+    </p:extLst>
+  </p:cSld>
+  <p:clrMapOvr>
+    <a:masterClrMapping/>
+  </p:clrMapOvr>
+</p:sld>
+</file>
+
 <file path=ppt/theme/theme1.xml><?xml version="1.0" encoding="utf-8"?>
 <a:theme xmlns:a="http://schemas.openxmlformats.org/drawingml/2006/main" name="Office Theme">
   <a:themeElements>

--- a/presentation/ResponsiveWebDesign.pptx
+++ b/presentation/ResponsiveWebDesign.pptx
@@ -5,11 +5,21 @@
     <p:sldMasterId id="2147483648" r:id="rId1"/>
   </p:sldMasterIdLst>
   <p:sldIdLst>
-    <p:sldId id="257" r:id="rId2"/>
-    <p:sldId id="258" r:id="rId3"/>
-    <p:sldId id="259" r:id="rId4"/>
-    <p:sldId id="260" r:id="rId5"/>
-    <p:sldId id="261" r:id="rId6"/>
+    <p:sldId id="262" r:id="rId2"/>
+    <p:sldId id="270" r:id="rId3"/>
+    <p:sldId id="269" r:id="rId4"/>
+    <p:sldId id="263" r:id="rId5"/>
+    <p:sldId id="264" r:id="rId6"/>
+    <p:sldId id="265" r:id="rId7"/>
+    <p:sldId id="266" r:id="rId8"/>
+    <p:sldId id="267" r:id="rId9"/>
+    <p:sldId id="268" r:id="rId10"/>
+    <p:sldId id="271" r:id="rId11"/>
+    <p:sldId id="272" r:id="rId12"/>
+    <p:sldId id="257" r:id="rId13"/>
+    <p:sldId id="259" r:id="rId14"/>
+    <p:sldId id="260" r:id="rId15"/>
+    <p:sldId id="261" r:id="rId16"/>
   </p:sldIdLst>
   <p:sldSz cx="12192000" cy="6858000"/>
   <p:notesSz cx="6858000" cy="9144000"/>
@@ -259,7 +269,7 @@
             <a:fld id="{57B3EDBD-9D3B-4136-9D70-FC66C9D4D47F}" type="datetimeFigureOut">
               <a:rPr lang="en-US" smtClean="0"/>
               <a:pPr/>
-              <a:t>10/10/2014</a:t>
+              <a:t>10/19/2014</a:t>
             </a:fld>
             <a:endParaRPr lang="en-US"/>
           </a:p>
@@ -431,7 +441,7 @@
             <a:fld id="{57B3EDBD-9D3B-4136-9D70-FC66C9D4D47F}" type="datetimeFigureOut">
               <a:rPr lang="en-US" smtClean="0"/>
               <a:pPr/>
-              <a:t>10/10/2014</a:t>
+              <a:t>10/19/2014</a:t>
             </a:fld>
             <a:endParaRPr lang="en-US"/>
           </a:p>
@@ -613,7 +623,7 @@
             <a:fld id="{57B3EDBD-9D3B-4136-9D70-FC66C9D4D47F}" type="datetimeFigureOut">
               <a:rPr lang="en-US" smtClean="0"/>
               <a:pPr/>
-              <a:t>10/10/2014</a:t>
+              <a:t>10/19/2014</a:t>
             </a:fld>
             <a:endParaRPr lang="en-US"/>
           </a:p>
@@ -785,7 +795,7 @@
             <a:fld id="{57B3EDBD-9D3B-4136-9D70-FC66C9D4D47F}" type="datetimeFigureOut">
               <a:rPr lang="en-US" smtClean="0"/>
               <a:pPr/>
-              <a:t>10/10/2014</a:t>
+              <a:t>10/19/2014</a:t>
             </a:fld>
             <a:endParaRPr lang="en-US"/>
           </a:p>
@@ -1033,7 +1043,7 @@
             <a:fld id="{57B3EDBD-9D3B-4136-9D70-FC66C9D4D47F}" type="datetimeFigureOut">
               <a:rPr lang="en-US" smtClean="0"/>
               <a:pPr/>
-              <a:t>10/10/2014</a:t>
+              <a:t>10/19/2014</a:t>
             </a:fld>
             <a:endParaRPr lang="en-US"/>
           </a:p>
@@ -1267,7 +1277,7 @@
             <a:fld id="{57B3EDBD-9D3B-4136-9D70-FC66C9D4D47F}" type="datetimeFigureOut">
               <a:rPr lang="en-US" smtClean="0"/>
               <a:pPr/>
-              <a:t>10/10/2014</a:t>
+              <a:t>10/19/2014</a:t>
             </a:fld>
             <a:endParaRPr lang="en-US"/>
           </a:p>
@@ -1636,7 +1646,7 @@
             <a:fld id="{57B3EDBD-9D3B-4136-9D70-FC66C9D4D47F}" type="datetimeFigureOut">
               <a:rPr lang="en-US" smtClean="0"/>
               <a:pPr/>
-              <a:t>10/10/2014</a:t>
+              <a:t>10/19/2014</a:t>
             </a:fld>
             <a:endParaRPr lang="en-US"/>
           </a:p>
@@ -1756,7 +1766,7 @@
             <a:fld id="{57B3EDBD-9D3B-4136-9D70-FC66C9D4D47F}" type="datetimeFigureOut">
               <a:rPr lang="en-US" smtClean="0"/>
               <a:pPr/>
-              <a:t>10/10/2014</a:t>
+              <a:t>10/19/2014</a:t>
             </a:fld>
             <a:endParaRPr lang="en-US"/>
           </a:p>
@@ -1853,7 +1863,7 @@
             <a:fld id="{57B3EDBD-9D3B-4136-9D70-FC66C9D4D47F}" type="datetimeFigureOut">
               <a:rPr lang="en-US" smtClean="0"/>
               <a:pPr/>
-              <a:t>10/10/2014</a:t>
+              <a:t>10/19/2014</a:t>
             </a:fld>
             <a:endParaRPr lang="en-US"/>
           </a:p>
@@ -2132,7 +2142,7 @@
             <a:fld id="{57B3EDBD-9D3B-4136-9D70-FC66C9D4D47F}" type="datetimeFigureOut">
               <a:rPr lang="en-US" smtClean="0"/>
               <a:pPr/>
-              <a:t>10/10/2014</a:t>
+              <a:t>10/19/2014</a:t>
             </a:fld>
             <a:endParaRPr lang="en-US"/>
           </a:p>
@@ -2387,7 +2397,7 @@
             <a:fld id="{57B3EDBD-9D3B-4136-9D70-FC66C9D4D47F}" type="datetimeFigureOut">
               <a:rPr lang="en-US" smtClean="0"/>
               <a:pPr/>
-              <a:t>10/10/2014</a:t>
+              <a:t>10/19/2014</a:t>
             </a:fld>
             <a:endParaRPr lang="en-US"/>
           </a:p>
@@ -2602,7 +2612,7 @@
             <a:fld id="{57B3EDBD-9D3B-4136-9D70-FC66C9D4D47F}" type="datetimeFigureOut">
               <a:rPr lang="en-US" smtClean="0"/>
               <a:pPr/>
-              <a:t>10/10/2014</a:t>
+              <a:t>10/19/2014</a:t>
             </a:fld>
             <a:endParaRPr lang="en-US"/>
           </a:p>
@@ -3015,6 +3025,246 @@
             <a:spLocks noGrp="1"/>
           </p:cNvSpPr>
           <p:nvPr>
+            <p:ph type="ctrTitle"/>
+          </p:nvPr>
+        </p:nvSpPr>
+        <p:spPr/>
+        <p:txBody>
+          <a:bodyPr/>
+          <a:lstStyle/>
+          <a:p>
+            <a:r>
+              <a:rPr lang="en-US" dirty="0" smtClean="0"/>
+              <a:t>Responsive Web Design</a:t>
+            </a:r>
+            <a:endParaRPr lang="en-US" dirty="0"/>
+          </a:p>
+        </p:txBody>
+      </p:sp>
+      <p:sp>
+        <p:nvSpPr>
+          <p:cNvPr id="3" name="Subtitle 2"/>
+          <p:cNvSpPr>
+            <a:spLocks noGrp="1"/>
+          </p:cNvSpPr>
+          <p:nvPr>
+            <p:ph type="subTitle" idx="1"/>
+          </p:nvPr>
+        </p:nvSpPr>
+        <p:spPr/>
+        <p:txBody>
+          <a:bodyPr/>
+          <a:lstStyle/>
+          <a:p>
+            <a:endParaRPr lang="en-US" dirty="0"/>
+          </a:p>
+        </p:txBody>
+      </p:sp>
+    </p:spTree>
+    <p:extLst>
+      <p:ext uri="{BB962C8B-B14F-4D97-AF65-F5344CB8AC3E}">
+        <p14:creationId xmlns:p14="http://schemas.microsoft.com/office/powerpoint/2010/main" val="2219481999"/>
+      </p:ext>
+    </p:extLst>
+  </p:cSld>
+  <p:clrMapOvr>
+    <a:masterClrMapping/>
+  </p:clrMapOvr>
+</p:sld>
+</file>
+
+<file path=ppt/slides/slide10.xml><?xml version="1.0" encoding="utf-8"?>
+<p:sld xmlns:a="http://schemas.openxmlformats.org/drawingml/2006/main" xmlns:r="http://schemas.openxmlformats.org/officeDocument/2006/relationships" xmlns:p="http://schemas.openxmlformats.org/presentationml/2006/main">
+  <p:cSld>
+    <p:spTree>
+      <p:nvGrpSpPr>
+        <p:cNvPr id="1" name=""/>
+        <p:cNvGrpSpPr/>
+        <p:nvPr/>
+      </p:nvGrpSpPr>
+      <p:grpSpPr>
+        <a:xfrm>
+          <a:off x="0" y="0"/>
+          <a:ext cx="0" cy="0"/>
+          <a:chOff x="0" y="0"/>
+          <a:chExt cx="0" cy="0"/>
+        </a:xfrm>
+      </p:grpSpPr>
+      <p:sp>
+        <p:nvSpPr>
+          <p:cNvPr id="2" name="Title 1"/>
+          <p:cNvSpPr>
+            <a:spLocks noGrp="1"/>
+          </p:cNvSpPr>
+          <p:nvPr>
+            <p:ph type="title"/>
+          </p:nvPr>
+        </p:nvSpPr>
+        <p:spPr/>
+        <p:txBody>
+          <a:bodyPr/>
+          <a:lstStyle/>
+          <a:p>
+            <a:r>
+              <a:rPr lang="en-US" dirty="0" smtClean="0"/>
+              <a:t>LAB 2: Using a Grid</a:t>
+            </a:r>
+            <a:endParaRPr lang="en-US" dirty="0"/>
+          </a:p>
+        </p:txBody>
+      </p:sp>
+      <p:sp>
+        <p:nvSpPr>
+          <p:cNvPr id="3" name="Content Placeholder 2"/>
+          <p:cNvSpPr>
+            <a:spLocks noGrp="1"/>
+          </p:cNvSpPr>
+          <p:nvPr>
+            <p:ph idx="1"/>
+          </p:nvPr>
+        </p:nvSpPr>
+        <p:spPr/>
+        <p:txBody>
+          <a:bodyPr/>
+          <a:lstStyle/>
+          <a:p>
+            <a:r>
+              <a:rPr lang="en-US" dirty="0" smtClean="0"/>
+              <a:t>Add 960 grid to our project.</a:t>
+            </a:r>
+          </a:p>
+          <a:p>
+            <a:r>
+              <a:rPr lang="en-US" dirty="0" smtClean="0"/>
+              <a:t>Use the grid to layout data on the index view.</a:t>
+            </a:r>
+          </a:p>
+          <a:p>
+            <a:r>
+              <a:rPr lang="en-US" dirty="0" smtClean="0"/>
+              <a:t>Use the lorem ipsum generator included with web essentials </a:t>
+            </a:r>
+            <a:r>
+              <a:rPr lang="en-US" dirty="0" err="1" smtClean="0"/>
+              <a:t>zen</a:t>
+            </a:r>
+            <a:r>
+              <a:rPr lang="en-US" dirty="0" smtClean="0"/>
+              <a:t> coding</a:t>
+            </a:r>
+            <a:endParaRPr lang="en-US" dirty="0"/>
+          </a:p>
+        </p:txBody>
+      </p:sp>
+    </p:spTree>
+    <p:extLst>
+      <p:ext uri="{BB962C8B-B14F-4D97-AF65-F5344CB8AC3E}">
+        <p14:creationId xmlns:p14="http://schemas.microsoft.com/office/powerpoint/2010/main" val="1406915566"/>
+      </p:ext>
+    </p:extLst>
+  </p:cSld>
+  <p:clrMapOvr>
+    <a:masterClrMapping/>
+  </p:clrMapOvr>
+</p:sld>
+</file>
+
+<file path=ppt/slides/slide11.xml><?xml version="1.0" encoding="utf-8"?>
+<p:sld xmlns:a="http://schemas.openxmlformats.org/drawingml/2006/main" xmlns:r="http://schemas.openxmlformats.org/officeDocument/2006/relationships" xmlns:p="http://schemas.openxmlformats.org/presentationml/2006/main">
+  <p:cSld>
+    <p:spTree>
+      <p:nvGrpSpPr>
+        <p:cNvPr id="1" name=""/>
+        <p:cNvGrpSpPr/>
+        <p:nvPr/>
+      </p:nvGrpSpPr>
+      <p:grpSpPr>
+        <a:xfrm>
+          <a:off x="0" y="0"/>
+          <a:ext cx="0" cy="0"/>
+          <a:chOff x="0" y="0"/>
+          <a:chExt cx="0" cy="0"/>
+        </a:xfrm>
+      </p:grpSpPr>
+      <p:sp>
+        <p:nvSpPr>
+          <p:cNvPr id="2" name="Title 1"/>
+          <p:cNvSpPr>
+            <a:spLocks noGrp="1"/>
+          </p:cNvSpPr>
+          <p:nvPr>
+            <p:ph type="title"/>
+          </p:nvPr>
+        </p:nvSpPr>
+        <p:spPr/>
+        <p:txBody>
+          <a:bodyPr/>
+          <a:lstStyle/>
+          <a:p>
+            <a:r>
+              <a:rPr lang="en-US" dirty="0" smtClean="0"/>
+              <a:t>From Fluid to Responsive</a:t>
+            </a:r>
+            <a:endParaRPr lang="en-US" dirty="0"/>
+          </a:p>
+        </p:txBody>
+      </p:sp>
+      <p:sp>
+        <p:nvSpPr>
+          <p:cNvPr id="3" name="Content Placeholder 2"/>
+          <p:cNvSpPr>
+            <a:spLocks noGrp="1"/>
+          </p:cNvSpPr>
+          <p:nvPr>
+            <p:ph idx="1"/>
+          </p:nvPr>
+        </p:nvSpPr>
+        <p:spPr/>
+        <p:txBody>
+          <a:bodyPr/>
+          <a:lstStyle/>
+          <a:p>
+            <a:endParaRPr lang="en-US" dirty="0"/>
+          </a:p>
+        </p:txBody>
+      </p:sp>
+    </p:spTree>
+    <p:extLst>
+      <p:ext uri="{BB962C8B-B14F-4D97-AF65-F5344CB8AC3E}">
+        <p14:creationId xmlns:p14="http://schemas.microsoft.com/office/powerpoint/2010/main" val="748470966"/>
+      </p:ext>
+    </p:extLst>
+  </p:cSld>
+  <p:clrMapOvr>
+    <a:masterClrMapping/>
+  </p:clrMapOvr>
+</p:sld>
+</file>
+
+<file path=ppt/slides/slide12.xml><?xml version="1.0" encoding="utf-8"?>
+<p:sld xmlns:a="http://schemas.openxmlformats.org/drawingml/2006/main" xmlns:r="http://schemas.openxmlformats.org/officeDocument/2006/relationships" xmlns:p="http://schemas.openxmlformats.org/presentationml/2006/main">
+  <p:cSld>
+    <p:spTree>
+      <p:nvGrpSpPr>
+        <p:cNvPr id="1" name=""/>
+        <p:cNvGrpSpPr/>
+        <p:nvPr/>
+      </p:nvGrpSpPr>
+      <p:grpSpPr>
+        <a:xfrm>
+          <a:off x="0" y="0"/>
+          <a:ext cx="0" cy="0"/>
+          <a:chOff x="0" y="0"/>
+          <a:chExt cx="0" cy="0"/>
+        </a:xfrm>
+      </p:grpSpPr>
+      <p:sp>
+        <p:nvSpPr>
+          <p:cNvPr id="2" name="Title 1"/>
+          <p:cNvSpPr>
+            <a:spLocks noGrp="1"/>
+          </p:cNvSpPr>
+          <p:nvPr>
             <p:ph type="title"/>
           </p:nvPr>
         </p:nvSpPr>
@@ -3057,6 +3307,368 @@
         </p:txBody>
       </p:sp>
     </p:spTree>
+  </p:cSld>
+  <p:clrMapOvr>
+    <a:masterClrMapping/>
+  </p:clrMapOvr>
+</p:sld>
+</file>
+
+<file path=ppt/slides/slide13.xml><?xml version="1.0" encoding="utf-8"?>
+<p:sld xmlns:a="http://schemas.openxmlformats.org/drawingml/2006/main" xmlns:r="http://schemas.openxmlformats.org/officeDocument/2006/relationships" xmlns:p="http://schemas.openxmlformats.org/presentationml/2006/main">
+  <p:cSld>
+    <p:spTree>
+      <p:nvGrpSpPr>
+        <p:cNvPr id="1" name=""/>
+        <p:cNvGrpSpPr/>
+        <p:nvPr/>
+      </p:nvGrpSpPr>
+      <p:grpSpPr>
+        <a:xfrm>
+          <a:off x="0" y="0"/>
+          <a:ext cx="0" cy="0"/>
+          <a:chOff x="0" y="0"/>
+          <a:chExt cx="0" cy="0"/>
+        </a:xfrm>
+      </p:grpSpPr>
+      <p:sp>
+        <p:nvSpPr>
+          <p:cNvPr id="2" name="Title 1"/>
+          <p:cNvSpPr>
+            <a:spLocks noGrp="1"/>
+          </p:cNvSpPr>
+          <p:nvPr>
+            <p:ph type="title"/>
+          </p:nvPr>
+        </p:nvSpPr>
+        <p:spPr/>
+        <p:txBody>
+          <a:bodyPr/>
+          <a:lstStyle/>
+          <a:p>
+            <a:r>
+              <a:rPr lang="en-US" dirty="0" smtClean="0"/>
+              <a:t>Media Queries</a:t>
+            </a:r>
+            <a:endParaRPr lang="en-US" dirty="0"/>
+          </a:p>
+        </p:txBody>
+      </p:sp>
+      <p:sp>
+        <p:nvSpPr>
+          <p:cNvPr id="3" name="Content Placeholder 2"/>
+          <p:cNvSpPr>
+            <a:spLocks noGrp="1"/>
+          </p:cNvSpPr>
+          <p:nvPr>
+            <p:ph idx="1"/>
+          </p:nvPr>
+        </p:nvSpPr>
+        <p:spPr/>
+        <p:txBody>
+          <a:bodyPr/>
+          <a:lstStyle/>
+          <a:p>
+            <a:r>
+              <a:rPr lang="en-US" dirty="0" smtClean="0"/>
+              <a:t>@media screen and (min-width: 321px) and (max-width: 480px) { }</a:t>
+            </a:r>
+            <a:endParaRPr lang="en-US" dirty="0"/>
+          </a:p>
+        </p:txBody>
+      </p:sp>
+    </p:spTree>
+    <p:extLst>
+      <p:ext uri="{BB962C8B-B14F-4D97-AF65-F5344CB8AC3E}">
+        <p14:creationId xmlns:p14="http://schemas.microsoft.com/office/powerpoint/2010/main" val="4204333805"/>
+      </p:ext>
+    </p:extLst>
+  </p:cSld>
+  <p:clrMapOvr>
+    <a:masterClrMapping/>
+  </p:clrMapOvr>
+</p:sld>
+</file>
+
+<file path=ppt/slides/slide14.xml><?xml version="1.0" encoding="utf-8"?>
+<p:sld xmlns:a="http://schemas.openxmlformats.org/drawingml/2006/main" xmlns:r="http://schemas.openxmlformats.org/officeDocument/2006/relationships" xmlns:p="http://schemas.openxmlformats.org/presentationml/2006/main">
+  <p:cSld>
+    <p:spTree>
+      <p:nvGrpSpPr>
+        <p:cNvPr id="1" name=""/>
+        <p:cNvGrpSpPr/>
+        <p:nvPr/>
+      </p:nvGrpSpPr>
+      <p:grpSpPr>
+        <a:xfrm>
+          <a:off x="0" y="0"/>
+          <a:ext cx="0" cy="0"/>
+          <a:chOff x="0" y="0"/>
+          <a:chExt cx="0" cy="0"/>
+        </a:xfrm>
+      </p:grpSpPr>
+      <p:sp>
+        <p:nvSpPr>
+          <p:cNvPr id="2" name="Title 1"/>
+          <p:cNvSpPr>
+            <a:spLocks noGrp="1"/>
+          </p:cNvSpPr>
+          <p:nvPr>
+            <p:ph type="title"/>
+          </p:nvPr>
+        </p:nvSpPr>
+        <p:spPr/>
+        <p:txBody>
+          <a:bodyPr/>
+          <a:lstStyle/>
+          <a:p>
+            <a:r>
+              <a:rPr lang="en-US" dirty="0" smtClean="0"/>
+              <a:t>&lt;picture&gt;</a:t>
+            </a:r>
+            <a:endParaRPr lang="en-US" dirty="0"/>
+          </a:p>
+        </p:txBody>
+      </p:sp>
+      <p:sp>
+        <p:nvSpPr>
+          <p:cNvPr id="3" name="Content Placeholder 2"/>
+          <p:cNvSpPr>
+            <a:spLocks noGrp="1"/>
+          </p:cNvSpPr>
+          <p:nvPr>
+            <p:ph idx="1"/>
+          </p:nvPr>
+        </p:nvSpPr>
+        <p:spPr/>
+        <p:txBody>
+          <a:bodyPr>
+            <a:normAutofit/>
+          </a:bodyPr>
+          <a:lstStyle/>
+          <a:p>
+            <a:r>
+              <a:rPr lang="en-US" dirty="0" smtClean="0"/>
+              <a:t>Proposed responsive image tag.</a:t>
+            </a:r>
+          </a:p>
+          <a:p>
+            <a:r>
+              <a:rPr lang="en-US" sz="2000" dirty="0"/>
+              <a:t>&lt;picture</a:t>
+            </a:r>
+            <a:r>
+              <a:rPr lang="en-US" sz="2000" dirty="0" smtClean="0"/>
+              <a:t>&gt;</a:t>
+            </a:r>
+            <a:br>
+              <a:rPr lang="en-US" sz="2000" dirty="0" smtClean="0"/>
+            </a:br>
+            <a:r>
+              <a:rPr lang="en-US" sz="2000" dirty="0" smtClean="0"/>
+              <a:t>	&lt;</a:t>
+            </a:r>
+            <a:r>
+              <a:rPr lang="en-US" sz="2000" dirty="0"/>
+              <a:t>source </a:t>
+            </a:r>
+            <a:r>
+              <a:rPr lang="en-US" sz="2000" dirty="0" err="1"/>
+              <a:t>srcset</a:t>
+            </a:r>
+            <a:r>
+              <a:rPr lang="en-US" sz="2000" dirty="0"/>
+              <a:t>="examples/images/extralarge.jpg" media="(min-width: 1000px</a:t>
+            </a:r>
+            <a:r>
+              <a:rPr lang="en-US" sz="2000" dirty="0" smtClean="0"/>
+              <a:t>)"&gt;</a:t>
+            </a:r>
+            <a:br>
+              <a:rPr lang="en-US" sz="2000" dirty="0" smtClean="0"/>
+            </a:br>
+            <a:r>
+              <a:rPr lang="en-US" sz="2000" dirty="0" smtClean="0"/>
+              <a:t>	&lt;</a:t>
+            </a:r>
+            <a:r>
+              <a:rPr lang="en-US" sz="2000" dirty="0"/>
+              <a:t>source </a:t>
+            </a:r>
+            <a:r>
+              <a:rPr lang="en-US" sz="2000" dirty="0" err="1"/>
+              <a:t>srcset</a:t>
+            </a:r>
+            <a:r>
+              <a:rPr lang="en-US" sz="2000" dirty="0"/>
+              <a:t>="examples/images/large.jpg" media="(min-width: 800px</a:t>
+            </a:r>
+            <a:r>
+              <a:rPr lang="en-US" sz="2000" dirty="0" smtClean="0"/>
+              <a:t>)"&gt;</a:t>
+            </a:r>
+            <a:br>
+              <a:rPr lang="en-US" sz="2000" dirty="0" smtClean="0"/>
+            </a:br>
+            <a:r>
+              <a:rPr lang="en-US" sz="2000" dirty="0" smtClean="0"/>
+              <a:t>	&lt;</a:t>
+            </a:r>
+            <a:r>
+              <a:rPr lang="en-US" sz="2000" dirty="0"/>
+              <a:t>source </a:t>
+            </a:r>
+            <a:r>
+              <a:rPr lang="en-US" sz="2000" dirty="0" err="1"/>
+              <a:t>srcset</a:t>
+            </a:r>
+            <a:r>
+              <a:rPr lang="en-US" sz="2000" dirty="0"/>
+              <a:t>="examples/images/medium.jpg</a:t>
+            </a:r>
+            <a:r>
+              <a:rPr lang="en-US" sz="2000" dirty="0" smtClean="0"/>
+              <a:t>"&gt;</a:t>
+            </a:r>
+            <a:br>
+              <a:rPr lang="en-US" sz="2000" dirty="0" smtClean="0"/>
+            </a:br>
+            <a:r>
+              <a:rPr lang="en-US" sz="2000" dirty="0" smtClean="0"/>
+              <a:t>	&lt;</a:t>
+            </a:r>
+            <a:r>
+              <a:rPr lang="en-US" sz="2000" dirty="0" err="1"/>
+              <a:t>img</a:t>
+            </a:r>
+            <a:r>
+              <a:rPr lang="en-US" sz="2000" dirty="0"/>
+              <a:t> </a:t>
+            </a:r>
+            <a:r>
+              <a:rPr lang="en-US" sz="2000" dirty="0" err="1"/>
+              <a:t>srcset</a:t>
+            </a:r>
+            <a:r>
+              <a:rPr lang="en-US" sz="2000" dirty="0"/>
+              <a:t>="examples/images/medium.jpg" </a:t>
+            </a:r>
+            <a:r>
+              <a:rPr lang="en-US" sz="2000" dirty="0" smtClean="0"/>
+              <a:t>&gt;</a:t>
+            </a:r>
+            <a:br>
+              <a:rPr lang="en-US" sz="2000" dirty="0" smtClean="0"/>
+            </a:br>
+            <a:r>
+              <a:rPr lang="en-US" sz="2000" dirty="0" smtClean="0"/>
+              <a:t>&lt;/</a:t>
+            </a:r>
+            <a:r>
+              <a:rPr lang="en-US" sz="2000" dirty="0"/>
+              <a:t>picture&gt;</a:t>
+            </a:r>
+          </a:p>
+          <a:p>
+            <a:r>
+              <a:rPr lang="en-US" dirty="0" err="1" smtClean="0"/>
+              <a:t>Polyfill</a:t>
+            </a:r>
+            <a:r>
+              <a:rPr lang="en-US" dirty="0" smtClean="0"/>
+              <a:t> </a:t>
+            </a:r>
+            <a:r>
+              <a:rPr lang="en-US" dirty="0"/>
+              <a:t>at: https://github.com/scottjehl/picturefill</a:t>
+            </a:r>
+          </a:p>
+        </p:txBody>
+      </p:sp>
+    </p:spTree>
+    <p:extLst>
+      <p:ext uri="{BB962C8B-B14F-4D97-AF65-F5344CB8AC3E}">
+        <p14:creationId xmlns:p14="http://schemas.microsoft.com/office/powerpoint/2010/main" val="2184689531"/>
+      </p:ext>
+    </p:extLst>
+  </p:cSld>
+  <p:clrMapOvr>
+    <a:masterClrMapping/>
+  </p:clrMapOvr>
+</p:sld>
+</file>
+
+<file path=ppt/slides/slide15.xml><?xml version="1.0" encoding="utf-8"?>
+<p:sld xmlns:a="http://schemas.openxmlformats.org/drawingml/2006/main" xmlns:r="http://schemas.openxmlformats.org/officeDocument/2006/relationships" xmlns:p="http://schemas.openxmlformats.org/presentationml/2006/main">
+  <p:cSld>
+    <p:spTree>
+      <p:nvGrpSpPr>
+        <p:cNvPr id="1" name=""/>
+        <p:cNvGrpSpPr/>
+        <p:nvPr/>
+      </p:nvGrpSpPr>
+      <p:grpSpPr>
+        <a:xfrm>
+          <a:off x="0" y="0"/>
+          <a:ext cx="0" cy="0"/>
+          <a:chOff x="0" y="0"/>
+          <a:chExt cx="0" cy="0"/>
+        </a:xfrm>
+      </p:grpSpPr>
+      <p:sp>
+        <p:nvSpPr>
+          <p:cNvPr id="2" name="Title 1"/>
+          <p:cNvSpPr>
+            <a:spLocks noGrp="1"/>
+          </p:cNvSpPr>
+          <p:nvPr>
+            <p:ph type="title"/>
+          </p:nvPr>
+        </p:nvSpPr>
+        <p:spPr/>
+        <p:txBody>
+          <a:bodyPr/>
+          <a:lstStyle/>
+          <a:p>
+            <a:r>
+              <a:rPr lang="en-US" dirty="0" smtClean="0"/>
+              <a:t>Problems with RWD</a:t>
+            </a:r>
+            <a:endParaRPr lang="en-US" dirty="0"/>
+          </a:p>
+        </p:txBody>
+      </p:sp>
+      <p:sp>
+        <p:nvSpPr>
+          <p:cNvPr id="3" name="Content Placeholder 2"/>
+          <p:cNvSpPr>
+            <a:spLocks noGrp="1"/>
+          </p:cNvSpPr>
+          <p:nvPr>
+            <p:ph idx="1"/>
+          </p:nvPr>
+        </p:nvSpPr>
+        <p:spPr/>
+        <p:txBody>
+          <a:bodyPr>
+            <a:normAutofit/>
+          </a:bodyPr>
+          <a:lstStyle/>
+          <a:p>
+            <a:pPr lvl="1"/>
+            <a:r>
+              <a:rPr lang="en-US" dirty="0"/>
+              <a:t>http://www.creativebloq.com/responsive-web-design/problems-8122790</a:t>
+            </a:r>
+          </a:p>
+        </p:txBody>
+      </p:sp>
+    </p:spTree>
+    <p:extLst>
+      <p:ext uri="{BB962C8B-B14F-4D97-AF65-F5344CB8AC3E}">
+        <p14:creationId xmlns:p14="http://schemas.microsoft.com/office/powerpoint/2010/main" val="212909026"/>
+      </p:ext>
+    </p:extLst>
   </p:cSld>
   <p:clrMapOvr>
     <a:masterClrMapping/>
@@ -3098,7 +3710,7 @@
           <a:p>
             <a:r>
               <a:rPr lang="en-US" dirty="0" smtClean="0"/>
-              <a:t>Reset CSS</a:t>
+              <a:t>Objectives</a:t>
             </a:r>
             <a:endParaRPr lang="en-US" dirty="0"/>
           </a:p>
@@ -3121,34 +3733,56 @@
           <a:p>
             <a:r>
               <a:rPr lang="en-US" dirty="0" smtClean="0"/>
-              <a:t>I like to reset all </a:t>
-            </a:r>
-            <a:r>
-              <a:rPr lang="en-US" dirty="0" err="1" smtClean="0"/>
-              <a:t>css</a:t>
-            </a:r>
-            <a:r>
-              <a:rPr lang="en-US" dirty="0" smtClean="0"/>
-              <a:t>, so that I am in charge of margins, padding, etc.</a:t>
-            </a:r>
-          </a:p>
-          <a:p>
-            <a:r>
-              <a:rPr lang="en-US" dirty="0" smtClean="0"/>
-              <a:t>Popular reset </a:t>
-            </a:r>
-            <a:r>
-              <a:rPr lang="en-US" dirty="0" err="1" smtClean="0"/>
-              <a:t>css</a:t>
-            </a:r>
-            <a:r>
-              <a:rPr lang="en-US" dirty="0" smtClean="0"/>
-              <a:t> can be found at: http://www.cssreset.com/</a:t>
-            </a:r>
+              <a:t>Understand Fixed, Fluid</a:t>
+            </a:r>
+            <a:r>
+              <a:rPr lang="en-US" smtClean="0"/>
+              <a:t>, Adaptive </a:t>
+            </a:r>
+            <a:r>
+              <a:rPr lang="en-US" dirty="0" smtClean="0"/>
+              <a:t>and Responsive Web Design concepts on a practical level.</a:t>
+            </a:r>
+          </a:p>
+          <a:p>
+            <a:r>
+              <a:rPr lang="en-US" dirty="0" smtClean="0"/>
+              <a:t>Become familiar with Visual Studio tooling develop web applications.</a:t>
+            </a:r>
+          </a:p>
+          <a:p>
+            <a:r>
+              <a:rPr lang="en-US" dirty="0" smtClean="0"/>
+              <a:t>Get comfortable with using CSS grids for page layout.</a:t>
+            </a:r>
+          </a:p>
+          <a:p>
+            <a:r>
+              <a:rPr lang="en-US" dirty="0" smtClean="0"/>
+              <a:t>Learn Skeleton, Foundation and Bootstrap to be able to compare and contrast their approaches to RWD frameworks.</a:t>
+            </a:r>
+          </a:p>
+          <a:p>
+            <a:r>
+              <a:rPr lang="en-US" dirty="0" smtClean="0"/>
+              <a:t>Apply the bootstrap framework to rapidly prototype a responsive web application.</a:t>
+            </a:r>
+          </a:p>
+          <a:p>
+            <a:r>
+              <a:rPr lang="en-US" dirty="0" smtClean="0"/>
+              <a:t>Understand the benefits of developing an application mobile first.</a:t>
+            </a:r>
+            <a:endParaRPr lang="en-US" dirty="0"/>
           </a:p>
         </p:txBody>
       </p:sp>
     </p:spTree>
+    <p:extLst>
+      <p:ext uri="{BB962C8B-B14F-4D97-AF65-F5344CB8AC3E}">
+        <p14:creationId xmlns:p14="http://schemas.microsoft.com/office/powerpoint/2010/main" val="3922520670"/>
+      </p:ext>
+    </p:extLst>
   </p:cSld>
   <p:clrMapOvr>
     <a:masterClrMapping/>
@@ -3190,7 +3824,7 @@
           <a:p>
             <a:r>
               <a:rPr lang="en-US" dirty="0" smtClean="0"/>
-              <a:t>Media Queries</a:t>
+              <a:t>LAB 1: Set Up Environment</a:t>
             </a:r>
             <a:endParaRPr lang="en-US" dirty="0"/>
           </a:p>
@@ -3213,7 +3847,51 @@
           <a:p>
             <a:r>
               <a:rPr lang="en-US" dirty="0" smtClean="0"/>
-              <a:t>@media screen and (min-width: 321px) and (max-width: 480px) { }</a:t>
+              <a:t>Launch VS2012</a:t>
+            </a:r>
+          </a:p>
+          <a:p>
+            <a:r>
+              <a:rPr lang="en-US" dirty="0" smtClean="0"/>
+              <a:t>Add Web Essentials</a:t>
+            </a:r>
+          </a:p>
+          <a:p>
+            <a:r>
+              <a:rPr lang="en-US" dirty="0" smtClean="0"/>
+              <a:t>Add Mindscape Web Workbench</a:t>
+            </a:r>
+          </a:p>
+          <a:p>
+            <a:r>
+              <a:rPr lang="en-US" dirty="0" smtClean="0"/>
+              <a:t>Create Empty MVC4 App</a:t>
+            </a:r>
+          </a:p>
+          <a:p>
+            <a:r>
+              <a:rPr lang="en-US" dirty="0" smtClean="0"/>
+              <a:t>Set up route to an index page</a:t>
+            </a:r>
+          </a:p>
+          <a:p>
+            <a:r>
+              <a:rPr lang="en-US" dirty="0" smtClean="0"/>
+              <a:t>Try out Zen Coding to stub out page</a:t>
+            </a:r>
+          </a:p>
+          <a:p>
+            <a:r>
+              <a:rPr lang="en-US" dirty="0" smtClean="0"/>
+              <a:t>Add </a:t>
+            </a:r>
+            <a:r>
+              <a:rPr lang="en-US" dirty="0" err="1" smtClean="0"/>
+              <a:t>style.less</a:t>
+            </a:r>
+            <a:r>
+              <a:rPr lang="en-US" dirty="0" smtClean="0"/>
+              <a:t> and try out the less on-the-fly stuff.</a:t>
             </a:r>
             <a:endParaRPr lang="en-US" dirty="0"/>
           </a:p>
@@ -3222,7 +3900,7 @@
     </p:spTree>
     <p:extLst>
       <p:ext uri="{BB962C8B-B14F-4D97-AF65-F5344CB8AC3E}">
-        <p14:creationId xmlns:p14="http://schemas.microsoft.com/office/powerpoint/2010/main" val="4204333805"/>
+        <p14:creationId xmlns:p14="http://schemas.microsoft.com/office/powerpoint/2010/main" val="3276771306"/>
       </p:ext>
     </p:extLst>
   </p:cSld>
@@ -3266,7 +3944,7 @@
           <a:p>
             <a:r>
               <a:rPr lang="en-US" dirty="0" smtClean="0"/>
-              <a:t>&lt;picture&gt;</a:t>
+              <a:t>First There Was Fixed</a:t>
             </a:r>
             <a:endParaRPr lang="en-US" dirty="0"/>
           </a:p>
@@ -3284,153 +3962,60 @@
         </p:nvSpPr>
         <p:spPr/>
         <p:txBody>
-          <a:bodyPr>
-            <a:normAutofit/>
-          </a:bodyPr>
-          <a:lstStyle/>
-          <a:p>
-            <a:r>
-              <a:rPr lang="en-US" dirty="0" smtClean="0"/>
-              <a:t>Proposed responsive image tag.</a:t>
-            </a:r>
-          </a:p>
-          <a:p>
-            <a:r>
-              <a:rPr lang="en-US" sz="2000" dirty="0"/>
-              <a:t>&lt;picture</a:t>
-            </a:r>
-            <a:r>
-              <a:rPr lang="en-US" sz="2000" dirty="0" smtClean="0"/>
-              <a:t>&gt;</a:t>
-            </a:r>
-            <a:br>
-              <a:rPr lang="en-US" sz="2000" dirty="0" smtClean="0"/>
-            </a:br>
-            <a:r>
-              <a:rPr lang="en-US" sz="2000" dirty="0" smtClean="0"/>
-              <a:t>	&lt;</a:t>
-            </a:r>
-            <a:r>
-              <a:rPr lang="en-US" sz="2000" dirty="0"/>
-              <a:t>source </a:t>
-            </a:r>
-            <a:r>
-              <a:rPr lang="en-US" sz="2000" dirty="0" err="1"/>
-              <a:t>srcset</a:t>
-            </a:r>
-            <a:r>
-              <a:rPr lang="en-US" sz="2000" dirty="0"/>
-              <a:t>="examples/images/extralarge.jpg" media="(min-width: 1000px</a:t>
-            </a:r>
-            <a:r>
-              <a:rPr lang="en-US" sz="2000" dirty="0" smtClean="0"/>
-              <a:t>)"&gt;</a:t>
-            </a:r>
-            <a:br>
-              <a:rPr lang="en-US" sz="2000" dirty="0" smtClean="0"/>
-            </a:br>
-            <a:r>
-              <a:rPr lang="en-US" sz="2000" dirty="0" smtClean="0"/>
-              <a:t>	&lt;</a:t>
-            </a:r>
-            <a:r>
-              <a:rPr lang="en-US" sz="2000" dirty="0"/>
-              <a:t>source </a:t>
-            </a:r>
-            <a:r>
-              <a:rPr lang="en-US" sz="2000" dirty="0" err="1"/>
-              <a:t>srcset</a:t>
-            </a:r>
-            <a:r>
-              <a:rPr lang="en-US" sz="2000" dirty="0"/>
-              <a:t>="examples/images/large.jpg" media="(min-width: 800px</a:t>
-            </a:r>
-            <a:r>
-              <a:rPr lang="en-US" sz="2000" dirty="0" smtClean="0"/>
-              <a:t>)"&gt;</a:t>
-            </a:r>
-            <a:br>
-              <a:rPr lang="en-US" sz="2000" dirty="0" smtClean="0"/>
-            </a:br>
-            <a:r>
-              <a:rPr lang="en-US" sz="2000" dirty="0" smtClean="0"/>
-              <a:t>	&lt;</a:t>
-            </a:r>
-            <a:r>
-              <a:rPr lang="en-US" sz="2000" dirty="0"/>
-              <a:t>source </a:t>
-            </a:r>
-            <a:r>
-              <a:rPr lang="en-US" sz="2000" dirty="0" err="1"/>
-              <a:t>srcset</a:t>
-            </a:r>
-            <a:r>
-              <a:rPr lang="en-US" sz="2000" dirty="0"/>
-              <a:t>="examples/images/medium.jpg</a:t>
-            </a:r>
-            <a:r>
-              <a:rPr lang="en-US" sz="2000" dirty="0" smtClean="0"/>
-              <a:t>"&gt;</a:t>
-            </a:r>
-            <a:br>
-              <a:rPr lang="en-US" sz="2000" dirty="0" smtClean="0"/>
-            </a:br>
-            <a:r>
-              <a:rPr lang="en-US" sz="2000" dirty="0" smtClean="0"/>
-              <a:t>	&lt;</a:t>
-            </a:r>
-            <a:r>
-              <a:rPr lang="en-US" sz="2000" dirty="0" err="1"/>
-              <a:t>img</a:t>
-            </a:r>
-            <a:r>
-              <a:rPr lang="en-US" sz="2000" dirty="0"/>
-              <a:t> </a:t>
-            </a:r>
-            <a:r>
-              <a:rPr lang="en-US" sz="2000" dirty="0" err="1"/>
-              <a:t>srcset</a:t>
-            </a:r>
-            <a:r>
-              <a:rPr lang="en-US" sz="2000" dirty="0"/>
-              <a:t>="examples/images/medium.jpg" </a:t>
-            </a:r>
-            <a:r>
-              <a:rPr lang="en-US" sz="2000" dirty="0" smtClean="0"/>
-              <a:t>&gt;</a:t>
-            </a:r>
-            <a:br>
-              <a:rPr lang="en-US" sz="2000" dirty="0" smtClean="0"/>
-            </a:br>
-            <a:r>
-              <a:rPr lang="en-US" sz="2000" dirty="0" smtClean="0"/>
-              <a:t>&lt;/</a:t>
-            </a:r>
-            <a:r>
-              <a:rPr lang="en-US" sz="2000" dirty="0"/>
-              <a:t>picture&gt;</a:t>
-            </a:r>
-          </a:p>
-          <a:p>
-            <a:r>
-              <a:rPr lang="en-US" dirty="0" err="1" smtClean="0"/>
-              <a:t>Polyfill</a:t>
-            </a:r>
-            <a:r>
-              <a:rPr lang="en-US" dirty="0" smtClean="0"/>
-              <a:t> </a:t>
-            </a:r>
-            <a:r>
-              <a:rPr lang="en-US" dirty="0"/>
-              <a:t>at: https://github.com/scottjehl/picturefill</a:t>
-            </a:r>
+          <a:bodyPr/>
+          <a:lstStyle/>
+          <a:p>
+            <a:r>
+              <a:rPr lang="en-US" dirty="0" smtClean="0"/>
+              <a:t>Early web development took many cues from publishing.</a:t>
+            </a:r>
+          </a:p>
+          <a:p>
+            <a:r>
+              <a:rPr lang="en-US" dirty="0" smtClean="0"/>
+              <a:t>Publishers worked with fixed page sizes.</a:t>
+            </a:r>
+          </a:p>
+          <a:p>
+            <a:r>
+              <a:rPr lang="en-US" dirty="0" smtClean="0"/>
+              <a:t>First attempts tried to provide “pixel perfect” implementations of design concepts.</a:t>
+            </a:r>
+          </a:p>
+          <a:p>
+            <a:r>
+              <a:rPr lang="en-US" dirty="0" smtClean="0"/>
+              <a:t>Even at the beginning this was problematic.</a:t>
+            </a:r>
+          </a:p>
+          <a:p>
+            <a:pPr lvl="1"/>
+            <a:r>
+              <a:rPr lang="en-US" dirty="0" smtClean="0"/>
+              <a:t>Different browsers</a:t>
+            </a:r>
+          </a:p>
+          <a:p>
+            <a:pPr lvl="1"/>
+            <a:r>
+              <a:rPr lang="en-US" dirty="0" smtClean="0"/>
+              <a:t>Different OS</a:t>
+            </a:r>
+          </a:p>
+          <a:p>
+            <a:pPr lvl="1"/>
+            <a:r>
+              <a:rPr lang="en-US" dirty="0" smtClean="0"/>
+              <a:t>Different screen resolutions.</a:t>
+            </a:r>
+            <a:endParaRPr lang="en-US" dirty="0"/>
           </a:p>
         </p:txBody>
       </p:sp>
     </p:spTree>
     <p:extLst>
       <p:ext uri="{BB962C8B-B14F-4D97-AF65-F5344CB8AC3E}">
-        <p14:creationId xmlns:p14="http://schemas.microsoft.com/office/powerpoint/2010/main" val="2184689531"/>
+        <p14:creationId xmlns:p14="http://schemas.microsoft.com/office/powerpoint/2010/main" val="114359732"/>
       </p:ext>
     </p:extLst>
   </p:cSld>
@@ -3474,7 +4059,7 @@
           <a:p>
             <a:r>
               <a:rPr lang="en-US" dirty="0" smtClean="0"/>
-              <a:t>Problems with RWD</a:t>
+              <a:t>A Web Page is Not a Printed Page</a:t>
             </a:r>
             <a:endParaRPr lang="en-US" dirty="0"/>
           </a:p>
@@ -3492,23 +4077,512 @@
         </p:nvSpPr>
         <p:spPr/>
         <p:txBody>
-          <a:bodyPr>
-            <a:normAutofit/>
-          </a:bodyPr>
-          <a:lstStyle/>
-          <a:p>
-            <a:pPr lvl="1"/>
-            <a:r>
-              <a:rPr lang="en-US" dirty="0"/>
-              <a:t>http://www.creativebloq.com/responsive-web-design/problems-8122790</a:t>
-            </a:r>
+          <a:bodyPr/>
+          <a:lstStyle/>
+          <a:p>
+            <a:r>
+              <a:rPr lang="en-US" dirty="0" smtClean="0"/>
+              <a:t>Duh!</a:t>
+            </a:r>
+          </a:p>
+          <a:p>
+            <a:r>
+              <a:rPr lang="en-US" dirty="0" smtClean="0"/>
+              <a:t>Resistance is futile.</a:t>
+            </a:r>
+          </a:p>
+          <a:p>
+            <a:r>
+              <a:rPr lang="en-US" dirty="0" smtClean="0"/>
+              <a:t>A new way was needed.</a:t>
+            </a:r>
+          </a:p>
+          <a:p>
+            <a:r>
+              <a:rPr lang="en-US" dirty="0" smtClean="0"/>
+              <a:t>Designers had to forego perfect design and look for ways to be flexible.</a:t>
+            </a:r>
+            <a:endParaRPr lang="en-US" dirty="0"/>
           </a:p>
         </p:txBody>
       </p:sp>
     </p:spTree>
     <p:extLst>
       <p:ext uri="{BB962C8B-B14F-4D97-AF65-F5344CB8AC3E}">
-        <p14:creationId xmlns:p14="http://schemas.microsoft.com/office/powerpoint/2010/main" val="212909026"/>
+        <p14:creationId xmlns:p14="http://schemas.microsoft.com/office/powerpoint/2010/main" val="3067806607"/>
+      </p:ext>
+    </p:extLst>
+  </p:cSld>
+  <p:clrMapOvr>
+    <a:masterClrMapping/>
+  </p:clrMapOvr>
+</p:sld>
+</file>
+
+<file path=ppt/slides/slide6.xml><?xml version="1.0" encoding="utf-8"?>
+<p:sld xmlns:a="http://schemas.openxmlformats.org/drawingml/2006/main" xmlns:r="http://schemas.openxmlformats.org/officeDocument/2006/relationships" xmlns:p="http://schemas.openxmlformats.org/presentationml/2006/main">
+  <p:cSld>
+    <p:spTree>
+      <p:nvGrpSpPr>
+        <p:cNvPr id="1" name=""/>
+        <p:cNvGrpSpPr/>
+        <p:nvPr/>
+      </p:nvGrpSpPr>
+      <p:grpSpPr>
+        <a:xfrm>
+          <a:off x="0" y="0"/>
+          <a:ext cx="0" cy="0"/>
+          <a:chOff x="0" y="0"/>
+          <a:chExt cx="0" cy="0"/>
+        </a:xfrm>
+      </p:grpSpPr>
+      <p:sp>
+        <p:nvSpPr>
+          <p:cNvPr id="2" name="Title 1"/>
+          <p:cNvSpPr>
+            <a:spLocks noGrp="1"/>
+          </p:cNvSpPr>
+          <p:nvPr>
+            <p:ph type="title"/>
+          </p:nvPr>
+        </p:nvSpPr>
+        <p:spPr/>
+        <p:txBody>
+          <a:bodyPr/>
+          <a:lstStyle/>
+          <a:p>
+            <a:r>
+              <a:rPr lang="en-US" dirty="0" smtClean="0"/>
+              <a:t>Enter Fluid Design</a:t>
+            </a:r>
+            <a:endParaRPr lang="en-US" dirty="0"/>
+          </a:p>
+        </p:txBody>
+      </p:sp>
+      <p:sp>
+        <p:nvSpPr>
+          <p:cNvPr id="3" name="Content Placeholder 2"/>
+          <p:cNvSpPr>
+            <a:spLocks noGrp="1"/>
+          </p:cNvSpPr>
+          <p:nvPr>
+            <p:ph idx="1"/>
+          </p:nvPr>
+        </p:nvSpPr>
+        <p:spPr/>
+        <p:txBody>
+          <a:bodyPr/>
+          <a:lstStyle/>
+          <a:p>
+            <a:r>
+              <a:rPr lang="en-US" dirty="0" err="1" smtClean="0"/>
+              <a:t>px</a:t>
+            </a:r>
+            <a:r>
+              <a:rPr lang="en-US" dirty="0" smtClean="0"/>
+              <a:t> </a:t>
+            </a:r>
+            <a:r>
+              <a:rPr lang="en-US" dirty="0" err="1" smtClean="0"/>
+              <a:t>baaaaaddd</a:t>
+            </a:r>
+            <a:r>
+              <a:rPr lang="en-US" dirty="0" smtClean="0"/>
+              <a:t>.</a:t>
+            </a:r>
+          </a:p>
+          <a:p>
+            <a:r>
+              <a:rPr lang="en-US" dirty="0" err="1" smtClean="0"/>
+              <a:t>em</a:t>
+            </a:r>
+            <a:r>
+              <a:rPr lang="en-US" dirty="0" smtClean="0"/>
+              <a:t> and % </a:t>
+            </a:r>
+            <a:r>
+              <a:rPr lang="en-US" dirty="0" err="1" smtClean="0"/>
+              <a:t>goooooodddd</a:t>
+            </a:r>
+            <a:r>
+              <a:rPr lang="en-US" dirty="0" smtClean="0"/>
+              <a:t>.</a:t>
+            </a:r>
+          </a:p>
+          <a:p>
+            <a:r>
+              <a:rPr lang="en-US" dirty="0" smtClean="0"/>
+              <a:t>Not only helps design for unknown presentation, fluid designs are also more accessible as they behave more appropriately when font sizing is changed.</a:t>
+            </a:r>
+            <a:endParaRPr lang="en-US" dirty="0"/>
+          </a:p>
+        </p:txBody>
+      </p:sp>
+    </p:spTree>
+    <p:extLst>
+      <p:ext uri="{BB962C8B-B14F-4D97-AF65-F5344CB8AC3E}">
+        <p14:creationId xmlns:p14="http://schemas.microsoft.com/office/powerpoint/2010/main" val="3464820219"/>
+      </p:ext>
+    </p:extLst>
+  </p:cSld>
+  <p:clrMapOvr>
+    <a:masterClrMapping/>
+  </p:clrMapOvr>
+</p:sld>
+</file>
+
+<file path=ppt/slides/slide7.xml><?xml version="1.0" encoding="utf-8"?>
+<p:sld xmlns:a="http://schemas.openxmlformats.org/drawingml/2006/main" xmlns:r="http://schemas.openxmlformats.org/officeDocument/2006/relationships" xmlns:p="http://schemas.openxmlformats.org/presentationml/2006/main">
+  <p:cSld>
+    <p:spTree>
+      <p:nvGrpSpPr>
+        <p:cNvPr id="1" name=""/>
+        <p:cNvGrpSpPr/>
+        <p:nvPr/>
+      </p:nvGrpSpPr>
+      <p:grpSpPr>
+        <a:xfrm>
+          <a:off x="0" y="0"/>
+          <a:ext cx="0" cy="0"/>
+          <a:chOff x="0" y="0"/>
+          <a:chExt cx="0" cy="0"/>
+        </a:xfrm>
+      </p:grpSpPr>
+      <p:sp>
+        <p:nvSpPr>
+          <p:cNvPr id="2" name="Title 1"/>
+          <p:cNvSpPr>
+            <a:spLocks noGrp="1"/>
+          </p:cNvSpPr>
+          <p:nvPr>
+            <p:ph type="title"/>
+          </p:nvPr>
+        </p:nvSpPr>
+        <p:spPr/>
+        <p:txBody>
+          <a:bodyPr/>
+          <a:lstStyle/>
+          <a:p>
+            <a:r>
+              <a:rPr lang="en-US" dirty="0" smtClean="0"/>
+              <a:t>First Reset the Playing Field</a:t>
+            </a:r>
+            <a:endParaRPr lang="en-US" dirty="0"/>
+          </a:p>
+        </p:txBody>
+      </p:sp>
+      <p:sp>
+        <p:nvSpPr>
+          <p:cNvPr id="3" name="Content Placeholder 2"/>
+          <p:cNvSpPr>
+            <a:spLocks noGrp="1"/>
+          </p:cNvSpPr>
+          <p:nvPr>
+            <p:ph idx="1"/>
+          </p:nvPr>
+        </p:nvSpPr>
+        <p:spPr/>
+        <p:txBody>
+          <a:bodyPr>
+            <a:normAutofit lnSpcReduction="10000"/>
+          </a:bodyPr>
+          <a:lstStyle/>
+          <a:p>
+            <a:r>
+              <a:rPr lang="en-US" dirty="0" smtClean="0"/>
+              <a:t>Reset CSS</a:t>
+            </a:r>
+          </a:p>
+          <a:p>
+            <a:pPr lvl="1"/>
+            <a:r>
+              <a:rPr lang="en-US" dirty="0"/>
+              <a:t>Reset all </a:t>
+            </a:r>
+            <a:r>
+              <a:rPr lang="en-US" dirty="0" err="1"/>
+              <a:t>css</a:t>
+            </a:r>
+            <a:r>
+              <a:rPr lang="en-US" dirty="0"/>
+              <a:t>, so that I am in charge of margins, padding, etc.</a:t>
+            </a:r>
+          </a:p>
+          <a:p>
+            <a:pPr lvl="1"/>
+            <a:r>
+              <a:rPr lang="en-US" dirty="0"/>
+              <a:t>Popular reset </a:t>
+            </a:r>
+            <a:r>
+              <a:rPr lang="en-US" dirty="0" err="1"/>
+              <a:t>css</a:t>
+            </a:r>
+            <a:r>
+              <a:rPr lang="en-US" dirty="0"/>
+              <a:t> can be found at: </a:t>
+            </a:r>
+            <a:r>
+              <a:rPr lang="en-US" dirty="0">
+                <a:hlinkClick r:id="rId2"/>
+              </a:rPr>
+              <a:t>http://www.cssreset.com</a:t>
+            </a:r>
+            <a:r>
+              <a:rPr lang="en-US" dirty="0" smtClean="0">
+                <a:hlinkClick r:id="rId2"/>
+              </a:rPr>
+              <a:t>/</a:t>
+            </a:r>
+            <a:r>
+              <a:rPr lang="en-US" dirty="0" smtClean="0"/>
+              <a:t>	</a:t>
+            </a:r>
+            <a:endParaRPr lang="en-US" dirty="0"/>
+          </a:p>
+          <a:p>
+            <a:pPr lvl="1"/>
+            <a:r>
+              <a:rPr lang="en-US" dirty="0"/>
+              <a:t>Modern frameworks generally include resets.</a:t>
+            </a:r>
+          </a:p>
+          <a:p>
+            <a:r>
+              <a:rPr lang="en-US" dirty="0" smtClean="0"/>
+              <a:t>Establish base size.</a:t>
+            </a:r>
+          </a:p>
+          <a:p>
+            <a:r>
+              <a:rPr lang="en-US" dirty="0" smtClean="0"/>
+              <a:t>1em is typically 16px, but you decide.</a:t>
+            </a:r>
+          </a:p>
+          <a:p>
+            <a:r>
+              <a:rPr lang="en-US" dirty="0" smtClean="0"/>
+              <a:t>Carry out calculations with this in mind, but it’s okay if 16px isn’t really an </a:t>
+            </a:r>
+            <a:r>
+              <a:rPr lang="en-US" dirty="0" err="1" smtClean="0"/>
+              <a:t>em</a:t>
+            </a:r>
+            <a:endParaRPr lang="en-US" dirty="0" smtClean="0"/>
+          </a:p>
+          <a:p>
+            <a:pPr marL="0" indent="0">
+              <a:buNone/>
+            </a:pPr>
+            <a:r>
+              <a:rPr lang="en-US" dirty="0" smtClean="0"/>
+              <a:t/>
+            </a:r>
+            <a:br>
+              <a:rPr lang="en-US" dirty="0" smtClean="0"/>
+            </a:br>
+            <a:endParaRPr lang="en-US" dirty="0" smtClean="0"/>
+          </a:p>
+        </p:txBody>
+      </p:sp>
+    </p:spTree>
+    <p:extLst>
+      <p:ext uri="{BB962C8B-B14F-4D97-AF65-F5344CB8AC3E}">
+        <p14:creationId xmlns:p14="http://schemas.microsoft.com/office/powerpoint/2010/main" val="250855105"/>
+      </p:ext>
+    </p:extLst>
+  </p:cSld>
+  <p:clrMapOvr>
+    <a:masterClrMapping/>
+  </p:clrMapOvr>
+</p:sld>
+</file>
+
+<file path=ppt/slides/slide8.xml><?xml version="1.0" encoding="utf-8"?>
+<p:sld xmlns:a="http://schemas.openxmlformats.org/drawingml/2006/main" xmlns:r="http://schemas.openxmlformats.org/officeDocument/2006/relationships" xmlns:p="http://schemas.openxmlformats.org/presentationml/2006/main">
+  <p:cSld>
+    <p:spTree>
+      <p:nvGrpSpPr>
+        <p:cNvPr id="1" name=""/>
+        <p:cNvGrpSpPr/>
+        <p:nvPr/>
+      </p:nvGrpSpPr>
+      <p:grpSpPr>
+        <a:xfrm>
+          <a:off x="0" y="0"/>
+          <a:ext cx="0" cy="0"/>
+          <a:chOff x="0" y="0"/>
+          <a:chExt cx="0" cy="0"/>
+        </a:xfrm>
+      </p:grpSpPr>
+      <p:sp>
+        <p:nvSpPr>
+          <p:cNvPr id="2" name="Title 1"/>
+          <p:cNvSpPr>
+            <a:spLocks noGrp="1"/>
+          </p:cNvSpPr>
+          <p:nvPr>
+            <p:ph type="title"/>
+          </p:nvPr>
+        </p:nvSpPr>
+        <p:spPr/>
+        <p:txBody>
+          <a:bodyPr/>
+          <a:lstStyle/>
+          <a:p>
+            <a:r>
+              <a:rPr lang="en-US" dirty="0" smtClean="0"/>
+              <a:t>Relative, but relative to what?</a:t>
+            </a:r>
+            <a:endParaRPr lang="en-US" dirty="0"/>
+          </a:p>
+        </p:txBody>
+      </p:sp>
+      <p:sp>
+        <p:nvSpPr>
+          <p:cNvPr id="3" name="Content Placeholder 2"/>
+          <p:cNvSpPr>
+            <a:spLocks noGrp="1"/>
+          </p:cNvSpPr>
+          <p:nvPr>
+            <p:ph idx="1"/>
+          </p:nvPr>
+        </p:nvSpPr>
+        <p:spPr/>
+        <p:txBody>
+          <a:bodyPr/>
+          <a:lstStyle/>
+          <a:p>
+            <a:r>
+              <a:rPr lang="en-US" dirty="0" err="1" smtClean="0"/>
+              <a:t>em</a:t>
+            </a:r>
+            <a:r>
+              <a:rPr lang="en-US" dirty="0" smtClean="0"/>
+              <a:t> and % are relative to their parent.</a:t>
+            </a:r>
+          </a:p>
+          <a:p>
+            <a:r>
+              <a:rPr lang="en-US" dirty="0" smtClean="0"/>
+              <a:t>For example, if 16px is 1em on the &lt;body&gt; element, and we have a &lt;p&gt; element that we set to 2em, that font-size is now 32px.  If you now have a &lt;span&gt; within the &lt;p&gt; that we set to 1.5em, how many pixels is that?</a:t>
+            </a:r>
+          </a:p>
+          <a:p>
+            <a:r>
+              <a:rPr lang="en-US" dirty="0" smtClean="0"/>
+              <a:t>48px is the right answer.  Did you think it was 24px?  </a:t>
+            </a:r>
+          </a:p>
+          <a:p>
+            <a:endParaRPr lang="en-US" dirty="0"/>
+          </a:p>
+        </p:txBody>
+      </p:sp>
+    </p:spTree>
+    <p:extLst>
+      <p:ext uri="{BB962C8B-B14F-4D97-AF65-F5344CB8AC3E}">
+        <p14:creationId xmlns:p14="http://schemas.microsoft.com/office/powerpoint/2010/main" val="2049071929"/>
+      </p:ext>
+    </p:extLst>
+  </p:cSld>
+  <p:clrMapOvr>
+    <a:masterClrMapping/>
+  </p:clrMapOvr>
+</p:sld>
+</file>
+
+<file path=ppt/slides/slide9.xml><?xml version="1.0" encoding="utf-8"?>
+<p:sld xmlns:a="http://schemas.openxmlformats.org/drawingml/2006/main" xmlns:r="http://schemas.openxmlformats.org/officeDocument/2006/relationships" xmlns:p="http://schemas.openxmlformats.org/presentationml/2006/main">
+  <p:cSld>
+    <p:spTree>
+      <p:nvGrpSpPr>
+        <p:cNvPr id="1" name=""/>
+        <p:cNvGrpSpPr/>
+        <p:nvPr/>
+      </p:nvGrpSpPr>
+      <p:grpSpPr>
+        <a:xfrm>
+          <a:off x="0" y="0"/>
+          <a:ext cx="0" cy="0"/>
+          <a:chOff x="0" y="0"/>
+          <a:chExt cx="0" cy="0"/>
+        </a:xfrm>
+      </p:grpSpPr>
+      <p:sp>
+        <p:nvSpPr>
+          <p:cNvPr id="2" name="Title 1"/>
+          <p:cNvSpPr>
+            <a:spLocks noGrp="1"/>
+          </p:cNvSpPr>
+          <p:nvPr>
+            <p:ph type="title"/>
+          </p:nvPr>
+        </p:nvSpPr>
+        <p:spPr/>
+        <p:txBody>
+          <a:bodyPr/>
+          <a:lstStyle/>
+          <a:p>
+            <a:r>
+              <a:rPr lang="en-US" dirty="0" smtClean="0"/>
+              <a:t>Fluid Images</a:t>
+            </a:r>
+            <a:endParaRPr lang="en-US" dirty="0"/>
+          </a:p>
+        </p:txBody>
+      </p:sp>
+      <p:sp>
+        <p:nvSpPr>
+          <p:cNvPr id="3" name="Content Placeholder 2"/>
+          <p:cNvSpPr>
+            <a:spLocks noGrp="1"/>
+          </p:cNvSpPr>
+          <p:nvPr>
+            <p:ph idx="1"/>
+          </p:nvPr>
+        </p:nvSpPr>
+        <p:spPr/>
+        <p:txBody>
+          <a:bodyPr/>
+          <a:lstStyle/>
+          <a:p>
+            <a:r>
+              <a:rPr lang="en-US" dirty="0" smtClean="0"/>
+              <a:t>&lt;</a:t>
+            </a:r>
+            <a:r>
+              <a:rPr lang="en-US" dirty="0" err="1" smtClean="0"/>
+              <a:t>img</a:t>
+            </a:r>
+            <a:r>
+              <a:rPr lang="en-US" dirty="0" smtClean="0"/>
+              <a:t> </a:t>
+            </a:r>
+            <a:r>
+              <a:rPr lang="en-US" dirty="0" err="1" smtClean="0"/>
+              <a:t>src</a:t>
+            </a:r>
+            <a:r>
+              <a:rPr lang="en-US" dirty="0" smtClean="0"/>
+              <a:t>=“</a:t>
+            </a:r>
+            <a:r>
+              <a:rPr lang="en-US" dirty="0" err="1" smtClean="0"/>
+              <a:t>img.ext</a:t>
+            </a:r>
+            <a:r>
+              <a:rPr lang="en-US" dirty="0" smtClean="0"/>
+              <a:t>” style=“max-width: 100%”&gt;</a:t>
+            </a:r>
+            <a:endParaRPr lang="en-US" dirty="0"/>
+          </a:p>
+        </p:txBody>
+      </p:sp>
+    </p:spTree>
+    <p:extLst>
+      <p:ext uri="{BB962C8B-B14F-4D97-AF65-F5344CB8AC3E}">
+        <p14:creationId xmlns:p14="http://schemas.microsoft.com/office/powerpoint/2010/main" val="420177653"/>
       </p:ext>
     </p:extLst>
   </p:cSld>

--- a/presentation/ResponsiveWebDesign.pptx
+++ b/presentation/ResponsiveWebDesign.pptx
@@ -3224,6 +3224,45 @@
           <a:bodyPr/>
           <a:lstStyle/>
           <a:p>
+            <a:r>
+              <a:rPr lang="en-US" dirty="0" smtClean="0"/>
+              <a:t>Problems with fluidity when things grow or shrink</a:t>
+            </a:r>
+          </a:p>
+          <a:p>
+            <a:pPr lvl="1"/>
+            <a:r>
+              <a:rPr lang="en-US" dirty="0" smtClean="0"/>
+              <a:t>Small sizes, images become too small to be useful</a:t>
+            </a:r>
+          </a:p>
+          <a:p>
+            <a:pPr lvl="1"/>
+            <a:r>
+              <a:rPr lang="en-US" dirty="0" smtClean="0"/>
+              <a:t>Large sizes, images begin to pixelate and degrade</a:t>
+            </a:r>
+          </a:p>
+          <a:p>
+            <a:pPr lvl="1"/>
+            <a:r>
+              <a:rPr lang="en-US" dirty="0" smtClean="0"/>
+              <a:t>Small sizes, form factor requires different approaches for information consumption</a:t>
+            </a:r>
+          </a:p>
+          <a:p>
+            <a:pPr lvl="1"/>
+            <a:r>
+              <a:rPr lang="en-US" dirty="0" smtClean="0"/>
+              <a:t>Large sizes, inefficient use of whitespace becomes a design and usability issue.</a:t>
+            </a:r>
+          </a:p>
+          <a:p>
+            <a:pPr lvl="1"/>
+            <a:r>
+              <a:rPr lang="en-US" dirty="0" smtClean="0"/>
+              <a:t>User interaction is not the same on mobile as it is on desktop.</a:t>
+            </a:r>
             <a:endParaRPr lang="en-US" dirty="0"/>
           </a:p>
         </p:txBody>
@@ -3733,15 +3772,7 @@
           <a:p>
             <a:r>
               <a:rPr lang="en-US" dirty="0" smtClean="0"/>
-              <a:t>Understand Fixed, Fluid</a:t>
-            </a:r>
-            <a:r>
-              <a:rPr lang="en-US" smtClean="0"/>
-              <a:t>, Adaptive </a:t>
-            </a:r>
-            <a:r>
-              <a:rPr lang="en-US" dirty="0" smtClean="0"/>
-              <a:t>and Responsive Web Design concepts on a practical level.</a:t>
+              <a:t>Understand Fixed, Fluid, Adaptive and Responsive Web Design concepts on a practical level.</a:t>
             </a:r>
           </a:p>
           <a:p>

--- a/presentation/ResponsiveWebDesign.pptx
+++ b/presentation/ResponsiveWebDesign.pptx
@@ -14,12 +14,15 @@
     <p:sldId id="266" r:id="rId8"/>
     <p:sldId id="267" r:id="rId9"/>
     <p:sldId id="268" r:id="rId10"/>
-    <p:sldId id="271" r:id="rId11"/>
-    <p:sldId id="272" r:id="rId12"/>
-    <p:sldId id="257" r:id="rId13"/>
-    <p:sldId id="259" r:id="rId14"/>
-    <p:sldId id="260" r:id="rId15"/>
-    <p:sldId id="261" r:id="rId16"/>
+    <p:sldId id="273" r:id="rId11"/>
+    <p:sldId id="274" r:id="rId12"/>
+    <p:sldId id="275" r:id="rId13"/>
+    <p:sldId id="271" r:id="rId14"/>
+    <p:sldId id="272" r:id="rId15"/>
+    <p:sldId id="257" r:id="rId16"/>
+    <p:sldId id="259" r:id="rId17"/>
+    <p:sldId id="260" r:id="rId18"/>
+    <p:sldId id="261" r:id="rId19"/>
   </p:sldIdLst>
   <p:sldSz cx="12192000" cy="6858000"/>
   <p:notesSz cx="6858000" cy="9144000"/>
@@ -269,7 +272,7 @@
             <a:fld id="{57B3EDBD-9D3B-4136-9D70-FC66C9D4D47F}" type="datetimeFigureOut">
               <a:rPr lang="en-US" smtClean="0"/>
               <a:pPr/>
-              <a:t>10/19/2014</a:t>
+              <a:t>10/20/2014</a:t>
             </a:fld>
             <a:endParaRPr lang="en-US"/>
           </a:p>
@@ -441,7 +444,7 @@
             <a:fld id="{57B3EDBD-9D3B-4136-9D70-FC66C9D4D47F}" type="datetimeFigureOut">
               <a:rPr lang="en-US" smtClean="0"/>
               <a:pPr/>
-              <a:t>10/19/2014</a:t>
+              <a:t>10/20/2014</a:t>
             </a:fld>
             <a:endParaRPr lang="en-US"/>
           </a:p>
@@ -623,7 +626,7 @@
             <a:fld id="{57B3EDBD-9D3B-4136-9D70-FC66C9D4D47F}" type="datetimeFigureOut">
               <a:rPr lang="en-US" smtClean="0"/>
               <a:pPr/>
-              <a:t>10/19/2014</a:t>
+              <a:t>10/20/2014</a:t>
             </a:fld>
             <a:endParaRPr lang="en-US"/>
           </a:p>
@@ -795,7 +798,7 @@
             <a:fld id="{57B3EDBD-9D3B-4136-9D70-FC66C9D4D47F}" type="datetimeFigureOut">
               <a:rPr lang="en-US" smtClean="0"/>
               <a:pPr/>
-              <a:t>10/19/2014</a:t>
+              <a:t>10/20/2014</a:t>
             </a:fld>
             <a:endParaRPr lang="en-US"/>
           </a:p>
@@ -1043,7 +1046,7 @@
             <a:fld id="{57B3EDBD-9D3B-4136-9D70-FC66C9D4D47F}" type="datetimeFigureOut">
               <a:rPr lang="en-US" smtClean="0"/>
               <a:pPr/>
-              <a:t>10/19/2014</a:t>
+              <a:t>10/20/2014</a:t>
             </a:fld>
             <a:endParaRPr lang="en-US"/>
           </a:p>
@@ -1277,7 +1280,7 @@
             <a:fld id="{57B3EDBD-9D3B-4136-9D70-FC66C9D4D47F}" type="datetimeFigureOut">
               <a:rPr lang="en-US" smtClean="0"/>
               <a:pPr/>
-              <a:t>10/19/2014</a:t>
+              <a:t>10/20/2014</a:t>
             </a:fld>
             <a:endParaRPr lang="en-US"/>
           </a:p>
@@ -1646,7 +1649,7 @@
             <a:fld id="{57B3EDBD-9D3B-4136-9D70-FC66C9D4D47F}" type="datetimeFigureOut">
               <a:rPr lang="en-US" smtClean="0"/>
               <a:pPr/>
-              <a:t>10/19/2014</a:t>
+              <a:t>10/20/2014</a:t>
             </a:fld>
             <a:endParaRPr lang="en-US"/>
           </a:p>
@@ -1766,7 +1769,7 @@
             <a:fld id="{57B3EDBD-9D3B-4136-9D70-FC66C9D4D47F}" type="datetimeFigureOut">
               <a:rPr lang="en-US" smtClean="0"/>
               <a:pPr/>
-              <a:t>10/19/2014</a:t>
+              <a:t>10/20/2014</a:t>
             </a:fld>
             <a:endParaRPr lang="en-US"/>
           </a:p>
@@ -1863,7 +1866,7 @@
             <a:fld id="{57B3EDBD-9D3B-4136-9D70-FC66C9D4D47F}" type="datetimeFigureOut">
               <a:rPr lang="en-US" smtClean="0"/>
               <a:pPr/>
-              <a:t>10/19/2014</a:t>
+              <a:t>10/20/2014</a:t>
             </a:fld>
             <a:endParaRPr lang="en-US"/>
           </a:p>
@@ -2142,7 +2145,7 @@
             <a:fld id="{57B3EDBD-9D3B-4136-9D70-FC66C9D4D47F}" type="datetimeFigureOut">
               <a:rPr lang="en-US" smtClean="0"/>
               <a:pPr/>
-              <a:t>10/19/2014</a:t>
+              <a:t>10/20/2014</a:t>
             </a:fld>
             <a:endParaRPr lang="en-US"/>
           </a:p>
@@ -2397,7 +2400,7 @@
             <a:fld id="{57B3EDBD-9D3B-4136-9D70-FC66C9D4D47F}" type="datetimeFigureOut">
               <a:rPr lang="en-US" smtClean="0"/>
               <a:pPr/>
-              <a:t>10/19/2014</a:t>
+              <a:t>10/20/2014</a:t>
             </a:fld>
             <a:endParaRPr lang="en-US"/>
           </a:p>
@@ -2612,7 +2615,7 @@
             <a:fld id="{57B3EDBD-9D3B-4136-9D70-FC66C9D4D47F}" type="datetimeFigureOut">
               <a:rPr lang="en-US" smtClean="0"/>
               <a:pPr/>
-              <a:t>10/19/2014</a:t>
+              <a:t>10/20/2014</a:t>
             </a:fld>
             <a:endParaRPr lang="en-US"/>
           </a:p>
@@ -3107,7 +3110,7 @@
           <a:p>
             <a:r>
               <a:rPr lang="en-US" dirty="0" smtClean="0"/>
-              <a:t>LAB 2: Using a Grid</a:t>
+              <a:t>Grids</a:t>
             </a:r>
             <a:endParaRPr lang="en-US" dirty="0"/>
           </a:p>
@@ -3130,36 +3133,38 @@
           <a:p>
             <a:r>
               <a:rPr lang="en-US" dirty="0" smtClean="0"/>
-              <a:t>Add 960 grid to our project.</a:t>
-            </a:r>
-          </a:p>
-          <a:p>
-            <a:r>
-              <a:rPr lang="en-US" dirty="0" smtClean="0"/>
-              <a:t>Use the grid to layout data on the index view.</a:t>
-            </a:r>
-          </a:p>
-          <a:p>
-            <a:r>
-              <a:rPr lang="en-US" dirty="0" smtClean="0"/>
-              <a:t>Use the lorem ipsum generator included with web essentials </a:t>
+              <a:t>Grids started in the publishing business to layout content.</a:t>
+            </a:r>
+          </a:p>
+          <a:p>
+            <a:r>
+              <a:rPr lang="en-US" dirty="0" smtClean="0"/>
+              <a:t>Even before the fluid/responsive revolution, </a:t>
             </a:r>
             <a:r>
               <a:rPr lang="en-US" dirty="0" err="1" smtClean="0"/>
-              <a:t>zen</a:t>
-            </a:r>
-            <a:r>
-              <a:rPr lang="en-US" dirty="0" smtClean="0"/>
-              <a:t> coding</a:t>
-            </a:r>
-            <a:endParaRPr lang="en-US" dirty="0"/>
+              <a:t>devs</a:t>
+            </a:r>
+            <a:r>
+              <a:rPr lang="en-US" dirty="0" smtClean="0"/>
+              <a:t> started devising grid frameworks to make page content layout easier.</a:t>
+            </a:r>
+          </a:p>
+          <a:p>
+            <a:r>
+              <a:rPr lang="en-US" dirty="0" smtClean="0"/>
+              <a:t>One framework popular from this time was 960.gs</a:t>
+            </a:r>
+          </a:p>
+          <a:p>
+            <a:endParaRPr lang="en-US" dirty="0" smtClean="0"/>
           </a:p>
         </p:txBody>
       </p:sp>
     </p:spTree>
     <p:extLst>
       <p:ext uri="{BB962C8B-B14F-4D97-AF65-F5344CB8AC3E}">
-        <p14:creationId xmlns:p14="http://schemas.microsoft.com/office/powerpoint/2010/main" val="1406915566"/>
+        <p14:creationId xmlns:p14="http://schemas.microsoft.com/office/powerpoint/2010/main" val="3833917966"/>
       </p:ext>
     </p:extLst>
   </p:cSld>
@@ -3203,7 +3208,7 @@
           <a:p>
             <a:r>
               <a:rPr lang="en-US" dirty="0" smtClean="0"/>
-              <a:t>From Fluid to Responsive</a:t>
+              <a:t>960.gs</a:t>
             </a:r>
             <a:endParaRPr lang="en-US" dirty="0"/>
           </a:p>
@@ -3226,42 +3231,57 @@
           <a:p>
             <a:r>
               <a:rPr lang="en-US" dirty="0" smtClean="0"/>
-              <a:t>Problems with fluidity when things grow or shrink</a:t>
+              <a:t>You can pick from 12, 16 or 24 columns (12 is pretty standard)</a:t>
+            </a:r>
+          </a:p>
+          <a:p>
+            <a:r>
+              <a:rPr lang="en-US" dirty="0" smtClean="0"/>
+              <a:t>Includes a reset.</a:t>
+            </a:r>
+          </a:p>
+          <a:p>
+            <a:r>
+              <a:rPr lang="en-US" dirty="0" smtClean="0"/>
+              <a:t>Your markup should have a wrapper of class container_12</a:t>
             </a:r>
           </a:p>
           <a:p>
             <a:pPr lvl="1"/>
             <a:r>
               <a:rPr lang="en-US" dirty="0" smtClean="0"/>
-              <a:t>Small sizes, images become too small to be useful</a:t>
-            </a:r>
-          </a:p>
-          <a:p>
-            <a:pPr lvl="1"/>
-            <a:r>
-              <a:rPr lang="en-US" dirty="0" smtClean="0"/>
-              <a:t>Large sizes, images begin to pixelate and degrade</a:t>
-            </a:r>
-          </a:p>
-          <a:p>
-            <a:pPr lvl="1"/>
-            <a:r>
-              <a:rPr lang="en-US" dirty="0" smtClean="0"/>
-              <a:t>Small sizes, form factor requires different approaches for information consumption</a:t>
-            </a:r>
-          </a:p>
-          <a:p>
-            <a:pPr lvl="1"/>
-            <a:r>
-              <a:rPr lang="en-US" dirty="0" smtClean="0"/>
-              <a:t>Large sizes, inefficient use of whitespace becomes a design and usability issue.</a:t>
-            </a:r>
-          </a:p>
-          <a:p>
-            <a:pPr lvl="1"/>
-            <a:r>
-              <a:rPr lang="en-US" dirty="0" smtClean="0"/>
-              <a:t>User interaction is not the same on mobile as it is on desktop.</a:t>
+              <a:t>This is set to 960px, but this could be changed to something else (but make it divisible by 12 </a:t>
+            </a:r>
+            <a:r>
+              <a:rPr lang="en-US" dirty="0" smtClean="0">
+                <a:sym typeface="Wingdings" panose="05000000000000000000" pitchFamily="2" charset="2"/>
+              </a:rPr>
+              <a:t></a:t>
+            </a:r>
+          </a:p>
+          <a:p>
+            <a:r>
+              <a:rPr lang="en-US" dirty="0" smtClean="0">
+                <a:sym typeface="Wingdings" panose="05000000000000000000" pitchFamily="2" charset="2"/>
+              </a:rPr>
+              <a:t>Content is classed by indicating how many columns should be spanned: .grid_4, .grid_6, .grid_3, </a:t>
+            </a:r>
+            <a:r>
+              <a:rPr lang="en-US" dirty="0" err="1" smtClean="0">
+                <a:sym typeface="Wingdings" panose="05000000000000000000" pitchFamily="2" charset="2"/>
+              </a:rPr>
+              <a:t>etc</a:t>
+            </a:r>
+            <a:endParaRPr lang="en-US" dirty="0" smtClean="0">
+              <a:sym typeface="Wingdings" panose="05000000000000000000" pitchFamily="2" charset="2"/>
+            </a:endParaRPr>
+          </a:p>
+          <a:p>
+            <a:r>
+              <a:rPr lang="en-US" dirty="0" smtClean="0">
+                <a:sym typeface="Wingdings" panose="05000000000000000000" pitchFamily="2" charset="2"/>
+              </a:rPr>
+              <a:t>These classes set widths and paddings in such a way as to provide layout, while each block is floated left</a:t>
             </a:r>
             <a:endParaRPr lang="en-US" dirty="0"/>
           </a:p>
@@ -3270,7 +3290,7 @@
     </p:spTree>
     <p:extLst>
       <p:ext uri="{BB962C8B-B14F-4D97-AF65-F5344CB8AC3E}">
-        <p14:creationId xmlns:p14="http://schemas.microsoft.com/office/powerpoint/2010/main" val="748470966"/>
+        <p14:creationId xmlns:p14="http://schemas.microsoft.com/office/powerpoint/2010/main" val="155520337"/>
       </p:ext>
     </p:extLst>
   </p:cSld>
@@ -3314,7 +3334,15 @@
           <a:p>
             <a:r>
               <a:rPr lang="en-US" dirty="0" smtClean="0"/>
-              <a:t>Viewport</a:t>
+              <a:t>960.gs </a:t>
+            </a:r>
+            <a:r>
+              <a:rPr lang="en-US" dirty="0" err="1" smtClean="0"/>
+              <a:t>cont</a:t>
+            </a:r>
+            <a:r>
+              <a:rPr lang="en-US" dirty="0" smtClean="0"/>
+              <a:t>…</a:t>
             </a:r>
             <a:endParaRPr lang="en-US" dirty="0"/>
           </a:p>
@@ -3332,20 +3360,49 @@
         </p:nvSpPr>
         <p:spPr/>
         <p:txBody>
-          <a:bodyPr>
-            <a:normAutofit/>
-          </a:bodyPr>
-          <a:lstStyle/>
-          <a:p>
-            <a:r>
-              <a:rPr lang="en-US" sz="2400" dirty="0" smtClean="0"/>
-              <a:t>&lt;meta name=“viewport” content=“width=device-width, initial-scale=1”&gt;</a:t>
-            </a:r>
-            <a:endParaRPr lang="en-US" sz="2400" dirty="0"/>
+          <a:bodyPr/>
+          <a:lstStyle/>
+          <a:p>
+            <a:r>
+              <a:rPr lang="en-US" dirty="0" err="1" smtClean="0"/>
+              <a:t>clearfix</a:t>
+            </a:r>
+            <a:r>
+              <a:rPr lang="en-US" dirty="0" smtClean="0"/>
+              <a:t> class is available to clear floats.</a:t>
+            </a:r>
+          </a:p>
+          <a:p>
+            <a:r>
+              <a:rPr lang="en-US" dirty="0" smtClean="0"/>
+              <a:t>alpha and omega classes indicate start and stop of rows and remove padding to keep content from wrapping.</a:t>
+            </a:r>
+          </a:p>
+          <a:p>
+            <a:r>
+              <a:rPr lang="en-US" dirty="0" smtClean="0"/>
+              <a:t>Also, make sure to change box-sizing if you are changing padding to keep content from spreading unexpectedly:</a:t>
+            </a:r>
+          </a:p>
+          <a:p>
+            <a:pPr lvl="1"/>
+            <a:r>
+              <a:rPr lang="en-US" dirty="0" smtClean="0"/>
+              <a:t>box-sizing</a:t>
+            </a:r>
+            <a:r>
+              <a:rPr lang="en-US" smtClean="0"/>
+              <a:t>: border-box;</a:t>
+            </a:r>
           </a:p>
         </p:txBody>
       </p:sp>
     </p:spTree>
+    <p:extLst>
+      <p:ext uri="{BB962C8B-B14F-4D97-AF65-F5344CB8AC3E}">
+        <p14:creationId xmlns:p14="http://schemas.microsoft.com/office/powerpoint/2010/main" val="22410764"/>
+      </p:ext>
+    </p:extLst>
   </p:cSld>
   <p:clrMapOvr>
     <a:masterClrMapping/>
@@ -3387,7 +3444,7 @@
           <a:p>
             <a:r>
               <a:rPr lang="en-US" dirty="0" smtClean="0"/>
-              <a:t>Media Queries</a:t>
+              <a:t>LAB 2: Using a Grid</a:t>
             </a:r>
             <a:endParaRPr lang="en-US" dirty="0"/>
           </a:p>
@@ -3410,7 +3467,27 @@
           <a:p>
             <a:r>
               <a:rPr lang="en-US" dirty="0" smtClean="0"/>
-              <a:t>@media screen and (min-width: 321px) and (max-width: 480px) { }</a:t>
+              <a:t>Add 960 grid to our project.</a:t>
+            </a:r>
+          </a:p>
+          <a:p>
+            <a:r>
+              <a:rPr lang="en-US" dirty="0" smtClean="0"/>
+              <a:t>Use the grid to layout data on the index view.</a:t>
+            </a:r>
+          </a:p>
+          <a:p>
+            <a:r>
+              <a:rPr lang="en-US" dirty="0" smtClean="0"/>
+              <a:t>Use the lorem ipsum generator included with web essentials </a:t>
+            </a:r>
+            <a:r>
+              <a:rPr lang="en-US" dirty="0" err="1" smtClean="0"/>
+              <a:t>zen</a:t>
+            </a:r>
+            <a:r>
+              <a:rPr lang="en-US" dirty="0" smtClean="0"/>
+              <a:t> coding</a:t>
             </a:r>
             <a:endParaRPr lang="en-US" dirty="0"/>
           </a:p>
@@ -3419,7 +3496,7 @@
     </p:spTree>
     <p:extLst>
       <p:ext uri="{BB962C8B-B14F-4D97-AF65-F5344CB8AC3E}">
-        <p14:creationId xmlns:p14="http://schemas.microsoft.com/office/powerpoint/2010/main" val="4204333805"/>
+        <p14:creationId xmlns:p14="http://schemas.microsoft.com/office/powerpoint/2010/main" val="1406915566"/>
       </p:ext>
     </p:extLst>
   </p:cSld>
@@ -3463,6 +3540,266 @@
           <a:p>
             <a:r>
               <a:rPr lang="en-US" dirty="0" smtClean="0"/>
+              <a:t>From Fluid to Responsive</a:t>
+            </a:r>
+            <a:endParaRPr lang="en-US" dirty="0"/>
+          </a:p>
+        </p:txBody>
+      </p:sp>
+      <p:sp>
+        <p:nvSpPr>
+          <p:cNvPr id="3" name="Content Placeholder 2"/>
+          <p:cNvSpPr>
+            <a:spLocks noGrp="1"/>
+          </p:cNvSpPr>
+          <p:nvPr>
+            <p:ph idx="1"/>
+          </p:nvPr>
+        </p:nvSpPr>
+        <p:spPr/>
+        <p:txBody>
+          <a:bodyPr/>
+          <a:lstStyle/>
+          <a:p>
+            <a:r>
+              <a:rPr lang="en-US" dirty="0" smtClean="0"/>
+              <a:t>Problems with fluidity when things grow or shrink</a:t>
+            </a:r>
+          </a:p>
+          <a:p>
+            <a:pPr lvl="1"/>
+            <a:r>
+              <a:rPr lang="en-US" dirty="0" smtClean="0"/>
+              <a:t>Small sizes, images become too small to be useful</a:t>
+            </a:r>
+          </a:p>
+          <a:p>
+            <a:pPr lvl="1"/>
+            <a:r>
+              <a:rPr lang="en-US" dirty="0" smtClean="0"/>
+              <a:t>Large sizes, images begin to pixelate and degrade</a:t>
+            </a:r>
+          </a:p>
+          <a:p>
+            <a:pPr lvl="1"/>
+            <a:r>
+              <a:rPr lang="en-US" dirty="0" smtClean="0"/>
+              <a:t>Small sizes, form factor requires different approaches for information consumption</a:t>
+            </a:r>
+          </a:p>
+          <a:p>
+            <a:pPr lvl="1"/>
+            <a:r>
+              <a:rPr lang="en-US" dirty="0" smtClean="0"/>
+              <a:t>Large sizes, inefficient use of whitespace becomes a design and usability issue.</a:t>
+            </a:r>
+          </a:p>
+          <a:p>
+            <a:pPr lvl="1"/>
+            <a:r>
+              <a:rPr lang="en-US" dirty="0" smtClean="0"/>
+              <a:t>User interaction is not the same on mobile as it is on desktop.</a:t>
+            </a:r>
+            <a:endParaRPr lang="en-US" dirty="0"/>
+          </a:p>
+        </p:txBody>
+      </p:sp>
+    </p:spTree>
+    <p:extLst>
+      <p:ext uri="{BB962C8B-B14F-4D97-AF65-F5344CB8AC3E}">
+        <p14:creationId xmlns:p14="http://schemas.microsoft.com/office/powerpoint/2010/main" val="748470966"/>
+      </p:ext>
+    </p:extLst>
+  </p:cSld>
+  <p:clrMapOvr>
+    <a:masterClrMapping/>
+  </p:clrMapOvr>
+</p:sld>
+</file>
+
+<file path=ppt/slides/slide15.xml><?xml version="1.0" encoding="utf-8"?>
+<p:sld xmlns:a="http://schemas.openxmlformats.org/drawingml/2006/main" xmlns:r="http://schemas.openxmlformats.org/officeDocument/2006/relationships" xmlns:p="http://schemas.openxmlformats.org/presentationml/2006/main">
+  <p:cSld>
+    <p:spTree>
+      <p:nvGrpSpPr>
+        <p:cNvPr id="1" name=""/>
+        <p:cNvGrpSpPr/>
+        <p:nvPr/>
+      </p:nvGrpSpPr>
+      <p:grpSpPr>
+        <a:xfrm>
+          <a:off x="0" y="0"/>
+          <a:ext cx="0" cy="0"/>
+          <a:chOff x="0" y="0"/>
+          <a:chExt cx="0" cy="0"/>
+        </a:xfrm>
+      </p:grpSpPr>
+      <p:sp>
+        <p:nvSpPr>
+          <p:cNvPr id="2" name="Title 1"/>
+          <p:cNvSpPr>
+            <a:spLocks noGrp="1"/>
+          </p:cNvSpPr>
+          <p:nvPr>
+            <p:ph type="title"/>
+          </p:nvPr>
+        </p:nvSpPr>
+        <p:spPr/>
+        <p:txBody>
+          <a:bodyPr/>
+          <a:lstStyle/>
+          <a:p>
+            <a:r>
+              <a:rPr lang="en-US" dirty="0" smtClean="0"/>
+              <a:t>Viewport</a:t>
+            </a:r>
+            <a:endParaRPr lang="en-US" dirty="0"/>
+          </a:p>
+        </p:txBody>
+      </p:sp>
+      <p:sp>
+        <p:nvSpPr>
+          <p:cNvPr id="3" name="Content Placeholder 2"/>
+          <p:cNvSpPr>
+            <a:spLocks noGrp="1"/>
+          </p:cNvSpPr>
+          <p:nvPr>
+            <p:ph idx="1"/>
+          </p:nvPr>
+        </p:nvSpPr>
+        <p:spPr/>
+        <p:txBody>
+          <a:bodyPr>
+            <a:normAutofit/>
+          </a:bodyPr>
+          <a:lstStyle/>
+          <a:p>
+            <a:r>
+              <a:rPr lang="en-US" sz="2400" dirty="0" smtClean="0"/>
+              <a:t>&lt;meta name=“viewport” content=“width=device-width, initial-scale=1”&gt;</a:t>
+            </a:r>
+            <a:endParaRPr lang="en-US" sz="2400" dirty="0"/>
+          </a:p>
+        </p:txBody>
+      </p:sp>
+    </p:spTree>
+  </p:cSld>
+  <p:clrMapOvr>
+    <a:masterClrMapping/>
+  </p:clrMapOvr>
+</p:sld>
+</file>
+
+<file path=ppt/slides/slide16.xml><?xml version="1.0" encoding="utf-8"?>
+<p:sld xmlns:a="http://schemas.openxmlformats.org/drawingml/2006/main" xmlns:r="http://schemas.openxmlformats.org/officeDocument/2006/relationships" xmlns:p="http://schemas.openxmlformats.org/presentationml/2006/main">
+  <p:cSld>
+    <p:spTree>
+      <p:nvGrpSpPr>
+        <p:cNvPr id="1" name=""/>
+        <p:cNvGrpSpPr/>
+        <p:nvPr/>
+      </p:nvGrpSpPr>
+      <p:grpSpPr>
+        <a:xfrm>
+          <a:off x="0" y="0"/>
+          <a:ext cx="0" cy="0"/>
+          <a:chOff x="0" y="0"/>
+          <a:chExt cx="0" cy="0"/>
+        </a:xfrm>
+      </p:grpSpPr>
+      <p:sp>
+        <p:nvSpPr>
+          <p:cNvPr id="2" name="Title 1"/>
+          <p:cNvSpPr>
+            <a:spLocks noGrp="1"/>
+          </p:cNvSpPr>
+          <p:nvPr>
+            <p:ph type="title"/>
+          </p:nvPr>
+        </p:nvSpPr>
+        <p:spPr/>
+        <p:txBody>
+          <a:bodyPr/>
+          <a:lstStyle/>
+          <a:p>
+            <a:r>
+              <a:rPr lang="en-US" dirty="0" smtClean="0"/>
+              <a:t>Media Queries</a:t>
+            </a:r>
+            <a:endParaRPr lang="en-US" dirty="0"/>
+          </a:p>
+        </p:txBody>
+      </p:sp>
+      <p:sp>
+        <p:nvSpPr>
+          <p:cNvPr id="3" name="Content Placeholder 2"/>
+          <p:cNvSpPr>
+            <a:spLocks noGrp="1"/>
+          </p:cNvSpPr>
+          <p:nvPr>
+            <p:ph idx="1"/>
+          </p:nvPr>
+        </p:nvSpPr>
+        <p:spPr/>
+        <p:txBody>
+          <a:bodyPr/>
+          <a:lstStyle/>
+          <a:p>
+            <a:r>
+              <a:rPr lang="en-US" dirty="0" smtClean="0"/>
+              <a:t>@media screen and (min-width: 321px) and (max-width: 480px) { }</a:t>
+            </a:r>
+            <a:endParaRPr lang="en-US" dirty="0"/>
+          </a:p>
+        </p:txBody>
+      </p:sp>
+    </p:spTree>
+    <p:extLst>
+      <p:ext uri="{BB962C8B-B14F-4D97-AF65-F5344CB8AC3E}">
+        <p14:creationId xmlns:p14="http://schemas.microsoft.com/office/powerpoint/2010/main" val="4204333805"/>
+      </p:ext>
+    </p:extLst>
+  </p:cSld>
+  <p:clrMapOvr>
+    <a:masterClrMapping/>
+  </p:clrMapOvr>
+</p:sld>
+</file>
+
+<file path=ppt/slides/slide17.xml><?xml version="1.0" encoding="utf-8"?>
+<p:sld xmlns:a="http://schemas.openxmlformats.org/drawingml/2006/main" xmlns:r="http://schemas.openxmlformats.org/officeDocument/2006/relationships" xmlns:p="http://schemas.openxmlformats.org/presentationml/2006/main">
+  <p:cSld>
+    <p:spTree>
+      <p:nvGrpSpPr>
+        <p:cNvPr id="1" name=""/>
+        <p:cNvGrpSpPr/>
+        <p:nvPr/>
+      </p:nvGrpSpPr>
+      <p:grpSpPr>
+        <a:xfrm>
+          <a:off x="0" y="0"/>
+          <a:ext cx="0" cy="0"/>
+          <a:chOff x="0" y="0"/>
+          <a:chExt cx="0" cy="0"/>
+        </a:xfrm>
+      </p:grpSpPr>
+      <p:sp>
+        <p:nvSpPr>
+          <p:cNvPr id="2" name="Title 1"/>
+          <p:cNvSpPr>
+            <a:spLocks noGrp="1"/>
+          </p:cNvSpPr>
+          <p:nvPr>
+            <p:ph type="title"/>
+          </p:nvPr>
+        </p:nvSpPr>
+        <p:spPr/>
+        <p:txBody>
+          <a:bodyPr/>
+          <a:lstStyle/>
+          <a:p>
+            <a:r>
+              <a:rPr lang="en-US" dirty="0" smtClean="0"/>
               <a:t>&lt;picture&gt;</a:t>
             </a:r>
             <a:endParaRPr lang="en-US" dirty="0"/>
@@ -3637,7 +3974,7 @@
 </p:sld>
 </file>
 
-<file path=ppt/slides/slide15.xml><?xml version="1.0" encoding="utf-8"?>
+<file path=ppt/slides/slide18.xml><?xml version="1.0" encoding="utf-8"?>
 <p:sld xmlns:a="http://schemas.openxmlformats.org/drawingml/2006/main" xmlns:r="http://schemas.openxmlformats.org/officeDocument/2006/relationships" xmlns:p="http://schemas.openxmlformats.org/presentationml/2006/main">
   <p:cSld>
     <p:spTree>
@@ -4604,7 +4941,17 @@
             </a:r>
             <a:r>
               <a:rPr lang="en-US" dirty="0" smtClean="0"/>
-              <a:t>” style=“max-width: 100%”&gt;</a:t>
+              <a:t>” style=“max-width: 100</a:t>
+            </a:r>
+            <a:r>
+              <a:rPr lang="en-US" dirty="0" smtClean="0"/>
+              <a:t>%”&gt;</a:t>
+            </a:r>
+          </a:p>
+          <a:p>
+            <a:r>
+              <a:rPr lang="en-US" dirty="0" smtClean="0"/>
+              <a:t>Note: no attributes for dimensions, but attribute for max-width.</a:t>
             </a:r>
             <a:endParaRPr lang="en-US" dirty="0"/>
           </a:p>

--- a/presentation/ResponsiveWebDesign.pptx
+++ b/presentation/ResponsiveWebDesign.pptx
@@ -19,8 +19,8 @@
     <p:sldId id="275" r:id="rId13"/>
     <p:sldId id="271" r:id="rId14"/>
     <p:sldId id="272" r:id="rId15"/>
-    <p:sldId id="257" r:id="rId16"/>
-    <p:sldId id="259" r:id="rId17"/>
+    <p:sldId id="276" r:id="rId16"/>
+    <p:sldId id="277" r:id="rId17"/>
     <p:sldId id="260" r:id="rId18"/>
     <p:sldId id="261" r:id="rId19"/>
   </p:sldIdLst>
@@ -3388,11 +3388,7 @@
             <a:pPr lvl="1"/>
             <a:r>
               <a:rPr lang="en-US" dirty="0" smtClean="0"/>
-              <a:t>box-sizing</a:t>
-            </a:r>
-            <a:r>
-              <a:rPr lang="en-US" smtClean="0"/>
-              <a:t>: border-box;</a:t>
+              <a:t>box-sizing: border-box;</a:t>
             </a:r>
           </a:p>
         </p:txBody>
@@ -3651,38 +3647,88 @@
           <a:p>
             <a:r>
               <a:rPr lang="en-US" dirty="0" smtClean="0"/>
+              <a:t>Keys to Responsive</a:t>
+            </a:r>
+            <a:endParaRPr lang="en-US" dirty="0"/>
+          </a:p>
+        </p:txBody>
+      </p:sp>
+      <p:sp>
+        <p:nvSpPr>
+          <p:cNvPr id="3" name="Content Placeholder 2"/>
+          <p:cNvSpPr>
+            <a:spLocks noGrp="1"/>
+          </p:cNvSpPr>
+          <p:nvPr>
+            <p:ph idx="1"/>
+          </p:nvPr>
+        </p:nvSpPr>
+        <p:spPr/>
+        <p:txBody>
+          <a:bodyPr/>
+          <a:lstStyle/>
+          <a:p>
+            <a:r>
+              <a:rPr lang="en-US" dirty="0" smtClean="0"/>
               <a:t>Viewport</a:t>
             </a:r>
+            <a:br>
+              <a:rPr lang="en-US" dirty="0" smtClean="0"/>
+            </a:br>
+            <a:r>
+              <a:rPr lang="en-US" sz="2400" dirty="0"/>
+              <a:t>&lt;meta name=“viewport” content=“width=device-width, initial-scale=1”&gt;</a:t>
+            </a:r>
+          </a:p>
+          <a:p>
+            <a:r>
+              <a:rPr lang="en-US" dirty="0" smtClean="0"/>
+              <a:t>Media queries</a:t>
+            </a:r>
+            <a:br>
+              <a:rPr lang="en-US" dirty="0" smtClean="0"/>
+            </a:br>
+            <a:r>
+              <a:rPr lang="en-US" dirty="0"/>
+              <a:t>@media screen and (min-width: 321px) and (max-width: 480px) { </a:t>
+            </a:r>
+            <a:r>
+              <a:rPr lang="en-US" dirty="0" smtClean="0"/>
+              <a:t>}</a:t>
+            </a:r>
+          </a:p>
+          <a:p>
+            <a:r>
+              <a:rPr lang="en-US" dirty="0" smtClean="0"/>
+              <a:t>Styles easily done with breakpoints, but DOM elements not so much.</a:t>
+            </a:r>
+          </a:p>
+          <a:p>
+            <a:pPr lvl="1"/>
+            <a:r>
+              <a:rPr lang="en-US" dirty="0" smtClean="0"/>
+              <a:t>This is especially important </a:t>
+            </a:r>
+            <a:r>
+              <a:rPr lang="en-US" smtClean="0"/>
+              <a:t>with images.</a:t>
+            </a:r>
             <a:endParaRPr lang="en-US" dirty="0"/>
           </a:p>
-        </p:txBody>
-      </p:sp>
-      <p:sp>
-        <p:nvSpPr>
-          <p:cNvPr id="3" name="Content Placeholder 2"/>
-          <p:cNvSpPr>
-            <a:spLocks noGrp="1"/>
-          </p:cNvSpPr>
-          <p:nvPr>
-            <p:ph idx="1"/>
-          </p:nvPr>
-        </p:nvSpPr>
-        <p:spPr/>
-        <p:txBody>
-          <a:bodyPr>
-            <a:normAutofit/>
-          </a:bodyPr>
-          <a:lstStyle/>
-          <a:p>
-            <a:r>
-              <a:rPr lang="en-US" sz="2400" dirty="0" smtClean="0"/>
-              <a:t>&lt;meta name=“viewport” content=“width=device-width, initial-scale=1”&gt;</a:t>
-            </a:r>
-            <a:endParaRPr lang="en-US" sz="2400" dirty="0"/>
+          <a:p>
+            <a:pPr marL="0" indent="0">
+              <a:buNone/>
+            </a:pPr>
+            <a:endParaRPr lang="en-US" dirty="0"/>
           </a:p>
         </p:txBody>
       </p:sp>
     </p:spTree>
+    <p:extLst>
+      <p:ext uri="{BB962C8B-B14F-4D97-AF65-F5344CB8AC3E}">
+        <p14:creationId xmlns:p14="http://schemas.microsoft.com/office/powerpoint/2010/main" val="1356732987"/>
+      </p:ext>
+    </p:extLst>
   </p:cSld>
   <p:clrMapOvr>
     <a:masterClrMapping/>
@@ -3723,8 +3769,20 @@
           <a:lstStyle/>
           <a:p>
             <a:r>
-              <a:rPr lang="en-US" dirty="0" smtClean="0"/>
-              <a:t>Media Queries</a:t>
+              <a:rPr lang="en-US" dirty="0" err="1" smtClean="0"/>
+              <a:t>em</a:t>
+            </a:r>
+            <a:r>
+              <a:rPr lang="en-US" dirty="0" smtClean="0"/>
+              <a:t> or </a:t>
+            </a:r>
+            <a:r>
+              <a:rPr lang="en-US" dirty="0" err="1" smtClean="0"/>
+              <a:t>px</a:t>
+            </a:r>
+            <a:r>
+              <a:rPr lang="en-US" dirty="0" smtClean="0"/>
+              <a:t> in media queries?</a:t>
             </a:r>
             <a:endParaRPr lang="en-US" dirty="0"/>
           </a:p>
@@ -3747,7 +3805,59 @@
           <a:p>
             <a:r>
               <a:rPr lang="en-US" dirty="0" smtClean="0"/>
-              <a:t>@media screen and (min-width: 321px) and (max-width: 480px) { }</a:t>
+              <a:t>Experts are divided on whether to use ems or </a:t>
+            </a:r>
+            <a:r>
+              <a:rPr lang="en-US" dirty="0" err="1" smtClean="0"/>
+              <a:t>pxs</a:t>
+            </a:r>
+            <a:r>
+              <a:rPr lang="en-US" dirty="0" smtClean="0"/>
+              <a:t> to define breakpoints.</a:t>
+            </a:r>
+          </a:p>
+          <a:p>
+            <a:r>
+              <a:rPr lang="en-US" dirty="0" smtClean="0"/>
+              <a:t>Problems arise with </a:t>
+            </a:r>
+            <a:r>
+              <a:rPr lang="en-US" dirty="0" err="1" smtClean="0"/>
+              <a:t>px</a:t>
+            </a:r>
+            <a:r>
+              <a:rPr lang="en-US" dirty="0" smtClean="0"/>
+              <a:t> when user changes browser default </a:t>
+            </a:r>
+            <a:r>
+              <a:rPr lang="en-US" dirty="0" err="1" smtClean="0"/>
+              <a:t>css</a:t>
+            </a:r>
+            <a:r>
+              <a:rPr lang="en-US" dirty="0" smtClean="0"/>
+              <a:t> zoom settings.  These are addressed by </a:t>
+            </a:r>
+            <a:r>
+              <a:rPr lang="en-US" dirty="0" err="1" smtClean="0"/>
+              <a:t>em</a:t>
+            </a:r>
+            <a:r>
+              <a:rPr lang="en-US" dirty="0" smtClean="0"/>
+              <a:t>.</a:t>
+            </a:r>
+          </a:p>
+          <a:p>
+            <a:r>
+              <a:rPr lang="en-US" dirty="0" smtClean="0"/>
+              <a:t>Opinion seems to be slowly coming around to using ems instead of </a:t>
+            </a:r>
+            <a:r>
+              <a:rPr lang="en-US" dirty="0" err="1" smtClean="0"/>
+              <a:t>pxs</a:t>
+            </a:r>
+            <a:r>
+              <a:rPr lang="en-US" dirty="0" smtClean="0"/>
+              <a:t>.</a:t>
             </a:r>
             <a:endParaRPr lang="en-US" dirty="0"/>
           </a:p>
@@ -3756,7 +3866,7 @@
     </p:spTree>
     <p:extLst>
       <p:ext uri="{BB962C8B-B14F-4D97-AF65-F5344CB8AC3E}">
-        <p14:creationId xmlns:p14="http://schemas.microsoft.com/office/powerpoint/2010/main" val="4204333805"/>
+        <p14:creationId xmlns:p14="http://schemas.microsoft.com/office/powerpoint/2010/main" val="3100501333"/>
       </p:ext>
     </p:extLst>
   </p:cSld>

--- a/presentation/ResponsiveWebDesign.pptx
+++ b/presentation/ResponsiveWebDesign.pptx
@@ -22,7 +22,9 @@
     <p:sldId id="276" r:id="rId16"/>
     <p:sldId id="277" r:id="rId17"/>
     <p:sldId id="260" r:id="rId18"/>
-    <p:sldId id="261" r:id="rId19"/>
+    <p:sldId id="279" r:id="rId19"/>
+    <p:sldId id="278" r:id="rId20"/>
+    <p:sldId id="261" r:id="rId21"/>
   </p:sldIdLst>
   <p:sldSz cx="12192000" cy="6858000"/>
   <p:notesSz cx="6858000" cy="9144000"/>
@@ -3707,11 +3709,7 @@
             <a:pPr lvl="1"/>
             <a:r>
               <a:rPr lang="en-US" dirty="0" smtClean="0"/>
-              <a:t>This is especially important </a:t>
-            </a:r>
-            <a:r>
-              <a:rPr lang="en-US" smtClean="0"/>
-              <a:t>with images.</a:t>
+              <a:t>This is especially important with images.</a:t>
             </a:r>
             <a:endParaRPr lang="en-US" dirty="0"/>
           </a:p>
@@ -4118,7 +4116,7 @@
           <a:p>
             <a:r>
               <a:rPr lang="en-US" dirty="0" smtClean="0"/>
-              <a:t>Problems with RWD</a:t>
+              <a:t>LAB 3: Picture Fill</a:t>
             </a:r>
             <a:endParaRPr lang="en-US" dirty="0"/>
           </a:p>
@@ -4136,23 +4134,265 @@
         </p:nvSpPr>
         <p:spPr/>
         <p:txBody>
-          <a:bodyPr>
-            <a:normAutofit/>
-          </a:bodyPr>
-          <a:lstStyle/>
-          <a:p>
-            <a:pPr lvl="1"/>
-            <a:r>
-              <a:rPr lang="en-US" dirty="0"/>
-              <a:t>http://www.creativebloq.com/responsive-web-design/problems-8122790</a:t>
-            </a:r>
+          <a:bodyPr/>
+          <a:lstStyle/>
+          <a:p>
+            <a:r>
+              <a:rPr lang="en-US" dirty="0" smtClean="0"/>
+              <a:t>Go to </a:t>
+            </a:r>
+            <a:r>
+              <a:rPr lang="en-US" dirty="0" err="1" smtClean="0"/>
+              <a:t>github</a:t>
+            </a:r>
+            <a:r>
+              <a:rPr lang="en-US" dirty="0" smtClean="0"/>
+              <a:t> and get the </a:t>
+            </a:r>
+            <a:r>
+              <a:rPr lang="en-US" dirty="0" err="1" smtClean="0"/>
+              <a:t>picturefill</a:t>
+            </a:r>
+            <a:r>
+              <a:rPr lang="en-US" dirty="0" smtClean="0"/>
+              <a:t> </a:t>
+            </a:r>
+            <a:r>
+              <a:rPr lang="en-US" dirty="0" err="1" smtClean="0"/>
+              <a:t>polyfill</a:t>
+            </a:r>
+            <a:r>
+              <a:rPr lang="en-US" dirty="0" smtClean="0"/>
+              <a:t>.</a:t>
+            </a:r>
+          </a:p>
+          <a:p>
+            <a:r>
+              <a:rPr lang="en-US" dirty="0" smtClean="0"/>
+              <a:t>Add it to the project</a:t>
+            </a:r>
+          </a:p>
+          <a:p>
+            <a:r>
+              <a:rPr lang="en-US" dirty="0" smtClean="0"/>
+              <a:t>Add a couple of different image files and set up the </a:t>
+            </a:r>
+            <a:r>
+              <a:rPr lang="en-US" dirty="0" err="1" smtClean="0"/>
+              <a:t>polyfill</a:t>
+            </a:r>
+            <a:r>
+              <a:rPr lang="en-US" dirty="0" smtClean="0"/>
+              <a:t> to swap out, depending on breakpoints.</a:t>
+            </a:r>
+          </a:p>
+          <a:p>
+            <a:r>
+              <a:rPr lang="en-US" dirty="0" smtClean="0"/>
+              <a:t>Use Chrome </a:t>
+            </a:r>
+            <a:r>
+              <a:rPr lang="en-US" dirty="0" err="1" smtClean="0"/>
+              <a:t>dev</a:t>
+            </a:r>
+            <a:r>
+              <a:rPr lang="en-US" dirty="0" smtClean="0"/>
+              <a:t> tools to emulate devices and to monitor net traffic to see that resources </a:t>
+            </a:r>
+            <a:r>
+              <a:rPr lang="en-US" smtClean="0"/>
+              <a:t>are efficiently used.</a:t>
+            </a:r>
+            <a:endParaRPr lang="en-US" dirty="0" smtClean="0"/>
           </a:p>
         </p:txBody>
       </p:sp>
     </p:spTree>
     <p:extLst>
       <p:ext uri="{BB962C8B-B14F-4D97-AF65-F5344CB8AC3E}">
-        <p14:creationId xmlns:p14="http://schemas.microsoft.com/office/powerpoint/2010/main" val="212909026"/>
+        <p14:creationId xmlns:p14="http://schemas.microsoft.com/office/powerpoint/2010/main" val="3557553001"/>
+      </p:ext>
+    </p:extLst>
+  </p:cSld>
+  <p:clrMapOvr>
+    <a:masterClrMapping/>
+  </p:clrMapOvr>
+</p:sld>
+</file>
+
+<file path=ppt/slides/slide19.xml><?xml version="1.0" encoding="utf-8"?>
+<p:sld xmlns:a="http://schemas.openxmlformats.org/drawingml/2006/main" xmlns:r="http://schemas.openxmlformats.org/officeDocument/2006/relationships" xmlns:p="http://schemas.openxmlformats.org/presentationml/2006/main">
+  <p:cSld>
+    <p:spTree>
+      <p:nvGrpSpPr>
+        <p:cNvPr id="1" name=""/>
+        <p:cNvGrpSpPr/>
+        <p:nvPr/>
+      </p:nvGrpSpPr>
+      <p:grpSpPr>
+        <a:xfrm>
+          <a:off x="0" y="0"/>
+          <a:ext cx="0" cy="0"/>
+          <a:chOff x="0" y="0"/>
+          <a:chExt cx="0" cy="0"/>
+        </a:xfrm>
+      </p:grpSpPr>
+      <p:sp>
+        <p:nvSpPr>
+          <p:cNvPr id="2" name="Title 1"/>
+          <p:cNvSpPr>
+            <a:spLocks noGrp="1"/>
+          </p:cNvSpPr>
+          <p:nvPr>
+            <p:ph type="title"/>
+          </p:nvPr>
+        </p:nvSpPr>
+        <p:spPr/>
+        <p:txBody>
+          <a:bodyPr/>
+          <a:lstStyle/>
+          <a:p>
+            <a:r>
+              <a:rPr lang="en-US" dirty="0" smtClean="0"/>
+              <a:t>Icon bar	</a:t>
+            </a:r>
+            <a:endParaRPr lang="en-US" dirty="0"/>
+          </a:p>
+        </p:txBody>
+      </p:sp>
+      <p:sp>
+        <p:nvSpPr>
+          <p:cNvPr id="3" name="Content Placeholder 2"/>
+          <p:cNvSpPr>
+            <a:spLocks noGrp="1"/>
+          </p:cNvSpPr>
+          <p:nvPr>
+            <p:ph idx="1"/>
+          </p:nvPr>
+        </p:nvSpPr>
+        <p:spPr/>
+        <p:txBody>
+          <a:bodyPr/>
+          <a:lstStyle/>
+          <a:p>
+            <a:r>
+              <a:rPr lang="en-US" dirty="0" smtClean="0"/>
+              <a:t>For the </a:t>
+            </a:r>
+            <a:r>
+              <a:rPr lang="en-US" dirty="0"/>
+              <a:t>collapse to work</a:t>
+            </a:r>
+            <a:r>
+              <a:rPr lang="en-US" dirty="0" smtClean="0"/>
+              <a:t>:</a:t>
+            </a:r>
+          </a:p>
+          <a:p>
+            <a:pPr marL="914400" lvl="1" indent="-457200">
+              <a:buFont typeface="+mj-lt"/>
+              <a:buAutoNum type="arabicPeriod"/>
+            </a:pPr>
+            <a:r>
+              <a:rPr lang="en-US" dirty="0" smtClean="0"/>
+              <a:t>button </a:t>
+            </a:r>
+            <a:r>
+              <a:rPr lang="en-US" dirty="0"/>
+              <a:t>with class </a:t>
+            </a:r>
+            <a:r>
+              <a:rPr lang="en-US" dirty="0" err="1"/>
+              <a:t>navbar</a:t>
+            </a:r>
+            <a:r>
+              <a:rPr lang="en-US" dirty="0"/>
+              <a:t>-toggle</a:t>
+            </a:r>
+          </a:p>
+          <a:p>
+            <a:pPr marL="914400" lvl="1" indent="-457200">
+              <a:buFont typeface="+mj-lt"/>
+              <a:buAutoNum type="arabicPeriod"/>
+            </a:pPr>
+            <a:r>
+              <a:rPr lang="en-US" dirty="0" smtClean="0"/>
+              <a:t>within </a:t>
+            </a:r>
+            <a:r>
+              <a:rPr lang="en-US" dirty="0" err="1"/>
+              <a:t>navbar</a:t>
+            </a:r>
+            <a:r>
+              <a:rPr lang="en-US" dirty="0"/>
+              <a:t>-header</a:t>
+            </a:r>
+          </a:p>
+          <a:p>
+            <a:pPr marL="914400" lvl="1" indent="-457200">
+              <a:buFont typeface="+mj-lt"/>
+              <a:buAutoNum type="arabicPeriod"/>
+            </a:pPr>
+            <a:r>
+              <a:rPr lang="en-US" dirty="0" smtClean="0"/>
+              <a:t>within </a:t>
+            </a:r>
+            <a:r>
+              <a:rPr lang="en-US" dirty="0" err="1"/>
+              <a:t>navbar</a:t>
+            </a:r>
+            <a:r>
+              <a:rPr lang="en-US" dirty="0"/>
+              <a:t> </a:t>
+            </a:r>
+            <a:r>
+              <a:rPr lang="en-US" dirty="0" err="1"/>
+              <a:t>navbar</a:t>
+            </a:r>
+            <a:r>
+              <a:rPr lang="en-US" dirty="0"/>
+              <a:t>-default</a:t>
+            </a:r>
+          </a:p>
+          <a:p>
+            <a:pPr marL="914400" lvl="1" indent="-457200">
+              <a:buFont typeface="+mj-lt"/>
+              <a:buAutoNum type="arabicPeriod"/>
+            </a:pPr>
+            <a:r>
+              <a:rPr lang="en-US" dirty="0" smtClean="0"/>
+              <a:t>for </a:t>
+            </a:r>
+            <a:r>
+              <a:rPr lang="en-US" dirty="0"/>
+              <a:t>the menu to right just and be cool </a:t>
+            </a:r>
+            <a:r>
+              <a:rPr lang="en-US" dirty="0" err="1"/>
+              <a:t>navbar-nav</a:t>
+            </a:r>
+            <a:r>
+              <a:rPr lang="en-US" dirty="0"/>
+              <a:t> </a:t>
+            </a:r>
+            <a:r>
+              <a:rPr lang="en-US" dirty="0" err="1"/>
+              <a:t>navbar</a:t>
+            </a:r>
+            <a:r>
+              <a:rPr lang="en-US" dirty="0"/>
+              <a:t>-right</a:t>
+            </a:r>
+          </a:p>
+          <a:p>
+            <a:endParaRPr lang="en-US" dirty="0"/>
+          </a:p>
+        </p:txBody>
+      </p:sp>
+    </p:spTree>
+    <p:extLst>
+      <p:ext uri="{BB962C8B-B14F-4D97-AF65-F5344CB8AC3E}">
+        <p14:creationId xmlns:p14="http://schemas.microsoft.com/office/powerpoint/2010/main" val="1106414729"/>
       </p:ext>
     </p:extLst>
   </p:cSld>
@@ -4259,6 +4499,84 @@
     <p:extLst>
       <p:ext uri="{BB962C8B-B14F-4D97-AF65-F5344CB8AC3E}">
         <p14:creationId xmlns:p14="http://schemas.microsoft.com/office/powerpoint/2010/main" val="3922520670"/>
+      </p:ext>
+    </p:extLst>
+  </p:cSld>
+  <p:clrMapOvr>
+    <a:masterClrMapping/>
+  </p:clrMapOvr>
+</p:sld>
+</file>
+
+<file path=ppt/slides/slide20.xml><?xml version="1.0" encoding="utf-8"?>
+<p:sld xmlns:a="http://schemas.openxmlformats.org/drawingml/2006/main" xmlns:r="http://schemas.openxmlformats.org/officeDocument/2006/relationships" xmlns:p="http://schemas.openxmlformats.org/presentationml/2006/main">
+  <p:cSld>
+    <p:spTree>
+      <p:nvGrpSpPr>
+        <p:cNvPr id="1" name=""/>
+        <p:cNvGrpSpPr/>
+        <p:nvPr/>
+      </p:nvGrpSpPr>
+      <p:grpSpPr>
+        <a:xfrm>
+          <a:off x="0" y="0"/>
+          <a:ext cx="0" cy="0"/>
+          <a:chOff x="0" y="0"/>
+          <a:chExt cx="0" cy="0"/>
+        </a:xfrm>
+      </p:grpSpPr>
+      <p:sp>
+        <p:nvSpPr>
+          <p:cNvPr id="2" name="Title 1"/>
+          <p:cNvSpPr>
+            <a:spLocks noGrp="1"/>
+          </p:cNvSpPr>
+          <p:nvPr>
+            <p:ph type="title"/>
+          </p:nvPr>
+        </p:nvSpPr>
+        <p:spPr/>
+        <p:txBody>
+          <a:bodyPr/>
+          <a:lstStyle/>
+          <a:p>
+            <a:r>
+              <a:rPr lang="en-US" dirty="0" smtClean="0"/>
+              <a:t>Problems with RWD</a:t>
+            </a:r>
+            <a:endParaRPr lang="en-US" dirty="0"/>
+          </a:p>
+        </p:txBody>
+      </p:sp>
+      <p:sp>
+        <p:nvSpPr>
+          <p:cNvPr id="3" name="Content Placeholder 2"/>
+          <p:cNvSpPr>
+            <a:spLocks noGrp="1"/>
+          </p:cNvSpPr>
+          <p:nvPr>
+            <p:ph idx="1"/>
+          </p:nvPr>
+        </p:nvSpPr>
+        <p:spPr/>
+        <p:txBody>
+          <a:bodyPr>
+            <a:normAutofit/>
+          </a:bodyPr>
+          <a:lstStyle/>
+          <a:p>
+            <a:pPr lvl="1"/>
+            <a:r>
+              <a:rPr lang="en-US" dirty="0"/>
+              <a:t>http://www.creativebloq.com/responsive-web-design/problems-8122790</a:t>
+            </a:r>
+          </a:p>
+        </p:txBody>
+      </p:sp>
+    </p:spTree>
+    <p:extLst>
+      <p:ext uri="{BB962C8B-B14F-4D97-AF65-F5344CB8AC3E}">
+        <p14:creationId xmlns:p14="http://schemas.microsoft.com/office/powerpoint/2010/main" val="212909026"/>
       </p:ext>
     </p:extLst>
   </p:cSld>

--- a/presentation/ResponsiveWebDesign.pptx
+++ b/presentation/ResponsiveWebDesign.pptx
@@ -23,8 +23,10 @@
     <p:sldId id="277" r:id="rId17"/>
     <p:sldId id="260" r:id="rId18"/>
     <p:sldId id="279" r:id="rId19"/>
-    <p:sldId id="278" r:id="rId20"/>
-    <p:sldId id="261" r:id="rId21"/>
+    <p:sldId id="280" r:id="rId20"/>
+    <p:sldId id="281" r:id="rId21"/>
+    <p:sldId id="278" r:id="rId22"/>
+    <p:sldId id="261" r:id="rId23"/>
   </p:sldIdLst>
   <p:sldSz cx="12192000" cy="6858000"/>
   <p:notesSz cx="6858000" cy="9144000"/>
@@ -4197,13 +4199,8 @@
             </a:r>
             <a:r>
               <a:rPr lang="en-US" dirty="0" smtClean="0"/>
-              <a:t> tools to emulate devices and to monitor net traffic to see that resources </a:t>
-            </a:r>
-            <a:r>
-              <a:rPr lang="en-US" smtClean="0"/>
-              <a:t>are efficiently used.</a:t>
-            </a:r>
-            <a:endParaRPr lang="en-US" dirty="0" smtClean="0"/>
+              <a:t> tools to emulate devices and to monitor net traffic to see that resources are efficiently used.</a:t>
+            </a:r>
           </a:p>
         </p:txBody>
       </p:sp>
@@ -4254,7 +4251,7 @@
           <a:p>
             <a:r>
               <a:rPr lang="en-US" dirty="0" smtClean="0"/>
-              <a:t>Icon bar	</a:t>
+              <a:t>Skeleton</a:t>
             </a:r>
             <a:endParaRPr lang="en-US" dirty="0"/>
           </a:p>
@@ -4277,122 +4274,37 @@
           <a:p>
             <a:r>
               <a:rPr lang="en-US" dirty="0" smtClean="0"/>
-              <a:t>For the </a:t>
-            </a:r>
-            <a:r>
-              <a:rPr lang="en-US" dirty="0"/>
-              <a:t>collapse to work</a:t>
-            </a:r>
-            <a:r>
-              <a:rPr lang="en-US" dirty="0" smtClean="0"/>
-              <a:t>:</a:t>
-            </a:r>
-          </a:p>
-          <a:p>
-            <a:pPr marL="914400" lvl="1" indent="-457200">
-              <a:buFont typeface="+mj-lt"/>
-              <a:buAutoNum type="arabicPeriod"/>
-            </a:pPr>
-            <a:r>
-              <a:rPr lang="en-US" dirty="0" smtClean="0"/>
-              <a:t>button </a:t>
-            </a:r>
-            <a:r>
-              <a:rPr lang="en-US" dirty="0"/>
-              <a:t>with class </a:t>
-            </a:r>
-            <a:r>
-              <a:rPr lang="en-US" dirty="0" err="1"/>
-              <a:t>navbar</a:t>
-            </a:r>
-            <a:r>
-              <a:rPr lang="en-US" dirty="0"/>
-              <a:t>-toggle</a:t>
-            </a:r>
-          </a:p>
-          <a:p>
-            <a:pPr marL="914400" lvl="1" indent="-457200">
-              <a:buFont typeface="+mj-lt"/>
-              <a:buAutoNum type="arabicPeriod"/>
-            </a:pPr>
-            <a:r>
-              <a:rPr lang="en-US" dirty="0" smtClean="0"/>
-              <a:t>within </a:t>
-            </a:r>
-            <a:r>
-              <a:rPr lang="en-US" dirty="0" err="1"/>
-              <a:t>navbar</a:t>
-            </a:r>
-            <a:r>
-              <a:rPr lang="en-US" dirty="0"/>
-              <a:t>-header</a:t>
-            </a:r>
-          </a:p>
-          <a:p>
-            <a:pPr marL="914400" lvl="1" indent="-457200">
-              <a:buFont typeface="+mj-lt"/>
-              <a:buAutoNum type="arabicPeriod"/>
-            </a:pPr>
-            <a:r>
-              <a:rPr lang="en-US" dirty="0" smtClean="0"/>
-              <a:t>within </a:t>
-            </a:r>
-            <a:r>
-              <a:rPr lang="en-US" dirty="0" err="1"/>
-              <a:t>navbar</a:t>
-            </a:r>
-            <a:r>
-              <a:rPr lang="en-US" dirty="0"/>
-              <a:t> </a:t>
-            </a:r>
-            <a:r>
-              <a:rPr lang="en-US" dirty="0" err="1"/>
-              <a:t>navbar</a:t>
-            </a:r>
-            <a:r>
-              <a:rPr lang="en-US" dirty="0"/>
-              <a:t>-default</a:t>
-            </a:r>
-          </a:p>
-          <a:p>
-            <a:pPr marL="914400" lvl="1" indent="-457200">
-              <a:buFont typeface="+mj-lt"/>
-              <a:buAutoNum type="arabicPeriod"/>
-            </a:pPr>
-            <a:r>
-              <a:rPr lang="en-US" dirty="0" smtClean="0"/>
-              <a:t>for </a:t>
-            </a:r>
-            <a:r>
-              <a:rPr lang="en-US" dirty="0"/>
-              <a:t>the menu to right just and be cool </a:t>
-            </a:r>
-            <a:r>
-              <a:rPr lang="en-US" dirty="0" err="1"/>
-              <a:t>navbar-nav</a:t>
-            </a:r>
-            <a:r>
-              <a:rPr lang="en-US" dirty="0"/>
-              <a:t> </a:t>
-            </a:r>
-            <a:r>
-              <a:rPr lang="en-US" dirty="0" err="1"/>
-              <a:t>navbar</a:t>
-            </a:r>
-            <a:r>
-              <a:rPr lang="en-US" dirty="0"/>
-              <a:t>-right</a:t>
-            </a:r>
-          </a:p>
-          <a:p>
-            <a:endParaRPr lang="en-US" dirty="0"/>
+              <a:t>Skeleton is a responsive grid.</a:t>
+            </a:r>
+          </a:p>
+          <a:p>
+            <a:r>
+              <a:rPr lang="en-US" dirty="0" smtClean="0"/>
+              <a:t>Consider this if you want a totally lightweight responsive framework.</a:t>
+            </a:r>
+          </a:p>
+          <a:p>
+            <a:r>
+              <a:rPr lang="en-US" dirty="0" smtClean="0"/>
+              <a:t>Get it at: </a:t>
+            </a:r>
+            <a:r>
+              <a:rPr lang="en-US" dirty="0" smtClean="0">
+                <a:hlinkClick r:id="rId2"/>
+              </a:rPr>
+              <a:t>http://getskeleton.com</a:t>
+            </a:r>
+            <a:endParaRPr lang="en-US" dirty="0" smtClean="0"/>
+          </a:p>
+          <a:p>
+            <a:endParaRPr lang="en-US" dirty="0" smtClean="0"/>
           </a:p>
         </p:txBody>
       </p:sp>
     </p:spTree>
     <p:extLst>
       <p:ext uri="{BB962C8B-B14F-4D97-AF65-F5344CB8AC3E}">
-        <p14:creationId xmlns:p14="http://schemas.microsoft.com/office/powerpoint/2010/main" val="1106414729"/>
+        <p14:creationId xmlns:p14="http://schemas.microsoft.com/office/powerpoint/2010/main" val="504528449"/>
       </p:ext>
     </p:extLst>
   </p:cSld>
@@ -4509,6 +4421,284 @@
 </file>
 
 <file path=ppt/slides/slide20.xml><?xml version="1.0" encoding="utf-8"?>
+<p:sld xmlns:a="http://schemas.openxmlformats.org/drawingml/2006/main" xmlns:r="http://schemas.openxmlformats.org/officeDocument/2006/relationships" xmlns:p="http://schemas.openxmlformats.org/presentationml/2006/main">
+  <p:cSld>
+    <p:spTree>
+      <p:nvGrpSpPr>
+        <p:cNvPr id="1" name=""/>
+        <p:cNvGrpSpPr/>
+        <p:nvPr/>
+      </p:nvGrpSpPr>
+      <p:grpSpPr>
+        <a:xfrm>
+          <a:off x="0" y="0"/>
+          <a:ext cx="0" cy="0"/>
+          <a:chOff x="0" y="0"/>
+          <a:chExt cx="0" cy="0"/>
+        </a:xfrm>
+      </p:grpSpPr>
+      <p:sp>
+        <p:nvSpPr>
+          <p:cNvPr id="2" name="Title 1"/>
+          <p:cNvSpPr>
+            <a:spLocks noGrp="1"/>
+          </p:cNvSpPr>
+          <p:nvPr>
+            <p:ph type="title"/>
+          </p:nvPr>
+        </p:nvSpPr>
+        <p:spPr/>
+        <p:txBody>
+          <a:bodyPr/>
+          <a:lstStyle/>
+          <a:p>
+            <a:r>
+              <a:rPr lang="en-US" dirty="0" smtClean="0"/>
+              <a:t>LAB 4: Update 960 grid to Skeleton</a:t>
+            </a:r>
+            <a:endParaRPr lang="en-US" dirty="0"/>
+          </a:p>
+        </p:txBody>
+      </p:sp>
+      <p:sp>
+        <p:nvSpPr>
+          <p:cNvPr id="3" name="Content Placeholder 2"/>
+          <p:cNvSpPr>
+            <a:spLocks noGrp="1"/>
+          </p:cNvSpPr>
+          <p:nvPr>
+            <p:ph idx="1"/>
+          </p:nvPr>
+        </p:nvSpPr>
+        <p:spPr/>
+        <p:txBody>
+          <a:bodyPr/>
+          <a:lstStyle/>
+          <a:p>
+            <a:r>
+              <a:rPr lang="en-US" dirty="0" smtClean="0"/>
+              <a:t>Update project with skeleton</a:t>
+            </a:r>
+          </a:p>
+          <a:p>
+            <a:r>
+              <a:rPr lang="en-US" dirty="0" smtClean="0"/>
+              <a:t>Update DOM to reference</a:t>
+            </a:r>
+          </a:p>
+          <a:p>
+            <a:r>
+              <a:rPr lang="en-US" dirty="0" smtClean="0"/>
+              <a:t>Test in responsive tools in Chrome </a:t>
+            </a:r>
+            <a:r>
+              <a:rPr lang="en-US" dirty="0" err="1" smtClean="0"/>
+              <a:t>dev</a:t>
+            </a:r>
+            <a:r>
+              <a:rPr lang="en-US" smtClean="0"/>
+              <a:t> tools.</a:t>
+            </a:r>
+            <a:endParaRPr lang="en-US"/>
+          </a:p>
+        </p:txBody>
+      </p:sp>
+    </p:spTree>
+    <p:extLst>
+      <p:ext uri="{BB962C8B-B14F-4D97-AF65-F5344CB8AC3E}">
+        <p14:creationId xmlns:p14="http://schemas.microsoft.com/office/powerpoint/2010/main" val="3811336391"/>
+      </p:ext>
+    </p:extLst>
+  </p:cSld>
+  <p:clrMapOvr>
+    <a:masterClrMapping/>
+  </p:clrMapOvr>
+</p:sld>
+</file>
+
+<file path=ppt/slides/slide21.xml><?xml version="1.0" encoding="utf-8"?>
+<p:sld xmlns:a="http://schemas.openxmlformats.org/drawingml/2006/main" xmlns:r="http://schemas.openxmlformats.org/officeDocument/2006/relationships" xmlns:p="http://schemas.openxmlformats.org/presentationml/2006/main">
+  <p:cSld>
+    <p:spTree>
+      <p:nvGrpSpPr>
+        <p:cNvPr id="1" name=""/>
+        <p:cNvGrpSpPr/>
+        <p:nvPr/>
+      </p:nvGrpSpPr>
+      <p:grpSpPr>
+        <a:xfrm>
+          <a:off x="0" y="0"/>
+          <a:ext cx="0" cy="0"/>
+          <a:chOff x="0" y="0"/>
+          <a:chExt cx="0" cy="0"/>
+        </a:xfrm>
+      </p:grpSpPr>
+      <p:sp>
+        <p:nvSpPr>
+          <p:cNvPr id="2" name="Title 1"/>
+          <p:cNvSpPr>
+            <a:spLocks noGrp="1"/>
+          </p:cNvSpPr>
+          <p:nvPr>
+            <p:ph type="title"/>
+          </p:nvPr>
+        </p:nvSpPr>
+        <p:spPr/>
+        <p:txBody>
+          <a:bodyPr/>
+          <a:lstStyle/>
+          <a:p>
+            <a:r>
+              <a:rPr lang="en-US" dirty="0" smtClean="0"/>
+              <a:t>Icon bar	</a:t>
+            </a:r>
+            <a:endParaRPr lang="en-US" dirty="0"/>
+          </a:p>
+        </p:txBody>
+      </p:sp>
+      <p:sp>
+        <p:nvSpPr>
+          <p:cNvPr id="3" name="Content Placeholder 2"/>
+          <p:cNvSpPr>
+            <a:spLocks noGrp="1"/>
+          </p:cNvSpPr>
+          <p:nvPr>
+            <p:ph idx="1"/>
+          </p:nvPr>
+        </p:nvSpPr>
+        <p:spPr/>
+        <p:txBody>
+          <a:bodyPr/>
+          <a:lstStyle/>
+          <a:p>
+            <a:r>
+              <a:rPr lang="en-US" dirty="0" smtClean="0"/>
+              <a:t>For the </a:t>
+            </a:r>
+            <a:r>
+              <a:rPr lang="en-US" dirty="0"/>
+              <a:t>collapse to work</a:t>
+            </a:r>
+            <a:r>
+              <a:rPr lang="en-US" dirty="0" smtClean="0"/>
+              <a:t>:</a:t>
+            </a:r>
+          </a:p>
+          <a:p>
+            <a:pPr marL="914400" lvl="1" indent="-457200">
+              <a:buFont typeface="+mj-lt"/>
+              <a:buAutoNum type="arabicPeriod"/>
+            </a:pPr>
+            <a:r>
+              <a:rPr lang="en-US" dirty="0" smtClean="0"/>
+              <a:t>button </a:t>
+            </a:r>
+            <a:r>
+              <a:rPr lang="en-US" dirty="0"/>
+              <a:t>with class </a:t>
+            </a:r>
+            <a:r>
+              <a:rPr lang="en-US" dirty="0" err="1"/>
+              <a:t>navbar</a:t>
+            </a:r>
+            <a:r>
+              <a:rPr lang="en-US" dirty="0"/>
+              <a:t>-toggle</a:t>
+            </a:r>
+          </a:p>
+          <a:p>
+            <a:pPr marL="914400" lvl="1" indent="-457200">
+              <a:buFont typeface="+mj-lt"/>
+              <a:buAutoNum type="arabicPeriod"/>
+            </a:pPr>
+            <a:r>
+              <a:rPr lang="en-US" dirty="0" smtClean="0"/>
+              <a:t>within </a:t>
+            </a:r>
+            <a:r>
+              <a:rPr lang="en-US" dirty="0" err="1"/>
+              <a:t>navbar</a:t>
+            </a:r>
+            <a:r>
+              <a:rPr lang="en-US" dirty="0"/>
+              <a:t>-header</a:t>
+            </a:r>
+          </a:p>
+          <a:p>
+            <a:pPr marL="914400" lvl="1" indent="-457200">
+              <a:buFont typeface="+mj-lt"/>
+              <a:buAutoNum type="arabicPeriod"/>
+            </a:pPr>
+            <a:r>
+              <a:rPr lang="en-US" dirty="0" smtClean="0"/>
+              <a:t>within </a:t>
+            </a:r>
+            <a:r>
+              <a:rPr lang="en-US" dirty="0" err="1"/>
+              <a:t>navbar</a:t>
+            </a:r>
+            <a:r>
+              <a:rPr lang="en-US" dirty="0"/>
+              <a:t> </a:t>
+            </a:r>
+            <a:r>
+              <a:rPr lang="en-US" dirty="0" err="1"/>
+              <a:t>navbar</a:t>
+            </a:r>
+            <a:r>
+              <a:rPr lang="en-US" dirty="0"/>
+              <a:t>-default</a:t>
+            </a:r>
+          </a:p>
+          <a:p>
+            <a:pPr marL="914400" lvl="1" indent="-457200">
+              <a:buFont typeface="+mj-lt"/>
+              <a:buAutoNum type="arabicPeriod"/>
+            </a:pPr>
+            <a:r>
+              <a:rPr lang="en-US" dirty="0" smtClean="0"/>
+              <a:t>for </a:t>
+            </a:r>
+            <a:r>
+              <a:rPr lang="en-US" dirty="0"/>
+              <a:t>the menu to right just and be cool </a:t>
+            </a:r>
+            <a:r>
+              <a:rPr lang="en-US" dirty="0" err="1"/>
+              <a:t>navbar-nav</a:t>
+            </a:r>
+            <a:r>
+              <a:rPr lang="en-US" dirty="0"/>
+              <a:t> </a:t>
+            </a:r>
+            <a:r>
+              <a:rPr lang="en-US" dirty="0" err="1"/>
+              <a:t>navbar</a:t>
+            </a:r>
+            <a:r>
+              <a:rPr lang="en-US" dirty="0"/>
+              <a:t>-right</a:t>
+            </a:r>
+          </a:p>
+          <a:p>
+            <a:endParaRPr lang="en-US" dirty="0"/>
+          </a:p>
+        </p:txBody>
+      </p:sp>
+    </p:spTree>
+    <p:extLst>
+      <p:ext uri="{BB962C8B-B14F-4D97-AF65-F5344CB8AC3E}">
+        <p14:creationId xmlns:p14="http://schemas.microsoft.com/office/powerpoint/2010/main" val="1106414729"/>
+      </p:ext>
+    </p:extLst>
+  </p:cSld>
+  <p:clrMapOvr>
+    <a:masterClrMapping/>
+  </p:clrMapOvr>
+</p:sld>
+</file>
+
+<file path=ppt/slides/slide22.xml><?xml version="1.0" encoding="utf-8"?>
 <p:sld xmlns:a="http://schemas.openxmlformats.org/drawingml/2006/main" xmlns:r="http://schemas.openxmlformats.org/officeDocument/2006/relationships" xmlns:p="http://schemas.openxmlformats.org/presentationml/2006/main">
   <p:cSld>
     <p:spTree>

--- a/presentation/ResponsiveWebDesign.pptx
+++ b/presentation/ResponsiveWebDesign.pptx
@@ -25,8 +25,13 @@
     <p:sldId id="279" r:id="rId19"/>
     <p:sldId id="280" r:id="rId20"/>
     <p:sldId id="281" r:id="rId21"/>
-    <p:sldId id="278" r:id="rId22"/>
-    <p:sldId id="261" r:id="rId23"/>
+    <p:sldId id="282" r:id="rId22"/>
+    <p:sldId id="283" r:id="rId23"/>
+    <p:sldId id="284" r:id="rId24"/>
+    <p:sldId id="285" r:id="rId25"/>
+    <p:sldId id="286" r:id="rId26"/>
+    <p:sldId id="278" r:id="rId27"/>
+    <p:sldId id="261" r:id="rId28"/>
   </p:sldIdLst>
   <p:sldSz cx="12192000" cy="6858000"/>
   <p:notesSz cx="6858000" cy="9144000"/>
@@ -4496,10 +4501,10 @@
               <a:t>dev</a:t>
             </a:r>
             <a:r>
-              <a:rPr lang="en-US" smtClean="0"/>
+              <a:rPr lang="en-US" dirty="0" smtClean="0"/>
               <a:t> tools.</a:t>
             </a:r>
-            <a:endParaRPr lang="en-US"/>
+            <a:endParaRPr lang="en-US" dirty="0"/>
           </a:p>
         </p:txBody>
       </p:sp>
@@ -4550,6 +4555,502 @@
           <a:p>
             <a:r>
               <a:rPr lang="en-US" dirty="0" smtClean="0"/>
+              <a:t>Foundation</a:t>
+            </a:r>
+            <a:endParaRPr lang="en-US" dirty="0"/>
+          </a:p>
+        </p:txBody>
+      </p:sp>
+      <p:sp>
+        <p:nvSpPr>
+          <p:cNvPr id="3" name="Content Placeholder 2"/>
+          <p:cNvSpPr>
+            <a:spLocks noGrp="1"/>
+          </p:cNvSpPr>
+          <p:nvPr>
+            <p:ph idx="1"/>
+          </p:nvPr>
+        </p:nvSpPr>
+        <p:spPr/>
+        <p:txBody>
+          <a:bodyPr/>
+          <a:lstStyle/>
+          <a:p>
+            <a:r>
+              <a:rPr lang="en-US" dirty="0">
+                <a:hlinkClick r:id="rId2"/>
+              </a:rPr>
+              <a:t>http://foundation.zurb.com</a:t>
+            </a:r>
+            <a:r>
+              <a:rPr lang="en-US" dirty="0" smtClean="0">
+                <a:hlinkClick r:id="rId2"/>
+              </a:rPr>
+              <a:t>/</a:t>
+            </a:r>
+            <a:endParaRPr lang="en-US" dirty="0" smtClean="0"/>
+          </a:p>
+          <a:p>
+            <a:r>
+              <a:rPr lang="en-US" dirty="0" smtClean="0"/>
+              <a:t>Alternative to the popular Bootstrap framework.</a:t>
+            </a:r>
+          </a:p>
+          <a:p>
+            <a:r>
+              <a:rPr lang="en-US" dirty="0" smtClean="0"/>
+              <a:t>Grid system used breakpoints before Bootstraps did: small, medium, large, </a:t>
+            </a:r>
+            <a:r>
+              <a:rPr lang="en-US" dirty="0" err="1" smtClean="0"/>
+              <a:t>xlarge</a:t>
+            </a:r>
+            <a:r>
+              <a:rPr lang="en-US" dirty="0" smtClean="0"/>
+              <a:t>, </a:t>
+            </a:r>
+            <a:r>
+              <a:rPr lang="en-US" dirty="0" err="1" smtClean="0"/>
+              <a:t>xxlarge</a:t>
+            </a:r>
+            <a:endParaRPr lang="en-US" dirty="0" smtClean="0"/>
+          </a:p>
+          <a:p>
+            <a:r>
+              <a:rPr lang="en-US" dirty="0" smtClean="0"/>
+              <a:t>Like Bootstrap, it has loads of widgets and styles.</a:t>
+            </a:r>
+          </a:p>
+          <a:p>
+            <a:pPr marL="0" indent="0">
+              <a:buNone/>
+            </a:pPr>
+            <a:endParaRPr lang="en-US" dirty="0"/>
+          </a:p>
+        </p:txBody>
+      </p:sp>
+    </p:spTree>
+    <p:extLst>
+      <p:ext uri="{BB962C8B-B14F-4D97-AF65-F5344CB8AC3E}">
+        <p14:creationId xmlns:p14="http://schemas.microsoft.com/office/powerpoint/2010/main" val="59607529"/>
+      </p:ext>
+    </p:extLst>
+  </p:cSld>
+  <p:clrMapOvr>
+    <a:masterClrMapping/>
+  </p:clrMapOvr>
+</p:sld>
+</file>
+
+<file path=ppt/slides/slide22.xml><?xml version="1.0" encoding="utf-8"?>
+<p:sld xmlns:a="http://schemas.openxmlformats.org/drawingml/2006/main" xmlns:r="http://schemas.openxmlformats.org/officeDocument/2006/relationships" xmlns:p="http://schemas.openxmlformats.org/presentationml/2006/main">
+  <p:cSld>
+    <p:spTree>
+      <p:nvGrpSpPr>
+        <p:cNvPr id="1" name=""/>
+        <p:cNvGrpSpPr/>
+        <p:nvPr/>
+      </p:nvGrpSpPr>
+      <p:grpSpPr>
+        <a:xfrm>
+          <a:off x="0" y="0"/>
+          <a:ext cx="0" cy="0"/>
+          <a:chOff x="0" y="0"/>
+          <a:chExt cx="0" cy="0"/>
+        </a:xfrm>
+      </p:grpSpPr>
+      <p:sp>
+        <p:nvSpPr>
+          <p:cNvPr id="2" name="Title 1"/>
+          <p:cNvSpPr>
+            <a:spLocks noGrp="1"/>
+          </p:cNvSpPr>
+          <p:nvPr>
+            <p:ph type="title"/>
+          </p:nvPr>
+        </p:nvSpPr>
+        <p:spPr/>
+        <p:txBody>
+          <a:bodyPr/>
+          <a:lstStyle/>
+          <a:p>
+            <a:r>
+              <a:rPr lang="en-US" dirty="0" smtClean="0"/>
+              <a:t>LAB 4: Implement home page in Foundation</a:t>
+            </a:r>
+            <a:endParaRPr lang="en-US" dirty="0"/>
+          </a:p>
+        </p:txBody>
+      </p:sp>
+      <p:sp>
+        <p:nvSpPr>
+          <p:cNvPr id="3" name="Content Placeholder 2"/>
+          <p:cNvSpPr>
+            <a:spLocks noGrp="1"/>
+          </p:cNvSpPr>
+          <p:nvPr>
+            <p:ph idx="1"/>
+          </p:nvPr>
+        </p:nvSpPr>
+        <p:spPr/>
+        <p:txBody>
+          <a:bodyPr/>
+          <a:lstStyle/>
+          <a:p>
+            <a:r>
+              <a:rPr lang="en-US" dirty="0" smtClean="0"/>
+              <a:t>Include a reference to necessary foundation files</a:t>
+            </a:r>
+          </a:p>
+          <a:p>
+            <a:r>
+              <a:rPr lang="en-US" dirty="0" smtClean="0"/>
+              <a:t>Prototype main page with Foundation</a:t>
+            </a:r>
+            <a:endParaRPr lang="en-US" dirty="0"/>
+          </a:p>
+        </p:txBody>
+      </p:sp>
+    </p:spTree>
+    <p:extLst>
+      <p:ext uri="{BB962C8B-B14F-4D97-AF65-F5344CB8AC3E}">
+        <p14:creationId xmlns:p14="http://schemas.microsoft.com/office/powerpoint/2010/main" val="3712090509"/>
+      </p:ext>
+    </p:extLst>
+  </p:cSld>
+  <p:clrMapOvr>
+    <a:masterClrMapping/>
+  </p:clrMapOvr>
+</p:sld>
+</file>
+
+<file path=ppt/slides/slide23.xml><?xml version="1.0" encoding="utf-8"?>
+<p:sld xmlns:a="http://schemas.openxmlformats.org/drawingml/2006/main" xmlns:r="http://schemas.openxmlformats.org/officeDocument/2006/relationships" xmlns:p="http://schemas.openxmlformats.org/presentationml/2006/main">
+  <p:cSld>
+    <p:spTree>
+      <p:nvGrpSpPr>
+        <p:cNvPr id="1" name=""/>
+        <p:cNvGrpSpPr/>
+        <p:nvPr/>
+      </p:nvGrpSpPr>
+      <p:grpSpPr>
+        <a:xfrm>
+          <a:off x="0" y="0"/>
+          <a:ext cx="0" cy="0"/>
+          <a:chOff x="0" y="0"/>
+          <a:chExt cx="0" cy="0"/>
+        </a:xfrm>
+      </p:grpSpPr>
+      <p:sp>
+        <p:nvSpPr>
+          <p:cNvPr id="2" name="Title 1"/>
+          <p:cNvSpPr>
+            <a:spLocks noGrp="1"/>
+          </p:cNvSpPr>
+          <p:nvPr>
+            <p:ph type="title"/>
+          </p:nvPr>
+        </p:nvSpPr>
+        <p:spPr/>
+        <p:txBody>
+          <a:bodyPr/>
+          <a:lstStyle/>
+          <a:p>
+            <a:r>
+              <a:rPr lang="en-US" dirty="0" smtClean="0"/>
+              <a:t>Bootstrap</a:t>
+            </a:r>
+            <a:endParaRPr lang="en-US" dirty="0"/>
+          </a:p>
+        </p:txBody>
+      </p:sp>
+      <p:sp>
+        <p:nvSpPr>
+          <p:cNvPr id="3" name="Content Placeholder 2"/>
+          <p:cNvSpPr>
+            <a:spLocks noGrp="1"/>
+          </p:cNvSpPr>
+          <p:nvPr>
+            <p:ph idx="1"/>
+          </p:nvPr>
+        </p:nvSpPr>
+        <p:spPr/>
+        <p:txBody>
+          <a:bodyPr/>
+          <a:lstStyle/>
+          <a:p>
+            <a:r>
+              <a:rPr lang="en-US" dirty="0" smtClean="0"/>
+              <a:t>World’s most popular framework.</a:t>
+            </a:r>
+          </a:p>
+          <a:p>
+            <a:r>
+              <a:rPr lang="en-US" dirty="0" smtClean="0"/>
+              <a:t>Like the previously mentioned Foundation, aside from the grid, includes a number of widgets.</a:t>
+            </a:r>
+          </a:p>
+          <a:p>
+            <a:r>
+              <a:rPr lang="en-US" dirty="0" smtClean="0"/>
+              <a:t>Like Foundation, take your time to get familiar with how to build pages using the framework.</a:t>
+            </a:r>
+            <a:endParaRPr lang="en-US" dirty="0"/>
+          </a:p>
+        </p:txBody>
+      </p:sp>
+    </p:spTree>
+    <p:extLst>
+      <p:ext uri="{BB962C8B-B14F-4D97-AF65-F5344CB8AC3E}">
+        <p14:creationId xmlns:p14="http://schemas.microsoft.com/office/powerpoint/2010/main" val="959140584"/>
+      </p:ext>
+    </p:extLst>
+  </p:cSld>
+  <p:clrMapOvr>
+    <a:masterClrMapping/>
+  </p:clrMapOvr>
+</p:sld>
+</file>
+
+<file path=ppt/slides/slide24.xml><?xml version="1.0" encoding="utf-8"?>
+<p:sld xmlns:a="http://schemas.openxmlformats.org/drawingml/2006/main" xmlns:r="http://schemas.openxmlformats.org/officeDocument/2006/relationships" xmlns:p="http://schemas.openxmlformats.org/presentationml/2006/main">
+  <p:cSld>
+    <p:spTree>
+      <p:nvGrpSpPr>
+        <p:cNvPr id="1" name=""/>
+        <p:cNvGrpSpPr/>
+        <p:nvPr/>
+      </p:nvGrpSpPr>
+      <p:grpSpPr>
+        <a:xfrm>
+          <a:off x="0" y="0"/>
+          <a:ext cx="0" cy="0"/>
+          <a:chOff x="0" y="0"/>
+          <a:chExt cx="0" cy="0"/>
+        </a:xfrm>
+      </p:grpSpPr>
+      <p:sp>
+        <p:nvSpPr>
+          <p:cNvPr id="2" name="Title 1"/>
+          <p:cNvSpPr>
+            <a:spLocks noGrp="1"/>
+          </p:cNvSpPr>
+          <p:nvPr>
+            <p:ph type="title"/>
+          </p:nvPr>
+        </p:nvSpPr>
+        <p:spPr/>
+        <p:txBody>
+          <a:bodyPr/>
+          <a:lstStyle/>
+          <a:p>
+            <a:r>
+              <a:rPr lang="en-US" dirty="0" smtClean="0"/>
+              <a:t>Foundation vs Bootstrap</a:t>
+            </a:r>
+            <a:endParaRPr lang="en-US" dirty="0"/>
+          </a:p>
+        </p:txBody>
+      </p:sp>
+      <p:sp>
+        <p:nvSpPr>
+          <p:cNvPr id="3" name="Content Placeholder 2"/>
+          <p:cNvSpPr>
+            <a:spLocks noGrp="1"/>
+          </p:cNvSpPr>
+          <p:nvPr>
+            <p:ph idx="1"/>
+          </p:nvPr>
+        </p:nvSpPr>
+        <p:spPr/>
+        <p:txBody>
+          <a:bodyPr/>
+          <a:lstStyle/>
+          <a:p>
+            <a:r>
+              <a:rPr lang="en-US" dirty="0" smtClean="0"/>
+              <a:t>Foundation seems to be easier to implement</a:t>
+            </a:r>
+          </a:p>
+          <a:p>
+            <a:r>
+              <a:rPr lang="en-US" dirty="0" smtClean="0"/>
+              <a:t>Foundation widgets are also easier to implement</a:t>
+            </a:r>
+          </a:p>
+          <a:p>
+            <a:r>
+              <a:rPr lang="en-US" dirty="0" smtClean="0"/>
+              <a:t>Bootstrap has a larger user base, so better support</a:t>
+            </a:r>
+          </a:p>
+          <a:p>
+            <a:r>
+              <a:rPr lang="en-US" dirty="0" smtClean="0"/>
+              <a:t>With the larger base, there are more extensions and themes</a:t>
+            </a:r>
+          </a:p>
+          <a:p>
+            <a:r>
+              <a:rPr lang="en-US" dirty="0" smtClean="0"/>
+              <a:t>Foundation, though, through its obscurity will seem fresher</a:t>
+            </a:r>
+          </a:p>
+          <a:p>
+            <a:r>
+              <a:rPr lang="en-US" dirty="0" smtClean="0"/>
+              <a:t>Bootstrap uses less native, but has sass versions</a:t>
+            </a:r>
+          </a:p>
+          <a:p>
+            <a:r>
+              <a:rPr lang="en-US" dirty="0" smtClean="0"/>
+              <a:t>Foundation built on sass</a:t>
+            </a:r>
+          </a:p>
+          <a:p>
+            <a:pPr marL="0" indent="0">
+              <a:buNone/>
+            </a:pPr>
+            <a:endParaRPr lang="en-US" dirty="0"/>
+          </a:p>
+        </p:txBody>
+      </p:sp>
+    </p:spTree>
+    <p:extLst>
+      <p:ext uri="{BB962C8B-B14F-4D97-AF65-F5344CB8AC3E}">
+        <p14:creationId xmlns:p14="http://schemas.microsoft.com/office/powerpoint/2010/main" val="849513799"/>
+      </p:ext>
+    </p:extLst>
+  </p:cSld>
+  <p:clrMapOvr>
+    <a:masterClrMapping/>
+  </p:clrMapOvr>
+</p:sld>
+</file>
+
+<file path=ppt/slides/slide25.xml><?xml version="1.0" encoding="utf-8"?>
+<p:sld xmlns:a="http://schemas.openxmlformats.org/drawingml/2006/main" xmlns:r="http://schemas.openxmlformats.org/officeDocument/2006/relationships" xmlns:p="http://schemas.openxmlformats.org/presentationml/2006/main">
+  <p:cSld>
+    <p:spTree>
+      <p:nvGrpSpPr>
+        <p:cNvPr id="1" name=""/>
+        <p:cNvGrpSpPr/>
+        <p:nvPr/>
+      </p:nvGrpSpPr>
+      <p:grpSpPr>
+        <a:xfrm>
+          <a:off x="0" y="0"/>
+          <a:ext cx="0" cy="0"/>
+          <a:chOff x="0" y="0"/>
+          <a:chExt cx="0" cy="0"/>
+        </a:xfrm>
+      </p:grpSpPr>
+      <p:sp>
+        <p:nvSpPr>
+          <p:cNvPr id="2" name="Title 1"/>
+          <p:cNvSpPr>
+            <a:spLocks noGrp="1"/>
+          </p:cNvSpPr>
+          <p:nvPr>
+            <p:ph type="title"/>
+          </p:nvPr>
+        </p:nvSpPr>
+        <p:spPr/>
+        <p:txBody>
+          <a:bodyPr/>
+          <a:lstStyle/>
+          <a:p>
+            <a:r>
+              <a:rPr lang="en-US" dirty="0" smtClean="0"/>
+              <a:t>LAB 5: Build it in bootstrap</a:t>
+            </a:r>
+            <a:endParaRPr lang="en-US" dirty="0"/>
+          </a:p>
+        </p:txBody>
+      </p:sp>
+      <p:sp>
+        <p:nvSpPr>
+          <p:cNvPr id="3" name="Content Placeholder 2"/>
+          <p:cNvSpPr>
+            <a:spLocks noGrp="1"/>
+          </p:cNvSpPr>
+          <p:nvPr>
+            <p:ph idx="1"/>
+          </p:nvPr>
+        </p:nvSpPr>
+        <p:spPr/>
+        <p:txBody>
+          <a:bodyPr/>
+          <a:lstStyle/>
+          <a:p>
+            <a:r>
+              <a:rPr lang="en-US" dirty="0" smtClean="0"/>
+              <a:t>Add refs to bootstrap in the project</a:t>
+            </a:r>
+          </a:p>
+          <a:p>
+            <a:r>
+              <a:rPr lang="en-US" dirty="0" smtClean="0"/>
+              <a:t>Redo homepage in bootstrap</a:t>
+            </a:r>
+          </a:p>
+          <a:p>
+            <a:r>
+              <a:rPr lang="en-US" dirty="0" smtClean="0"/>
+              <a:t>Implement other pages in bootstrap</a:t>
+            </a:r>
+            <a:endParaRPr lang="en-US" dirty="0"/>
+          </a:p>
+        </p:txBody>
+      </p:sp>
+    </p:spTree>
+    <p:extLst>
+      <p:ext uri="{BB962C8B-B14F-4D97-AF65-F5344CB8AC3E}">
+        <p14:creationId xmlns:p14="http://schemas.microsoft.com/office/powerpoint/2010/main" val="3422863844"/>
+      </p:ext>
+    </p:extLst>
+  </p:cSld>
+  <p:clrMapOvr>
+    <a:masterClrMapping/>
+  </p:clrMapOvr>
+</p:sld>
+</file>
+
+<file path=ppt/slides/slide26.xml><?xml version="1.0" encoding="utf-8"?>
+<p:sld xmlns:a="http://schemas.openxmlformats.org/drawingml/2006/main" xmlns:r="http://schemas.openxmlformats.org/officeDocument/2006/relationships" xmlns:p="http://schemas.openxmlformats.org/presentationml/2006/main">
+  <p:cSld>
+    <p:spTree>
+      <p:nvGrpSpPr>
+        <p:cNvPr id="1" name=""/>
+        <p:cNvGrpSpPr/>
+        <p:nvPr/>
+      </p:nvGrpSpPr>
+      <p:grpSpPr>
+        <a:xfrm>
+          <a:off x="0" y="0"/>
+          <a:ext cx="0" cy="0"/>
+          <a:chOff x="0" y="0"/>
+          <a:chExt cx="0" cy="0"/>
+        </a:xfrm>
+      </p:grpSpPr>
+      <p:sp>
+        <p:nvSpPr>
+          <p:cNvPr id="2" name="Title 1"/>
+          <p:cNvSpPr>
+            <a:spLocks noGrp="1"/>
+          </p:cNvSpPr>
+          <p:nvPr>
+            <p:ph type="title"/>
+          </p:nvPr>
+        </p:nvSpPr>
+        <p:spPr/>
+        <p:txBody>
+          <a:bodyPr/>
+          <a:lstStyle/>
+          <a:p>
+            <a:r>
+              <a:rPr lang="en-US" dirty="0" smtClean="0"/>
               <a:t>Icon bar	</a:t>
             </a:r>
             <a:endParaRPr lang="en-US" dirty="0"/>
@@ -4698,7 +5199,7 @@
 </p:sld>
 </file>
 
-<file path=ppt/slides/slide22.xml><?xml version="1.0" encoding="utf-8"?>
+<file path=ppt/slides/slide27.xml><?xml version="1.0" encoding="utf-8"?>
 <p:sld xmlns:a="http://schemas.openxmlformats.org/drawingml/2006/main" xmlns:r="http://schemas.openxmlformats.org/officeDocument/2006/relationships" xmlns:p="http://schemas.openxmlformats.org/presentationml/2006/main">
   <p:cSld>
     <p:spTree>
